--- a/ppt/Walkin #2.pptx
+++ b/ppt/Walkin #2.pptx
@@ -4,13 +4,17 @@
   <p:sldMasterIdLst>
     <p:sldMasterId id="2147483660" r:id="rId1"/>
   </p:sldMasterIdLst>
+  <p:notesMasterIdLst>
+    <p:notesMasterId r:id="rId9"/>
+  </p:notesMasterIdLst>
   <p:sldIdLst>
     <p:sldId id="256" r:id="rId2"/>
     <p:sldId id="258" r:id="rId3"/>
-    <p:sldId id="269" r:id="rId4"/>
-    <p:sldId id="270" r:id="rId5"/>
-    <p:sldId id="268" r:id="rId6"/>
-    <p:sldId id="267" r:id="rId7"/>
+    <p:sldId id="257" r:id="rId4"/>
+    <p:sldId id="269" r:id="rId5"/>
+    <p:sldId id="270" r:id="rId6"/>
+    <p:sldId id="268" r:id="rId7"/>
+    <p:sldId id="267" r:id="rId8"/>
   </p:sldIdLst>
   <p:sldSz cx="12192000" cy="6858000"/>
   <p:notesSz cx="6858000" cy="9144000"/>
@@ -109,7 +113,445 @@
       </a:defRPr>
     </a:lvl9pPr>
   </p:defaultTextStyle>
+  <p:extLst>
+    <p:ext uri="{EFAFB233-063F-42B5-8137-9DF3F51BA10A}">
+      <p15:sldGuideLst xmlns:p15="http://schemas.microsoft.com/office/powerpoint/2012/main"/>
+    </p:ext>
+  </p:extLst>
 </p:presentation>
+</file>
+
+<file path=ppt/notesMasters/notesMaster1.xml><?xml version="1.0" encoding="utf-8"?>
+<p:notesMaster xmlns:a="http://schemas.openxmlformats.org/drawingml/2006/main" xmlns:r="http://schemas.openxmlformats.org/officeDocument/2006/relationships" xmlns:p="http://schemas.openxmlformats.org/presentationml/2006/main">
+  <p:cSld>
+    <p:bg>
+      <p:bgRef idx="1001">
+        <a:schemeClr val="bg1"/>
+      </p:bgRef>
+    </p:bg>
+    <p:spTree>
+      <p:nvGrpSpPr>
+        <p:cNvPr id="1" name=""/>
+        <p:cNvGrpSpPr/>
+        <p:nvPr/>
+      </p:nvGrpSpPr>
+      <p:grpSpPr>
+        <a:xfrm>
+          <a:off x="0" y="0"/>
+          <a:ext cx="0" cy="0"/>
+          <a:chOff x="0" y="0"/>
+          <a:chExt cx="0" cy="0"/>
+        </a:xfrm>
+      </p:grpSpPr>
+      <p:sp>
+        <p:nvSpPr>
+          <p:cNvPr id="2" name="Header Placeholder 1"/>
+          <p:cNvSpPr>
+            <a:spLocks noGrp="1"/>
+          </p:cNvSpPr>
+          <p:nvPr>
+            <p:ph type="hdr" sz="quarter"/>
+          </p:nvPr>
+        </p:nvSpPr>
+        <p:spPr>
+          <a:xfrm>
+            <a:off x="0" y="0"/>
+            <a:ext cx="2971800" cy="458788"/>
+          </a:xfrm>
+          <a:prstGeom prst="rect">
+            <a:avLst/>
+          </a:prstGeom>
+        </p:spPr>
+        <p:txBody>
+          <a:bodyPr vert="horz" lIns="91440" tIns="45720" rIns="91440" bIns="45720" rtlCol="0"/>
+          <a:lstStyle>
+            <a:lvl1pPr algn="l">
+              <a:defRPr sz="1200"/>
+            </a:lvl1pPr>
+          </a:lstStyle>
+          <a:p>
+            <a:endParaRPr lang="en-US"/>
+          </a:p>
+        </p:txBody>
+      </p:sp>
+      <p:sp>
+        <p:nvSpPr>
+          <p:cNvPr id="3" name="Date Placeholder 2"/>
+          <p:cNvSpPr>
+            <a:spLocks noGrp="1"/>
+          </p:cNvSpPr>
+          <p:nvPr>
+            <p:ph type="dt" idx="1"/>
+          </p:nvPr>
+        </p:nvSpPr>
+        <p:spPr>
+          <a:xfrm>
+            <a:off x="3884613" y="0"/>
+            <a:ext cx="2971800" cy="458788"/>
+          </a:xfrm>
+          <a:prstGeom prst="rect">
+            <a:avLst/>
+          </a:prstGeom>
+        </p:spPr>
+        <p:txBody>
+          <a:bodyPr vert="horz" lIns="91440" tIns="45720" rIns="91440" bIns="45720" rtlCol="0"/>
+          <a:lstStyle>
+            <a:lvl1pPr algn="r">
+              <a:defRPr sz="1200"/>
+            </a:lvl1pPr>
+          </a:lstStyle>
+          <a:p>
+            <a:fld id="{A5D2C798-A52C-4E11-BB13-FB77F7691316}" type="datetimeFigureOut">
+              <a:rPr lang="en-US" smtClean="0"/>
+              <a:t>7/10/2018</a:t>
+            </a:fld>
+            <a:endParaRPr lang="en-US"/>
+          </a:p>
+        </p:txBody>
+      </p:sp>
+      <p:sp>
+        <p:nvSpPr>
+          <p:cNvPr id="4" name="Slide Image Placeholder 3"/>
+          <p:cNvSpPr>
+            <a:spLocks noGrp="1" noRot="1" noChangeAspect="1"/>
+          </p:cNvSpPr>
+          <p:nvPr>
+            <p:ph type="sldImg" idx="2"/>
+          </p:nvPr>
+        </p:nvSpPr>
+        <p:spPr>
+          <a:xfrm>
+            <a:off x="685800" y="1143000"/>
+            <a:ext cx="5486400" cy="3086100"/>
+          </a:xfrm>
+          <a:prstGeom prst="rect">
+            <a:avLst/>
+          </a:prstGeom>
+          <a:noFill/>
+          <a:ln w="12700">
+            <a:solidFill>
+              <a:prstClr val="black"/>
+            </a:solidFill>
+          </a:ln>
+        </p:spPr>
+        <p:txBody>
+          <a:bodyPr vert="horz" lIns="91440" tIns="45720" rIns="91440" bIns="45720" rtlCol="0" anchor="ctr"/>
+          <a:lstStyle/>
+          <a:p>
+            <a:endParaRPr lang="en-US"/>
+          </a:p>
+        </p:txBody>
+      </p:sp>
+      <p:sp>
+        <p:nvSpPr>
+          <p:cNvPr id="5" name="Notes Placeholder 4"/>
+          <p:cNvSpPr>
+            <a:spLocks noGrp="1"/>
+          </p:cNvSpPr>
+          <p:nvPr>
+            <p:ph type="body" sz="quarter" idx="3"/>
+          </p:nvPr>
+        </p:nvSpPr>
+        <p:spPr>
+          <a:xfrm>
+            <a:off x="685800" y="4400550"/>
+            <a:ext cx="5486400" cy="3600450"/>
+          </a:xfrm>
+          <a:prstGeom prst="rect">
+            <a:avLst/>
+          </a:prstGeom>
+        </p:spPr>
+        <p:txBody>
+          <a:bodyPr vert="horz" lIns="91440" tIns="45720" rIns="91440" bIns="45720" rtlCol="0"/>
+          <a:lstStyle/>
+          <a:p>
+            <a:pPr lvl="0"/>
+            <a:r>
+              <a:rPr lang="en-US"/>
+              <a:t>Edit Master text styles</a:t>
+            </a:r>
+          </a:p>
+          <a:p>
+            <a:pPr lvl="1"/>
+            <a:r>
+              <a:rPr lang="en-US"/>
+              <a:t>Second level</a:t>
+            </a:r>
+          </a:p>
+          <a:p>
+            <a:pPr lvl="2"/>
+            <a:r>
+              <a:rPr lang="en-US"/>
+              <a:t>Third level</a:t>
+            </a:r>
+          </a:p>
+          <a:p>
+            <a:pPr lvl="3"/>
+            <a:r>
+              <a:rPr lang="en-US"/>
+              <a:t>Fourth level</a:t>
+            </a:r>
+          </a:p>
+          <a:p>
+            <a:pPr lvl="4"/>
+            <a:r>
+              <a:rPr lang="en-US"/>
+              <a:t>Fifth level</a:t>
+            </a:r>
+          </a:p>
+        </p:txBody>
+      </p:sp>
+      <p:sp>
+        <p:nvSpPr>
+          <p:cNvPr id="6" name="Footer Placeholder 5"/>
+          <p:cNvSpPr>
+            <a:spLocks noGrp="1"/>
+          </p:cNvSpPr>
+          <p:nvPr>
+            <p:ph type="ftr" sz="quarter" idx="4"/>
+          </p:nvPr>
+        </p:nvSpPr>
+        <p:spPr>
+          <a:xfrm>
+            <a:off x="0" y="8685213"/>
+            <a:ext cx="2971800" cy="458787"/>
+          </a:xfrm>
+          <a:prstGeom prst="rect">
+            <a:avLst/>
+          </a:prstGeom>
+        </p:spPr>
+        <p:txBody>
+          <a:bodyPr vert="horz" lIns="91440" tIns="45720" rIns="91440" bIns="45720" rtlCol="0" anchor="b"/>
+          <a:lstStyle>
+            <a:lvl1pPr algn="l">
+              <a:defRPr sz="1200"/>
+            </a:lvl1pPr>
+          </a:lstStyle>
+          <a:p>
+            <a:endParaRPr lang="en-US"/>
+          </a:p>
+        </p:txBody>
+      </p:sp>
+      <p:sp>
+        <p:nvSpPr>
+          <p:cNvPr id="7" name="Slide Number Placeholder 6"/>
+          <p:cNvSpPr>
+            <a:spLocks noGrp="1"/>
+          </p:cNvSpPr>
+          <p:nvPr>
+            <p:ph type="sldNum" sz="quarter" idx="5"/>
+          </p:nvPr>
+        </p:nvSpPr>
+        <p:spPr>
+          <a:xfrm>
+            <a:off x="3884613" y="8685213"/>
+            <a:ext cx="2971800" cy="458787"/>
+          </a:xfrm>
+          <a:prstGeom prst="rect">
+            <a:avLst/>
+          </a:prstGeom>
+        </p:spPr>
+        <p:txBody>
+          <a:bodyPr vert="horz" lIns="91440" tIns="45720" rIns="91440" bIns="45720" rtlCol="0" anchor="b"/>
+          <a:lstStyle>
+            <a:lvl1pPr algn="r">
+              <a:defRPr sz="1200"/>
+            </a:lvl1pPr>
+          </a:lstStyle>
+          <a:p>
+            <a:fld id="{FD0645A7-EB71-4A13-9C68-9F5A71543827}" type="slidenum">
+              <a:rPr lang="en-US" smtClean="0"/>
+              <a:t>‹#›</a:t>
+            </a:fld>
+            <a:endParaRPr lang="en-US"/>
+          </a:p>
+        </p:txBody>
+      </p:sp>
+    </p:spTree>
+    <p:extLst>
+      <p:ext uri="{BB962C8B-B14F-4D97-AF65-F5344CB8AC3E}">
+        <p14:creationId xmlns:p14="http://schemas.microsoft.com/office/powerpoint/2010/main" val="3117327098"/>
+      </p:ext>
+    </p:extLst>
+  </p:cSld>
+  <p:clrMap bg1="lt1" tx1="dk1" bg2="lt2" tx2="dk2" accent1="accent1" accent2="accent2" accent3="accent3" accent4="accent4" accent5="accent5" accent6="accent6" hlink="hlink" folHlink="folHlink"/>
+  <p:notesStyle>
+    <a:lvl1pPr marL="0" algn="l" defTabSz="914400" rtl="0" eaLnBrk="1" latinLnBrk="0" hangingPunct="1">
+      <a:defRPr sz="1200" kern="1200">
+        <a:solidFill>
+          <a:schemeClr val="tx1"/>
+        </a:solidFill>
+        <a:latin typeface="+mn-lt"/>
+        <a:ea typeface="+mn-ea"/>
+        <a:cs typeface="+mn-cs"/>
+      </a:defRPr>
+    </a:lvl1pPr>
+    <a:lvl2pPr marL="457200" algn="l" defTabSz="914400" rtl="0" eaLnBrk="1" latinLnBrk="0" hangingPunct="1">
+      <a:defRPr sz="1200" kern="1200">
+        <a:solidFill>
+          <a:schemeClr val="tx1"/>
+        </a:solidFill>
+        <a:latin typeface="+mn-lt"/>
+        <a:ea typeface="+mn-ea"/>
+        <a:cs typeface="+mn-cs"/>
+      </a:defRPr>
+    </a:lvl2pPr>
+    <a:lvl3pPr marL="914400" algn="l" defTabSz="914400" rtl="0" eaLnBrk="1" latinLnBrk="0" hangingPunct="1">
+      <a:defRPr sz="1200" kern="1200">
+        <a:solidFill>
+          <a:schemeClr val="tx1"/>
+        </a:solidFill>
+        <a:latin typeface="+mn-lt"/>
+        <a:ea typeface="+mn-ea"/>
+        <a:cs typeface="+mn-cs"/>
+      </a:defRPr>
+    </a:lvl3pPr>
+    <a:lvl4pPr marL="1371600" algn="l" defTabSz="914400" rtl="0" eaLnBrk="1" latinLnBrk="0" hangingPunct="1">
+      <a:defRPr sz="1200" kern="1200">
+        <a:solidFill>
+          <a:schemeClr val="tx1"/>
+        </a:solidFill>
+        <a:latin typeface="+mn-lt"/>
+        <a:ea typeface="+mn-ea"/>
+        <a:cs typeface="+mn-cs"/>
+      </a:defRPr>
+    </a:lvl4pPr>
+    <a:lvl5pPr marL="1828800" algn="l" defTabSz="914400" rtl="0" eaLnBrk="1" latinLnBrk="0" hangingPunct="1">
+      <a:defRPr sz="1200" kern="1200">
+        <a:solidFill>
+          <a:schemeClr val="tx1"/>
+        </a:solidFill>
+        <a:latin typeface="+mn-lt"/>
+        <a:ea typeface="+mn-ea"/>
+        <a:cs typeface="+mn-cs"/>
+      </a:defRPr>
+    </a:lvl5pPr>
+    <a:lvl6pPr marL="2286000" algn="l" defTabSz="914400" rtl="0" eaLnBrk="1" latinLnBrk="0" hangingPunct="1">
+      <a:defRPr sz="1200" kern="1200">
+        <a:solidFill>
+          <a:schemeClr val="tx1"/>
+        </a:solidFill>
+        <a:latin typeface="+mn-lt"/>
+        <a:ea typeface="+mn-ea"/>
+        <a:cs typeface="+mn-cs"/>
+      </a:defRPr>
+    </a:lvl6pPr>
+    <a:lvl7pPr marL="2743200" algn="l" defTabSz="914400" rtl="0" eaLnBrk="1" latinLnBrk="0" hangingPunct="1">
+      <a:defRPr sz="1200" kern="1200">
+        <a:solidFill>
+          <a:schemeClr val="tx1"/>
+        </a:solidFill>
+        <a:latin typeface="+mn-lt"/>
+        <a:ea typeface="+mn-ea"/>
+        <a:cs typeface="+mn-cs"/>
+      </a:defRPr>
+    </a:lvl7pPr>
+    <a:lvl8pPr marL="3200400" algn="l" defTabSz="914400" rtl="0" eaLnBrk="1" latinLnBrk="0" hangingPunct="1">
+      <a:defRPr sz="1200" kern="1200">
+        <a:solidFill>
+          <a:schemeClr val="tx1"/>
+        </a:solidFill>
+        <a:latin typeface="+mn-lt"/>
+        <a:ea typeface="+mn-ea"/>
+        <a:cs typeface="+mn-cs"/>
+      </a:defRPr>
+    </a:lvl8pPr>
+    <a:lvl9pPr marL="3657600" algn="l" defTabSz="914400" rtl="0" eaLnBrk="1" latinLnBrk="0" hangingPunct="1">
+      <a:defRPr sz="1200" kern="1200">
+        <a:solidFill>
+          <a:schemeClr val="tx1"/>
+        </a:solidFill>
+        <a:latin typeface="+mn-lt"/>
+        <a:ea typeface="+mn-ea"/>
+        <a:cs typeface="+mn-cs"/>
+      </a:defRPr>
+    </a:lvl9pPr>
+  </p:notesStyle>
+</p:notesMaster>
+</file>
+
+<file path=ppt/notesSlides/notesSlide1.xml><?xml version="1.0" encoding="utf-8"?>
+<p:notes xmlns:a="http://schemas.openxmlformats.org/drawingml/2006/main" xmlns:r="http://schemas.openxmlformats.org/officeDocument/2006/relationships" xmlns:p="http://schemas.openxmlformats.org/presentationml/2006/main">
+  <p:cSld>
+    <p:spTree>
+      <p:nvGrpSpPr>
+        <p:cNvPr id="1" name=""/>
+        <p:cNvGrpSpPr/>
+        <p:nvPr/>
+      </p:nvGrpSpPr>
+      <p:grpSpPr>
+        <a:xfrm>
+          <a:off x="0" y="0"/>
+          <a:ext cx="0" cy="0"/>
+          <a:chOff x="0" y="0"/>
+          <a:chExt cx="0" cy="0"/>
+        </a:xfrm>
+      </p:grpSpPr>
+      <p:sp>
+        <p:nvSpPr>
+          <p:cNvPr id="2" name="Slide Image Placeholder 1"/>
+          <p:cNvSpPr>
+            <a:spLocks noGrp="1" noRot="1" noChangeAspect="1"/>
+          </p:cNvSpPr>
+          <p:nvPr>
+            <p:ph type="sldImg"/>
+          </p:nvPr>
+        </p:nvSpPr>
+        <p:spPr/>
+      </p:sp>
+      <p:sp>
+        <p:nvSpPr>
+          <p:cNvPr id="3" name="Notes Placeholder 2"/>
+          <p:cNvSpPr>
+            <a:spLocks noGrp="1"/>
+          </p:cNvSpPr>
+          <p:nvPr>
+            <p:ph type="body" idx="1"/>
+          </p:nvPr>
+        </p:nvSpPr>
+        <p:spPr/>
+        <p:txBody>
+          <a:bodyPr/>
+          <a:lstStyle/>
+          <a:p>
+            <a:endParaRPr lang="en-US" dirty="0"/>
+          </a:p>
+        </p:txBody>
+      </p:sp>
+      <p:sp>
+        <p:nvSpPr>
+          <p:cNvPr id="4" name="Slide Number Placeholder 3"/>
+          <p:cNvSpPr>
+            <a:spLocks noGrp="1"/>
+          </p:cNvSpPr>
+          <p:nvPr>
+            <p:ph type="sldNum" sz="quarter" idx="10"/>
+          </p:nvPr>
+        </p:nvSpPr>
+        <p:spPr/>
+        <p:txBody>
+          <a:bodyPr/>
+          <a:lstStyle/>
+          <a:p>
+            <a:fld id="{2BD1BC4C-DBBA-1A46-BD21-33C27A89343E}" type="slidenum">
+              <a:rPr lang="en-US" smtClean="0"/>
+              <a:t>3</a:t>
+            </a:fld>
+            <a:endParaRPr lang="en-US"/>
+          </a:p>
+        </p:txBody>
+      </p:sp>
+    </p:spTree>
+    <p:extLst>
+      <p:ext uri="{BB962C8B-B14F-4D97-AF65-F5344CB8AC3E}">
+        <p14:creationId xmlns:p14="http://schemas.microsoft.com/office/powerpoint/2010/main" val="1615773938"/>
+      </p:ext>
+    </p:extLst>
+  </p:cSld>
+  <p:clrMapOvr>
+    <a:masterClrMapping/>
+  </p:clrMapOvr>
+</p:notes>
 </file>
 
 <file path=ppt/slideLayouts/slideLayout1.xml><?xml version="1.0" encoding="utf-8"?>
@@ -308,7 +750,7 @@
           <a:p>
             <a:fld id="{1D803EE4-DB92-47BB-AA92-2495A31317A3}" type="datetimeFigureOut">
               <a:rPr lang="en-US" smtClean="0"/>
-              <a:t>7/9/2018</a:t>
+              <a:t>7/10/2018</a:t>
             </a:fld>
             <a:endParaRPr lang="en-US"/>
           </a:p>
@@ -589,7 +1031,7 @@
           <a:p>
             <a:fld id="{1D803EE4-DB92-47BB-AA92-2495A31317A3}" type="datetimeFigureOut">
               <a:rPr lang="en-US" smtClean="0"/>
-              <a:t>7/9/2018</a:t>
+              <a:t>7/10/2018</a:t>
             </a:fld>
             <a:endParaRPr lang="en-US"/>
           </a:p>
@@ -781,7 +1223,7 @@
           <a:p>
             <a:fld id="{1D803EE4-DB92-47BB-AA92-2495A31317A3}" type="datetimeFigureOut">
               <a:rPr lang="en-US" smtClean="0"/>
-              <a:t>7/9/2018</a:t>
+              <a:t>7/10/2018</a:t>
             </a:fld>
             <a:endParaRPr lang="en-US"/>
           </a:p>
@@ -1042,7 +1484,7 @@
           <a:p>
             <a:fld id="{1D803EE4-DB92-47BB-AA92-2495A31317A3}" type="datetimeFigureOut">
               <a:rPr lang="en-US" smtClean="0"/>
-              <a:t>7/9/2018</a:t>
+              <a:t>7/10/2018</a:t>
             </a:fld>
             <a:endParaRPr lang="en-US"/>
           </a:p>
@@ -1468,7 +1910,7 @@
           <a:p>
             <a:fld id="{1D803EE4-DB92-47BB-AA92-2495A31317A3}" type="datetimeFigureOut">
               <a:rPr lang="en-US" smtClean="0"/>
-              <a:t>7/9/2018</a:t>
+              <a:t>7/10/2018</a:t>
             </a:fld>
             <a:endParaRPr lang="en-US"/>
           </a:p>
@@ -2014,7 +2456,7 @@
           <a:p>
             <a:fld id="{1D803EE4-DB92-47BB-AA92-2495A31317A3}" type="datetimeFigureOut">
               <a:rPr lang="en-US" smtClean="0"/>
-              <a:t>7/9/2018</a:t>
+              <a:t>7/10/2018</a:t>
             </a:fld>
             <a:endParaRPr lang="en-US"/>
           </a:p>
@@ -2845,7 +3287,7 @@
           <a:p>
             <a:fld id="{1D803EE4-DB92-47BB-AA92-2495A31317A3}" type="datetimeFigureOut">
               <a:rPr lang="en-US" smtClean="0"/>
-              <a:t>7/9/2018</a:t>
+              <a:t>7/10/2018</a:t>
             </a:fld>
             <a:endParaRPr lang="en-US"/>
           </a:p>
@@ -3015,7 +3457,7 @@
           <a:p>
             <a:fld id="{1D803EE4-DB92-47BB-AA92-2495A31317A3}" type="datetimeFigureOut">
               <a:rPr lang="en-US" smtClean="0"/>
-              <a:t>7/9/2018</a:t>
+              <a:t>7/10/2018</a:t>
             </a:fld>
             <a:endParaRPr lang="en-US"/>
           </a:p>
@@ -3195,7 +3637,7 @@
           <a:p>
             <a:fld id="{1D803EE4-DB92-47BB-AA92-2495A31317A3}" type="datetimeFigureOut">
               <a:rPr lang="en-US" smtClean="0"/>
-              <a:t>7/9/2018</a:t>
+              <a:t>7/10/2018</a:t>
             </a:fld>
             <a:endParaRPr lang="en-US"/>
           </a:p>
@@ -3398,7 +3840,7 @@
           <a:p>
             <a:fld id="{1D803EE4-DB92-47BB-AA92-2495A31317A3}" type="datetimeFigureOut">
               <a:rPr lang="en-US" smtClean="0"/>
-              <a:t>7/9/2018</a:t>
+              <a:t>7/10/2018</a:t>
             </a:fld>
             <a:endParaRPr lang="en-US"/>
           </a:p>
@@ -3675,7 +4117,7 @@
           <a:p>
             <a:fld id="{1D803EE4-DB92-47BB-AA92-2495A31317A3}" type="datetimeFigureOut">
               <a:rPr lang="en-US" smtClean="0"/>
-              <a:t>7/9/2018</a:t>
+              <a:t>7/10/2018</a:t>
             </a:fld>
             <a:endParaRPr lang="en-US"/>
           </a:p>
@@ -3907,7 +4349,7 @@
           <a:p>
             <a:fld id="{1D803EE4-DB92-47BB-AA92-2495A31317A3}" type="datetimeFigureOut">
               <a:rPr lang="en-US" smtClean="0"/>
-              <a:t>7/9/2018</a:t>
+              <a:t>7/10/2018</a:t>
             </a:fld>
             <a:endParaRPr lang="en-US"/>
           </a:p>
@@ -4300,7 +4742,7 @@
           <a:p>
             <a:fld id="{1D803EE4-DB92-47BB-AA92-2495A31317A3}" type="datetimeFigureOut">
               <a:rPr lang="en-US" smtClean="0"/>
-              <a:t>7/9/2018</a:t>
+              <a:t>7/10/2018</a:t>
             </a:fld>
             <a:endParaRPr lang="en-US"/>
           </a:p>
@@ -4418,7 +4860,7 @@
           <a:p>
             <a:fld id="{1D803EE4-DB92-47BB-AA92-2495A31317A3}" type="datetimeFigureOut">
               <a:rPr lang="en-US" smtClean="0"/>
-              <a:t>7/9/2018</a:t>
+              <a:t>7/10/2018</a:t>
             </a:fld>
             <a:endParaRPr lang="en-US"/>
           </a:p>
@@ -4513,7 +4955,7 @@
           <a:p>
             <a:fld id="{1D803EE4-DB92-47BB-AA92-2495A31317A3}" type="datetimeFigureOut">
               <a:rPr lang="en-US" smtClean="0"/>
-              <a:t>7/9/2018</a:t>
+              <a:t>7/10/2018</a:t>
             </a:fld>
             <a:endParaRPr lang="en-US"/>
           </a:p>
@@ -4786,7 +5228,7 @@
           <a:p>
             <a:fld id="{1D803EE4-DB92-47BB-AA92-2495A31317A3}" type="datetimeFigureOut">
               <a:rPr lang="en-US" smtClean="0"/>
-              <a:t>7/9/2018</a:t>
+              <a:t>7/10/2018</a:t>
             </a:fld>
             <a:endParaRPr lang="en-US"/>
           </a:p>
@@ -5067,7 +5509,7 @@
           <a:p>
             <a:fld id="{1D803EE4-DB92-47BB-AA92-2495A31317A3}" type="datetimeFigureOut">
               <a:rPr lang="en-US" smtClean="0"/>
-              <a:t>7/9/2018</a:t>
+              <a:t>7/10/2018</a:t>
             </a:fld>
             <a:endParaRPr lang="en-US"/>
           </a:p>
@@ -5306,7 +5748,7 @@
           <a:p>
             <a:fld id="{1D803EE4-DB92-47BB-AA92-2495A31317A3}" type="datetimeFigureOut">
               <a:rPr lang="en-US" smtClean="0"/>
-              <a:t>7/9/2018</a:t>
+              <a:t>7/10/2018</a:t>
             </a:fld>
             <a:endParaRPr lang="en-US"/>
           </a:p>
@@ -6800,195 +7242,1855 @@
           <a:chExt cx="0" cy="0"/>
         </a:xfrm>
       </p:grpSpPr>
-      <p:sp>
-        <p:nvSpPr>
-          <p:cNvPr id="2" name="Title 1">
+      <p:graphicFrame>
+        <p:nvGraphicFramePr>
+          <p:cNvPr id="5" name="Table 4"/>
+          <p:cNvGraphicFramePr>
+            <a:graphicFrameLocks noGrp="1"/>
+          </p:cNvGraphicFramePr>
+          <p:nvPr>
+            <p:extLst/>
+          </p:nvPr>
+        </p:nvGraphicFramePr>
+        <p:xfrm>
+          <a:off x="1609746" y="76339"/>
+          <a:ext cx="8956888" cy="1544480"/>
+        </p:xfrm>
+        <a:graphic>
+          <a:graphicData uri="http://schemas.openxmlformats.org/drawingml/2006/table">
+            <a:tbl>
+              <a:tblPr firstRow="1" bandRow="1">
+                <a:tableStyleId>{5C22544A-7EE6-4342-B048-85BDC9FD1C3A}</a:tableStyleId>
+              </a:tblPr>
+              <a:tblGrid>
+                <a:gridCol w="8956888">
+                  <a:extLst>
+                    <a:ext uri="{9D8B030D-6E8A-4147-A177-3AD203B41FA5}">
+                      <a16:colId xmlns:a16="http://schemas.microsoft.com/office/drawing/2014/main" val="20000"/>
+                    </a:ext>
+                  </a:extLst>
+                </a:gridCol>
+              </a:tblGrid>
+              <a:tr h="1544480">
+                <a:tc>
+                  <a:txBody>
+                    <a:bodyPr/>
+                    <a:lstStyle/>
+                    <a:p>
+                      <a:pPr algn="l"/>
+                      <a:r>
+                        <a:rPr lang="en-US" sz="2400" u="sng" baseline="0" dirty="0">
+                          <a:solidFill>
+                            <a:srgbClr val="FF0000"/>
+                          </a:solidFill>
+                          <a:uFill>
+                            <a:solidFill>
+                              <a:srgbClr val="9B26B1"/>
+                            </a:solidFill>
+                          </a:uFill>
+                        </a:rPr>
+                        <a:t>TITANIUM SPONSORS</a:t>
+                      </a:r>
+                    </a:p>
+                  </a:txBody>
+                  <a:tcPr>
+                    <a:lnL w="12700" cap="flat" cmpd="sng" algn="ctr">
+                      <a:solidFill>
+                        <a:scrgbClr r="0" g="0" b="0"/>
+                      </a:solidFill>
+                      <a:prstDash val="solid"/>
+                      <a:round/>
+                      <a:headEnd type="none" w="med" len="med"/>
+                      <a:tailEnd type="none" w="med" len="med"/>
+                    </a:lnL>
+                    <a:lnR w="12700" cap="flat" cmpd="sng" algn="ctr">
+                      <a:solidFill>
+                        <a:scrgbClr r="0" g="0" b="0"/>
+                      </a:solidFill>
+                      <a:prstDash val="solid"/>
+                      <a:round/>
+                      <a:headEnd type="none" w="med" len="med"/>
+                      <a:tailEnd type="none" w="med" len="med"/>
+                    </a:lnR>
+                    <a:lnT w="12700" cap="flat" cmpd="sng" algn="ctr">
+                      <a:solidFill>
+                        <a:scrgbClr r="0" g="0" b="0"/>
+                      </a:solidFill>
+                      <a:prstDash val="solid"/>
+                      <a:round/>
+                      <a:headEnd type="none" w="med" len="med"/>
+                      <a:tailEnd type="none" w="med" len="med"/>
+                    </a:lnT>
+                    <a:lnB w="12700" cap="flat" cmpd="sng" algn="ctr">
+                      <a:solidFill>
+                        <a:scrgbClr r="0" g="0" b="0"/>
+                      </a:solidFill>
+                      <a:prstDash val="solid"/>
+                      <a:round/>
+                      <a:headEnd type="none" w="med" len="med"/>
+                      <a:tailEnd type="none" w="med" len="med"/>
+                    </a:lnB>
+                    <a:solidFill>
+                      <a:schemeClr val="bg1"/>
+                    </a:solidFill>
+                  </a:tcPr>
+                </a:tc>
+                <a:extLst>
+                  <a:ext uri="{0D108BD9-81ED-4DB2-BD59-A6C34878D82A}">
+                    <a16:rowId xmlns:a16="http://schemas.microsoft.com/office/drawing/2014/main" val="10000"/>
+                  </a:ext>
+                </a:extLst>
+              </a:tr>
+            </a:tbl>
+          </a:graphicData>
+        </a:graphic>
+      </p:graphicFrame>
+      <p:graphicFrame>
+        <p:nvGraphicFramePr>
+          <p:cNvPr id="10" name="Table 9"/>
+          <p:cNvGraphicFramePr>
+            <a:graphicFrameLocks noGrp="1"/>
+          </p:cNvGraphicFramePr>
+          <p:nvPr>
+            <p:extLst/>
+          </p:nvPr>
+        </p:nvGraphicFramePr>
+        <p:xfrm>
+          <a:off x="1601504" y="1699266"/>
+          <a:ext cx="8956888" cy="2415534"/>
+        </p:xfrm>
+        <a:graphic>
+          <a:graphicData uri="http://schemas.openxmlformats.org/drawingml/2006/table">
+            <a:tbl>
+              <a:tblPr firstRow="1" bandRow="1">
+                <a:tableStyleId>{5C22544A-7EE6-4342-B048-85BDC9FD1C3A}</a:tableStyleId>
+              </a:tblPr>
+              <a:tblGrid>
+                <a:gridCol w="8956888">
+                  <a:extLst>
+                    <a:ext uri="{9D8B030D-6E8A-4147-A177-3AD203B41FA5}">
+                      <a16:colId xmlns:a16="http://schemas.microsoft.com/office/drawing/2014/main" val="20000"/>
+                    </a:ext>
+                  </a:extLst>
+                </a:gridCol>
+              </a:tblGrid>
+              <a:tr h="2415534">
+                <a:tc>
+                  <a:txBody>
+                    <a:bodyPr/>
+                    <a:lstStyle/>
+                    <a:p>
+                      <a:r>
+                        <a:rPr lang="en-US" sz="2000" u="sng" dirty="0">
+                          <a:solidFill>
+                            <a:srgbClr val="FF0000"/>
+                          </a:solidFill>
+                          <a:uFill>
+                            <a:solidFill>
+                              <a:srgbClr val="9B26B1"/>
+                            </a:solidFill>
+                          </a:uFill>
+                        </a:rPr>
+                        <a:t>Platinum</a:t>
+                      </a:r>
+                      <a:r>
+                        <a:rPr lang="en-US" sz="2000" u="sng" baseline="0" dirty="0">
+                          <a:solidFill>
+                            <a:srgbClr val="FF0000"/>
+                          </a:solidFill>
+                          <a:uFill>
+                            <a:solidFill>
+                              <a:srgbClr val="9B26B1"/>
+                            </a:solidFill>
+                          </a:uFill>
+                        </a:rPr>
+                        <a:t> Sponsors</a:t>
+                      </a:r>
+                      <a:endParaRPr lang="en-US" sz="2000" u="sng" dirty="0">
+                        <a:solidFill>
+                          <a:srgbClr val="FF0000"/>
+                        </a:solidFill>
+                        <a:uFill>
+                          <a:solidFill>
+                            <a:srgbClr val="9B26B1"/>
+                          </a:solidFill>
+                        </a:uFill>
+                      </a:endParaRPr>
+                    </a:p>
+                  </a:txBody>
+                  <a:tcPr>
+                    <a:lnL w="12700" cap="flat" cmpd="sng" algn="ctr">
+                      <a:solidFill>
+                        <a:scrgbClr r="0" g="0" b="0"/>
+                      </a:solidFill>
+                      <a:prstDash val="solid"/>
+                      <a:round/>
+                      <a:headEnd type="none" w="med" len="med"/>
+                      <a:tailEnd type="none" w="med" len="med"/>
+                    </a:lnL>
+                    <a:lnR w="12700" cap="flat" cmpd="sng" algn="ctr">
+                      <a:solidFill>
+                        <a:scrgbClr r="0" g="0" b="0"/>
+                      </a:solidFill>
+                      <a:prstDash val="solid"/>
+                      <a:round/>
+                      <a:headEnd type="none" w="med" len="med"/>
+                      <a:tailEnd type="none" w="med" len="med"/>
+                    </a:lnR>
+                    <a:lnT w="12700" cap="flat" cmpd="sng" algn="ctr">
+                      <a:solidFill>
+                        <a:scrgbClr r="0" g="0" b="0"/>
+                      </a:solidFill>
+                      <a:prstDash val="solid"/>
+                      <a:round/>
+                      <a:headEnd type="none" w="med" len="med"/>
+                      <a:tailEnd type="none" w="med" len="med"/>
+                    </a:lnT>
+                    <a:lnB w="12700" cap="flat" cmpd="sng" algn="ctr">
+                      <a:solidFill>
+                        <a:scrgbClr r="0" g="0" b="0"/>
+                      </a:solidFill>
+                      <a:prstDash val="solid"/>
+                      <a:round/>
+                      <a:headEnd type="none" w="med" len="med"/>
+                      <a:tailEnd type="none" w="med" len="med"/>
+                    </a:lnB>
+                    <a:solidFill>
+                      <a:srgbClr val="FFFFFF"/>
+                    </a:solidFill>
+                  </a:tcPr>
+                </a:tc>
+                <a:extLst>
+                  <a:ext uri="{0D108BD9-81ED-4DB2-BD59-A6C34878D82A}">
+                    <a16:rowId xmlns:a16="http://schemas.microsoft.com/office/drawing/2014/main" val="10000"/>
+                  </a:ext>
+                </a:extLst>
+              </a:tr>
+            </a:tbl>
+          </a:graphicData>
+        </a:graphic>
+      </p:graphicFrame>
+      <p:pic>
+        <p:nvPicPr>
+          <p:cNvPr id="11" name="Picture 10" descr="Adaptive Solutions Group.png"/>
+          <p:cNvPicPr>
+            <a:picLocks noChangeAspect="1"/>
+          </p:cNvPicPr>
+          <p:nvPr/>
+        </p:nvPicPr>
+        <p:blipFill>
+          <a:blip r:embed="rId3">
+            <a:extLst>
+              <a:ext uri="{28A0092B-C50C-407E-A947-70E740481C1C}">
+                <a14:useLocalDpi xmlns:a14="http://schemas.microsoft.com/office/drawing/2010/main"/>
+              </a:ext>
+            </a:extLst>
+          </a:blip>
+          <a:stretch>
+            <a:fillRect/>
+          </a:stretch>
+        </p:blipFill>
+        <p:spPr>
+          <a:xfrm>
+            <a:off x="4530315" y="88376"/>
+            <a:ext cx="4072821" cy="800990"/>
+          </a:xfrm>
+          <a:prstGeom prst="rect">
+            <a:avLst/>
+          </a:prstGeom>
+        </p:spPr>
+      </p:pic>
+      <p:graphicFrame>
+        <p:nvGraphicFramePr>
+          <p:cNvPr id="21" name="Table 20"/>
+          <p:cNvGraphicFramePr>
+            <a:graphicFrameLocks noGrp="1"/>
+          </p:cNvGraphicFramePr>
+          <p:nvPr>
+            <p:extLst/>
+          </p:nvPr>
+        </p:nvGraphicFramePr>
+        <p:xfrm>
+          <a:off x="1609746" y="4210495"/>
+          <a:ext cx="8956888" cy="2545905"/>
+        </p:xfrm>
+        <a:graphic>
+          <a:graphicData uri="http://schemas.openxmlformats.org/drawingml/2006/table">
+            <a:tbl>
+              <a:tblPr firstRow="1" bandRow="1">
+                <a:tableStyleId>{5C22544A-7EE6-4342-B048-85BDC9FD1C3A}</a:tableStyleId>
+              </a:tblPr>
+              <a:tblGrid>
+                <a:gridCol w="8956888">
+                  <a:extLst>
+                    <a:ext uri="{9D8B030D-6E8A-4147-A177-3AD203B41FA5}">
+                      <a16:colId xmlns:a16="http://schemas.microsoft.com/office/drawing/2014/main" val="20000"/>
+                    </a:ext>
+                  </a:extLst>
+                </a:gridCol>
+              </a:tblGrid>
+              <a:tr h="2545905">
+                <a:tc>
+                  <a:txBody>
+                    <a:bodyPr/>
+                    <a:lstStyle/>
+                    <a:p>
+                      <a:r>
+                        <a:rPr lang="en-US" u="sng" baseline="0" dirty="0">
+                          <a:solidFill>
+                            <a:srgbClr val="FF0000"/>
+                          </a:solidFill>
+                          <a:uFill>
+                            <a:solidFill>
+                              <a:srgbClr val="9B26B1"/>
+                            </a:solidFill>
+                          </a:uFill>
+                        </a:rPr>
+                        <a:t>Gold Sponsors</a:t>
+                      </a:r>
+                    </a:p>
+                  </a:txBody>
+                  <a:tcPr>
+                    <a:lnL w="12700" cap="flat" cmpd="sng" algn="ctr">
+                      <a:solidFill>
+                        <a:scrgbClr r="0" g="0" b="0"/>
+                      </a:solidFill>
+                      <a:prstDash val="solid"/>
+                      <a:round/>
+                      <a:headEnd type="none" w="med" len="med"/>
+                      <a:tailEnd type="none" w="med" len="med"/>
+                    </a:lnL>
+                    <a:lnR w="12700" cap="flat" cmpd="sng" algn="ctr">
+                      <a:solidFill>
+                        <a:scrgbClr r="0" g="0" b="0"/>
+                      </a:solidFill>
+                      <a:prstDash val="solid"/>
+                      <a:round/>
+                      <a:headEnd type="none" w="med" len="med"/>
+                      <a:tailEnd type="none" w="med" len="med"/>
+                    </a:lnR>
+                    <a:lnT w="12700" cap="flat" cmpd="sng" algn="ctr">
+                      <a:solidFill>
+                        <a:scrgbClr r="0" g="0" b="0"/>
+                      </a:solidFill>
+                      <a:prstDash val="solid"/>
+                      <a:round/>
+                      <a:headEnd type="none" w="med" len="med"/>
+                      <a:tailEnd type="none" w="med" len="med"/>
+                    </a:lnT>
+                    <a:lnB w="12700" cap="flat" cmpd="sng" algn="ctr">
+                      <a:solidFill>
+                        <a:scrgbClr r="0" g="0" b="0"/>
+                      </a:solidFill>
+                      <a:prstDash val="solid"/>
+                      <a:round/>
+                      <a:headEnd type="none" w="med" len="med"/>
+                      <a:tailEnd type="none" w="med" len="med"/>
+                    </a:lnB>
+                    <a:solidFill>
+                      <a:srgbClr val="FFFFFF"/>
+                    </a:solidFill>
+                  </a:tcPr>
+                </a:tc>
+                <a:extLst>
+                  <a:ext uri="{0D108BD9-81ED-4DB2-BD59-A6C34878D82A}">
+                    <a16:rowId xmlns:a16="http://schemas.microsoft.com/office/drawing/2014/main" val="10000"/>
+                  </a:ext>
+                </a:extLst>
+              </a:tr>
+            </a:tbl>
+          </a:graphicData>
+        </a:graphic>
+      </p:graphicFrame>
+      <p:pic>
+        <p:nvPicPr>
+          <p:cNvPr id="24" name="Picture 23" descr="Centriq Training.png"/>
+          <p:cNvPicPr>
+            <a:picLocks noChangeAspect="1"/>
+          </p:cNvPicPr>
+          <p:nvPr/>
+        </p:nvPicPr>
+        <p:blipFill>
+          <a:blip r:embed="rId4" cstate="email">
+            <a:extLst>
+              <a:ext uri="{28A0092B-C50C-407E-A947-70E740481C1C}">
+                <a14:useLocalDpi xmlns:a14="http://schemas.microsoft.com/office/drawing/2010/main"/>
+              </a:ext>
+            </a:extLst>
+          </a:blip>
+          <a:stretch>
+            <a:fillRect/>
+          </a:stretch>
+        </p:blipFill>
+        <p:spPr>
+          <a:xfrm>
+            <a:off x="5852807" y="4218649"/>
+            <a:ext cx="1171875" cy="496094"/>
+          </a:xfrm>
+          <a:prstGeom prst="rect">
+            <a:avLst/>
+          </a:prstGeom>
+        </p:spPr>
+      </p:pic>
+      <p:pic>
+        <p:nvPicPr>
+          <p:cNvPr id="25" name="Picture 24" descr="Cerner.png"/>
+          <p:cNvPicPr>
+            <a:picLocks noChangeAspect="1"/>
+          </p:cNvPicPr>
+          <p:nvPr/>
+        </p:nvPicPr>
+        <p:blipFill>
+          <a:blip r:embed="rId5" cstate="email">
+            <a:extLst>
+              <a:ext uri="{28A0092B-C50C-407E-A947-70E740481C1C}">
+                <a14:useLocalDpi xmlns:a14="http://schemas.microsoft.com/office/drawing/2010/main"/>
+              </a:ext>
+            </a:extLst>
+          </a:blip>
+          <a:stretch>
+            <a:fillRect/>
+          </a:stretch>
+        </p:blipFill>
+        <p:spPr>
+          <a:xfrm>
+            <a:off x="8470152" y="4318000"/>
+            <a:ext cx="1102182" cy="299164"/>
+          </a:xfrm>
+          <a:prstGeom prst="rect">
+            <a:avLst/>
+          </a:prstGeom>
+        </p:spPr>
+      </p:pic>
+      <p:pic>
+        <p:nvPicPr>
+          <p:cNvPr id="29" name="Picture 28" descr="Garmin.png"/>
+          <p:cNvPicPr>
+            <a:picLocks noChangeAspect="1"/>
+          </p:cNvPicPr>
+          <p:nvPr/>
+        </p:nvPicPr>
+        <p:blipFill>
+          <a:blip r:embed="rId6" cstate="email">
+            <a:extLst>
+              <a:ext uri="{28A0092B-C50C-407E-A947-70E740481C1C}">
+                <a14:useLocalDpi xmlns:a14="http://schemas.microsoft.com/office/drawing/2010/main"/>
+              </a:ext>
+            </a:extLst>
+          </a:blip>
+          <a:stretch>
+            <a:fillRect/>
+          </a:stretch>
+        </p:blipFill>
+        <p:spPr>
+          <a:xfrm>
+            <a:off x="9430725" y="5126488"/>
+            <a:ext cx="1000426" cy="271544"/>
+          </a:xfrm>
+          <a:prstGeom prst="rect">
+            <a:avLst/>
+          </a:prstGeom>
+        </p:spPr>
+      </p:pic>
+      <p:pic>
+        <p:nvPicPr>
+          <p:cNvPr id="31" name="Picture 30" descr="Keyhole Software.png"/>
+          <p:cNvPicPr>
+            <a:picLocks noChangeAspect="1"/>
+          </p:cNvPicPr>
+          <p:nvPr/>
+        </p:nvPicPr>
+        <p:blipFill>
+          <a:blip r:embed="rId7" cstate="email">
+            <a:extLst>
+              <a:ext uri="{28A0092B-C50C-407E-A947-70E740481C1C}">
+                <a14:useLocalDpi xmlns:a14="http://schemas.microsoft.com/office/drawing/2010/main"/>
+              </a:ext>
+            </a:extLst>
+          </a:blip>
+          <a:stretch>
+            <a:fillRect/>
+          </a:stretch>
+        </p:blipFill>
+        <p:spPr>
+          <a:xfrm>
+            <a:off x="8603135" y="2189155"/>
+            <a:ext cx="1788836" cy="647390"/>
+          </a:xfrm>
+          <a:prstGeom prst="rect">
+            <a:avLst/>
+          </a:prstGeom>
+        </p:spPr>
+      </p:pic>
+      <p:pic>
+        <p:nvPicPr>
+          <p:cNvPr id="32" name="Picture 31" descr="KU Edwards Campus.png"/>
+          <p:cNvPicPr>
+            <a:picLocks noChangeAspect="1"/>
+          </p:cNvPicPr>
+          <p:nvPr/>
+        </p:nvPicPr>
+        <p:blipFill>
+          <a:blip r:embed="rId8" cstate="email">
+            <a:extLst>
+              <a:ext uri="{28A0092B-C50C-407E-A947-70E740481C1C}">
+                <a14:useLocalDpi xmlns:a14="http://schemas.microsoft.com/office/drawing/2010/main"/>
+              </a:ext>
+            </a:extLst>
+          </a:blip>
+          <a:stretch>
+            <a:fillRect/>
+          </a:stretch>
+        </p:blipFill>
+        <p:spPr>
+          <a:xfrm>
+            <a:off x="9542345" y="4214004"/>
+            <a:ext cx="999686" cy="799748"/>
+          </a:xfrm>
+          <a:prstGeom prst="rect">
+            <a:avLst/>
+          </a:prstGeom>
+        </p:spPr>
+      </p:pic>
+      <p:pic>
+        <p:nvPicPr>
+          <p:cNvPr id="39" name="Picture 38" descr="Stackify.png"/>
+          <p:cNvPicPr>
+            <a:picLocks noChangeAspect="1"/>
+          </p:cNvPicPr>
+          <p:nvPr/>
+        </p:nvPicPr>
+        <p:blipFill>
+          <a:blip r:embed="rId9" cstate="email">
+            <a:extLst>
+              <a:ext uri="{28A0092B-C50C-407E-A947-70E740481C1C}">
+                <a14:useLocalDpi xmlns:a14="http://schemas.microsoft.com/office/drawing/2010/main"/>
+              </a:ext>
+            </a:extLst>
+          </a:blip>
+          <a:stretch>
+            <a:fillRect/>
+          </a:stretch>
+        </p:blipFill>
+        <p:spPr>
+          <a:xfrm>
+            <a:off x="6726093" y="2207743"/>
+            <a:ext cx="1776444" cy="593839"/>
+          </a:xfrm>
+          <a:prstGeom prst="rect">
+            <a:avLst/>
+          </a:prstGeom>
+        </p:spPr>
+      </p:pic>
+      <p:pic>
+        <p:nvPicPr>
+          <p:cNvPr id="16" name="Picture 15" descr="Jack Henry And Associates.png"/>
+          <p:cNvPicPr>
+            <a:picLocks noChangeAspect="1"/>
+          </p:cNvPicPr>
+          <p:nvPr/>
+        </p:nvPicPr>
+        <p:blipFill>
+          <a:blip r:embed="rId10" cstate="email">
+            <a:extLst>
+              <a:ext uri="{28A0092B-C50C-407E-A947-70E740481C1C}">
+                <a14:useLocalDpi xmlns:a14="http://schemas.microsoft.com/office/drawing/2010/main"/>
+              </a:ext>
+            </a:extLst>
+          </a:blip>
+          <a:stretch>
+            <a:fillRect/>
+          </a:stretch>
+        </p:blipFill>
+        <p:spPr>
+          <a:xfrm>
+            <a:off x="3859365" y="1741904"/>
+            <a:ext cx="2180743" cy="517148"/>
+          </a:xfrm>
+          <a:prstGeom prst="rect">
+            <a:avLst/>
+          </a:prstGeom>
+        </p:spPr>
+      </p:pic>
+      <p:pic>
+        <p:nvPicPr>
+          <p:cNvPr id="17" name="Picture 16" descr="2011_Commerce_4C.PNG"/>
+          <p:cNvPicPr>
+            <a:picLocks noChangeAspect="1"/>
+          </p:cNvPicPr>
+          <p:nvPr/>
+        </p:nvPicPr>
+        <p:blipFill>
+          <a:blip r:embed="rId11" cstate="email">
+            <a:extLst>
+              <a:ext uri="{28A0092B-C50C-407E-A947-70E740481C1C}">
+                <a14:useLocalDpi xmlns:a14="http://schemas.microsoft.com/office/drawing/2010/main"/>
+              </a:ext>
+            </a:extLst>
+          </a:blip>
+          <a:stretch>
+            <a:fillRect/>
+          </a:stretch>
+        </p:blipFill>
+        <p:spPr>
+          <a:xfrm>
+            <a:off x="3590996" y="5276932"/>
+            <a:ext cx="1600315" cy="252814"/>
+          </a:xfrm>
+          <a:prstGeom prst="rect">
+            <a:avLst/>
+          </a:prstGeom>
+        </p:spPr>
+      </p:pic>
+      <p:pic>
+        <p:nvPicPr>
+          <p:cNvPr id="40" name="Picture 39"/>
+          <p:cNvPicPr>
+            <a:picLocks noChangeAspect="1"/>
+          </p:cNvPicPr>
+          <p:nvPr/>
+        </p:nvPicPr>
+        <p:blipFill>
+          <a:blip r:embed="rId12" cstate="email">
+            <a:extLst>
+              <a:ext uri="{28A0092B-C50C-407E-A947-70E740481C1C}">
+                <a14:useLocalDpi xmlns:a14="http://schemas.microsoft.com/office/drawing/2010/main"/>
+              </a:ext>
+            </a:extLst>
+          </a:blip>
+          <a:stretch>
+            <a:fillRect/>
+          </a:stretch>
+        </p:blipFill>
+        <p:spPr>
+          <a:xfrm>
+            <a:off x="1649576" y="2176997"/>
+            <a:ext cx="2182230" cy="503883"/>
+          </a:xfrm>
+          <a:prstGeom prst="rect">
+            <a:avLst/>
+          </a:prstGeom>
+        </p:spPr>
+      </p:pic>
+      <p:pic>
+        <p:nvPicPr>
+          <p:cNvPr id="2" name="Picture 1"/>
+          <p:cNvPicPr>
+            <a:picLocks noChangeAspect="1"/>
+          </p:cNvPicPr>
+          <p:nvPr/>
+        </p:nvPicPr>
+        <p:blipFill>
+          <a:blip r:embed="rId13" cstate="email">
+            <a:extLst>
+              <a:ext uri="{28A0092B-C50C-407E-A947-70E740481C1C}">
+                <a14:useLocalDpi xmlns:a14="http://schemas.microsoft.com/office/drawing/2010/main"/>
+              </a:ext>
+            </a:extLst>
+          </a:blip>
+          <a:stretch>
+            <a:fillRect/>
+          </a:stretch>
+        </p:blipFill>
+        <p:spPr>
+          <a:xfrm>
+            <a:off x="2012848" y="5514516"/>
+            <a:ext cx="1204718" cy="390719"/>
+          </a:xfrm>
+          <a:prstGeom prst="rect">
+            <a:avLst/>
+          </a:prstGeom>
+        </p:spPr>
+      </p:pic>
+      <p:pic>
+        <p:nvPicPr>
+          <p:cNvPr id="22" name="Picture 21"/>
+          <p:cNvPicPr>
+            <a:picLocks noChangeAspect="1"/>
+          </p:cNvPicPr>
+          <p:nvPr/>
+        </p:nvPicPr>
+        <p:blipFill>
+          <a:blip r:embed="rId14" cstate="email">
+            <a:extLst>
+              <a:ext uri="{28A0092B-C50C-407E-A947-70E740481C1C}">
+                <a14:useLocalDpi xmlns:a14="http://schemas.microsoft.com/office/drawing/2010/main"/>
+              </a:ext>
+            </a:extLst>
+          </a:blip>
+          <a:stretch>
+            <a:fillRect/>
+          </a:stretch>
+        </p:blipFill>
+        <p:spPr>
+          <a:xfrm>
+            <a:off x="3188892" y="4257157"/>
+            <a:ext cx="1039564" cy="381538"/>
+          </a:xfrm>
+          <a:prstGeom prst="rect">
+            <a:avLst/>
+          </a:prstGeom>
+        </p:spPr>
+      </p:pic>
+      <p:pic>
+        <p:nvPicPr>
+          <p:cNvPr id="26" name="Picture 25"/>
+          <p:cNvPicPr>
+            <a:picLocks noChangeAspect="1"/>
+          </p:cNvPicPr>
+          <p:nvPr/>
+        </p:nvPicPr>
+        <p:blipFill>
+          <a:blip r:embed="rId15" cstate="email">
+            <a:extLst>
+              <a:ext uri="{28A0092B-C50C-407E-A947-70E740481C1C}">
+                <a14:useLocalDpi xmlns:a14="http://schemas.microsoft.com/office/drawing/2010/main"/>
+              </a:ext>
+            </a:extLst>
+          </a:blip>
+          <a:stretch>
+            <a:fillRect/>
+          </a:stretch>
+        </p:blipFill>
+        <p:spPr>
+          <a:xfrm>
+            <a:off x="9497553" y="6249355"/>
+            <a:ext cx="972480" cy="455120"/>
+          </a:xfrm>
+          <a:prstGeom prst="rect">
+            <a:avLst/>
+          </a:prstGeom>
+        </p:spPr>
+      </p:pic>
+      <p:pic>
+        <p:nvPicPr>
+          <p:cNvPr id="34" name="Picture 33"/>
+          <p:cNvPicPr>
+            <a:picLocks noChangeAspect="1"/>
+          </p:cNvPicPr>
+          <p:nvPr/>
+        </p:nvPicPr>
+        <p:blipFill>
+          <a:blip r:embed="rId16" cstate="email">
+            <a:extLst>
+              <a:ext uri="{28A0092B-C50C-407E-A947-70E740481C1C}">
+                <a14:useLocalDpi xmlns:a14="http://schemas.microsoft.com/office/drawing/2010/main"/>
+              </a:ext>
+            </a:extLst>
+          </a:blip>
+          <a:stretch>
+            <a:fillRect/>
+          </a:stretch>
+        </p:blipFill>
+        <p:spPr>
+          <a:xfrm>
+            <a:off x="4391154" y="4300549"/>
+            <a:ext cx="1410923" cy="306723"/>
+          </a:xfrm>
+          <a:prstGeom prst="rect">
+            <a:avLst/>
+          </a:prstGeom>
+        </p:spPr>
+      </p:pic>
+      <p:pic>
+        <p:nvPicPr>
+          <p:cNvPr id="47" name="Picture 46"/>
+          <p:cNvPicPr>
+            <a:picLocks noChangeAspect="1"/>
+          </p:cNvPicPr>
+          <p:nvPr/>
+        </p:nvPicPr>
+        <p:blipFill>
+          <a:blip r:embed="rId17" cstate="email">
+            <a:extLst>
+              <a:ext uri="{28A0092B-C50C-407E-A947-70E740481C1C}">
+                <a14:useLocalDpi xmlns:a14="http://schemas.microsoft.com/office/drawing/2010/main"/>
+              </a:ext>
+            </a:extLst>
+          </a:blip>
+          <a:stretch>
+            <a:fillRect/>
+          </a:stretch>
+        </p:blipFill>
+        <p:spPr>
+          <a:xfrm>
+            <a:off x="8403426" y="4647986"/>
+            <a:ext cx="1130970" cy="461272"/>
+          </a:xfrm>
+          <a:prstGeom prst="rect">
+            <a:avLst/>
+          </a:prstGeom>
+        </p:spPr>
+      </p:pic>
+      <p:pic>
+        <p:nvPicPr>
+          <p:cNvPr id="53" name="Picture 52"/>
+          <p:cNvPicPr>
+            <a:picLocks noChangeAspect="1"/>
+          </p:cNvPicPr>
+          <p:nvPr/>
+        </p:nvPicPr>
+        <p:blipFill>
+          <a:blip r:embed="rId18" cstate="email">
+            <a:extLst>
+              <a:ext uri="{28A0092B-C50C-407E-A947-70E740481C1C}">
+                <a14:useLocalDpi xmlns:a14="http://schemas.microsoft.com/office/drawing/2010/main"/>
+              </a:ext>
+            </a:extLst>
+          </a:blip>
+          <a:stretch>
+            <a:fillRect/>
+          </a:stretch>
+        </p:blipFill>
+        <p:spPr>
+          <a:xfrm>
+            <a:off x="7861703" y="666496"/>
+            <a:ext cx="2680329" cy="904611"/>
+          </a:xfrm>
+          <a:prstGeom prst="rect">
+            <a:avLst/>
+          </a:prstGeom>
+        </p:spPr>
+      </p:pic>
+      <p:pic>
+        <p:nvPicPr>
+          <p:cNvPr id="56" name="Picture 55"/>
+          <p:cNvPicPr>
+            <a:picLocks noChangeAspect="1"/>
+          </p:cNvPicPr>
+          <p:nvPr/>
+        </p:nvPicPr>
+        <p:blipFill>
+          <a:blip r:embed="rId19" cstate="email">
+            <a:extLst>
+              <a:ext uri="{28A0092B-C50C-407E-A947-70E740481C1C}">
+                <a14:useLocalDpi xmlns:a14="http://schemas.microsoft.com/office/drawing/2010/main"/>
+              </a:ext>
+            </a:extLst>
+          </a:blip>
+          <a:stretch>
+            <a:fillRect/>
+          </a:stretch>
+        </p:blipFill>
+        <p:spPr>
+          <a:xfrm>
+            <a:off x="8015768" y="1771236"/>
+            <a:ext cx="2372201" cy="354648"/>
+          </a:xfrm>
+          <a:prstGeom prst="rect">
+            <a:avLst/>
+          </a:prstGeom>
+        </p:spPr>
+      </p:pic>
+      <p:pic>
+        <p:nvPicPr>
+          <p:cNvPr id="58" name="Picture 57"/>
+          <p:cNvPicPr>
+            <a:picLocks noChangeAspect="1"/>
+          </p:cNvPicPr>
+          <p:nvPr/>
+        </p:nvPicPr>
+        <p:blipFill>
+          <a:blip r:embed="rId20" cstate="email">
+            <a:extLst>
+              <a:ext uri="{28A0092B-C50C-407E-A947-70E740481C1C}">
+                <a14:useLocalDpi xmlns:a14="http://schemas.microsoft.com/office/drawing/2010/main"/>
+              </a:ext>
+            </a:extLst>
+          </a:blip>
+          <a:stretch>
+            <a:fillRect/>
+          </a:stretch>
+        </p:blipFill>
+        <p:spPr>
+          <a:xfrm>
+            <a:off x="1643569" y="712604"/>
+            <a:ext cx="3677697" cy="844283"/>
+          </a:xfrm>
+          <a:prstGeom prst="rect">
+            <a:avLst/>
+          </a:prstGeom>
+        </p:spPr>
+      </p:pic>
+      <p:pic>
+        <p:nvPicPr>
+          <p:cNvPr id="60" name="Picture 59"/>
+          <p:cNvPicPr>
+            <a:picLocks noChangeAspect="1"/>
+          </p:cNvPicPr>
+          <p:nvPr/>
+        </p:nvPicPr>
+        <p:blipFill>
+          <a:blip r:embed="rId21" cstate="email">
+            <a:extLst>
+              <a:ext uri="{28A0092B-C50C-407E-A947-70E740481C1C}">
+                <a14:useLocalDpi xmlns:a14="http://schemas.microsoft.com/office/drawing/2010/main"/>
+              </a:ext>
+            </a:extLst>
+          </a:blip>
+          <a:stretch>
+            <a:fillRect/>
+          </a:stretch>
+        </p:blipFill>
+        <p:spPr>
+          <a:xfrm>
+            <a:off x="1698948" y="4665468"/>
+            <a:ext cx="1280298" cy="383102"/>
+          </a:xfrm>
+          <a:prstGeom prst="rect">
+            <a:avLst/>
+          </a:prstGeom>
+        </p:spPr>
+      </p:pic>
+      <p:pic>
+        <p:nvPicPr>
+          <p:cNvPr id="62" name="Picture 61"/>
+          <p:cNvPicPr>
+            <a:picLocks noChangeAspect="1"/>
+          </p:cNvPicPr>
+          <p:nvPr/>
+        </p:nvPicPr>
+        <p:blipFill>
+          <a:blip r:embed="rId22" cstate="email">
+            <a:extLst>
+              <a:ext uri="{28A0092B-C50C-407E-A947-70E740481C1C}">
+                <a14:useLocalDpi xmlns:a14="http://schemas.microsoft.com/office/drawing/2010/main"/>
+              </a:ext>
+            </a:extLst>
+          </a:blip>
+          <a:stretch>
+            <a:fillRect/>
+          </a:stretch>
+        </p:blipFill>
+        <p:spPr>
+          <a:xfrm>
+            <a:off x="5313005" y="4693966"/>
+            <a:ext cx="1107447" cy="415293"/>
+          </a:xfrm>
+          <a:prstGeom prst="rect">
+            <a:avLst/>
+          </a:prstGeom>
+        </p:spPr>
+      </p:pic>
+      <p:pic>
+        <p:nvPicPr>
+          <p:cNvPr id="67" name="Picture 66"/>
+          <p:cNvPicPr>
+            <a:picLocks noChangeAspect="1"/>
+          </p:cNvPicPr>
+          <p:nvPr/>
+        </p:nvPicPr>
+        <p:blipFill>
+          <a:blip r:embed="rId23" cstate="email">
+            <a:extLst>
+              <a:ext uri="{28A0092B-C50C-407E-A947-70E740481C1C}">
+                <a14:useLocalDpi xmlns:a14="http://schemas.microsoft.com/office/drawing/2010/main"/>
+              </a:ext>
+            </a:extLst>
+          </a:blip>
+          <a:stretch>
+            <a:fillRect/>
+          </a:stretch>
+        </p:blipFill>
+        <p:spPr>
+          <a:xfrm>
+            <a:off x="5376236" y="5218991"/>
+            <a:ext cx="1287308" cy="331806"/>
+          </a:xfrm>
+          <a:prstGeom prst="rect">
+            <a:avLst/>
+          </a:prstGeom>
+        </p:spPr>
+      </p:pic>
+      <p:pic>
+        <p:nvPicPr>
+          <p:cNvPr id="68" name="Picture 67"/>
+          <p:cNvPicPr>
+            <a:picLocks noChangeAspect="1"/>
+          </p:cNvPicPr>
+          <p:nvPr/>
+        </p:nvPicPr>
+        <p:blipFill>
+          <a:blip r:embed="rId24" cstate="email">
+            <a:extLst>
+              <a:ext uri="{28A0092B-C50C-407E-A947-70E740481C1C}">
+                <a14:useLocalDpi xmlns:a14="http://schemas.microsoft.com/office/drawing/2010/main"/>
+              </a:ext>
+            </a:extLst>
+          </a:blip>
+          <a:stretch>
+            <a:fillRect/>
+          </a:stretch>
+        </p:blipFill>
+        <p:spPr>
+          <a:xfrm>
+            <a:off x="7110842" y="4307173"/>
+            <a:ext cx="1137984" cy="220028"/>
+          </a:xfrm>
+          <a:prstGeom prst="rect">
+            <a:avLst/>
+          </a:prstGeom>
+        </p:spPr>
+      </p:pic>
+      <p:pic>
+        <p:nvPicPr>
+          <p:cNvPr id="69" name="Picture 68"/>
+          <p:cNvPicPr>
+            <a:picLocks noChangeAspect="1"/>
+          </p:cNvPicPr>
+          <p:nvPr/>
+        </p:nvPicPr>
+        <p:blipFill>
+          <a:blip r:embed="rId25" cstate="email">
+            <a:extLst>
+              <a:ext uri="{28A0092B-C50C-407E-A947-70E740481C1C}">
+                <a14:useLocalDpi xmlns:a14="http://schemas.microsoft.com/office/drawing/2010/main"/>
+              </a:ext>
+            </a:extLst>
+          </a:blip>
+          <a:stretch>
+            <a:fillRect/>
+          </a:stretch>
+        </p:blipFill>
+        <p:spPr>
+          <a:xfrm>
+            <a:off x="4418825" y="2364200"/>
+            <a:ext cx="2004194" cy="326802"/>
+          </a:xfrm>
+          <a:prstGeom prst="rect">
+            <a:avLst/>
+          </a:prstGeom>
+        </p:spPr>
+      </p:pic>
+      <p:pic>
+        <p:nvPicPr>
+          <p:cNvPr id="70" name="Picture 69"/>
+          <p:cNvPicPr>
+            <a:picLocks noChangeAspect="1"/>
+          </p:cNvPicPr>
+          <p:nvPr/>
+        </p:nvPicPr>
+        <p:blipFill>
+          <a:blip r:embed="rId26" cstate="email">
+            <a:extLst>
+              <a:ext uri="{28A0092B-C50C-407E-A947-70E740481C1C}">
+                <a14:useLocalDpi xmlns:a14="http://schemas.microsoft.com/office/drawing/2010/main"/>
+              </a:ext>
+            </a:extLst>
+          </a:blip>
+          <a:stretch>
+            <a:fillRect/>
+          </a:stretch>
+        </p:blipFill>
+        <p:spPr>
+          <a:xfrm>
+            <a:off x="9359671" y="5587794"/>
+            <a:ext cx="1110362" cy="456124"/>
+          </a:xfrm>
+          <a:prstGeom prst="rect">
+            <a:avLst/>
+          </a:prstGeom>
+        </p:spPr>
+      </p:pic>
+      <p:pic>
+        <p:nvPicPr>
+          <p:cNvPr id="71" name="Picture 70"/>
+          <p:cNvPicPr>
+            <a:picLocks noChangeAspect="1"/>
+          </p:cNvPicPr>
+          <p:nvPr/>
+        </p:nvPicPr>
+        <p:blipFill>
+          <a:blip r:embed="rId27" cstate="email">
+            <a:extLst>
+              <a:ext uri="{28A0092B-C50C-407E-A947-70E740481C1C}">
+                <a14:useLocalDpi xmlns:a14="http://schemas.microsoft.com/office/drawing/2010/main"/>
+              </a:ext>
+            </a:extLst>
+          </a:blip>
+          <a:stretch>
+            <a:fillRect/>
+          </a:stretch>
+        </p:blipFill>
+        <p:spPr>
+          <a:xfrm>
+            <a:off x="1728444" y="5915202"/>
+            <a:ext cx="1033092" cy="416486"/>
+          </a:xfrm>
+          <a:prstGeom prst="rect">
+            <a:avLst/>
+          </a:prstGeom>
+        </p:spPr>
+      </p:pic>
+      <p:pic>
+        <p:nvPicPr>
+          <p:cNvPr id="3" name="Picture 2"/>
+          <p:cNvPicPr>
+            <a:picLocks noChangeAspect="1"/>
+          </p:cNvPicPr>
+          <p:nvPr/>
+        </p:nvPicPr>
+        <p:blipFill>
+          <a:blip r:embed="rId28" cstate="email">
+            <a:extLst>
+              <a:ext uri="{28A0092B-C50C-407E-A947-70E740481C1C}">
+                <a14:useLocalDpi xmlns:a14="http://schemas.microsoft.com/office/drawing/2010/main"/>
+              </a:ext>
+            </a:extLst>
+          </a:blip>
+          <a:stretch>
+            <a:fillRect/>
+          </a:stretch>
+        </p:blipFill>
+        <p:spPr>
+          <a:xfrm>
+            <a:off x="6223596" y="2900730"/>
+            <a:ext cx="1390336" cy="594694"/>
+          </a:xfrm>
+          <a:prstGeom prst="rect">
+            <a:avLst/>
+          </a:prstGeom>
+        </p:spPr>
+      </p:pic>
+      <p:pic>
+        <p:nvPicPr>
+          <p:cNvPr id="7" name="Picture 6"/>
+          <p:cNvPicPr>
+            <a:picLocks noChangeAspect="1"/>
+          </p:cNvPicPr>
+          <p:nvPr/>
+        </p:nvPicPr>
+        <p:blipFill>
+          <a:blip r:embed="rId29" cstate="email">
+            <a:extLst>
+              <a:ext uri="{28A0092B-C50C-407E-A947-70E740481C1C}">
+                <a14:useLocalDpi xmlns:a14="http://schemas.microsoft.com/office/drawing/2010/main"/>
+              </a:ext>
+            </a:extLst>
+          </a:blip>
+          <a:stretch>
+            <a:fillRect/>
+          </a:stretch>
+        </p:blipFill>
+        <p:spPr>
+          <a:xfrm>
+            <a:off x="8651137" y="2902898"/>
+            <a:ext cx="1857340" cy="1091474"/>
+          </a:xfrm>
+          <a:prstGeom prst="rect">
+            <a:avLst/>
+          </a:prstGeom>
+        </p:spPr>
+      </p:pic>
+      <p:pic>
+        <p:nvPicPr>
+          <p:cNvPr id="9" name="Picture 8"/>
+          <p:cNvPicPr>
+            <a:picLocks noChangeAspect="1"/>
+          </p:cNvPicPr>
+          <p:nvPr/>
+        </p:nvPicPr>
+        <p:blipFill>
+          <a:blip r:embed="rId30" cstate="email">
+            <a:extLst>
+              <a:ext uri="{28A0092B-C50C-407E-A947-70E740481C1C}">
+                <a14:useLocalDpi xmlns:a14="http://schemas.microsoft.com/office/drawing/2010/main"/>
+              </a:ext>
+            </a:extLst>
+          </a:blip>
+          <a:stretch>
+            <a:fillRect/>
+          </a:stretch>
+        </p:blipFill>
+        <p:spPr>
+          <a:xfrm>
+            <a:off x="1803185" y="2864117"/>
+            <a:ext cx="2143626" cy="514059"/>
+          </a:xfrm>
+          <a:prstGeom prst="rect">
+            <a:avLst/>
+          </a:prstGeom>
+        </p:spPr>
+      </p:pic>
+      <p:pic>
+        <p:nvPicPr>
+          <p:cNvPr id="13" name="Picture 12"/>
+          <p:cNvPicPr>
+            <a:picLocks noChangeAspect="1"/>
+          </p:cNvPicPr>
+          <p:nvPr/>
+        </p:nvPicPr>
+        <p:blipFill>
+          <a:blip r:embed="rId31" cstate="email">
+            <a:extLst>
+              <a:ext uri="{28A0092B-C50C-407E-A947-70E740481C1C}">
+                <a14:useLocalDpi xmlns:a14="http://schemas.microsoft.com/office/drawing/2010/main"/>
+              </a:ext>
+            </a:extLst>
+          </a:blip>
+          <a:stretch>
+            <a:fillRect/>
+          </a:stretch>
+        </p:blipFill>
+        <p:spPr>
+          <a:xfrm>
+            <a:off x="1728445" y="3478907"/>
+            <a:ext cx="2813323" cy="405119"/>
+          </a:xfrm>
+          <a:prstGeom prst="rect">
+            <a:avLst/>
+          </a:prstGeom>
+        </p:spPr>
+      </p:pic>
+      <p:pic>
+        <p:nvPicPr>
+          <p:cNvPr id="14" name="Picture 13"/>
+          <p:cNvPicPr>
+            <a:picLocks noChangeAspect="1"/>
+          </p:cNvPicPr>
+          <p:nvPr/>
+        </p:nvPicPr>
+        <p:blipFill>
+          <a:blip r:embed="rId32" cstate="email">
+            <a:extLst>
+              <a:ext uri="{28A0092B-C50C-407E-A947-70E740481C1C}">
+                <a14:useLocalDpi xmlns:a14="http://schemas.microsoft.com/office/drawing/2010/main"/>
+              </a:ext>
+            </a:extLst>
+          </a:blip>
+          <a:stretch>
+            <a:fillRect/>
+          </a:stretch>
+        </p:blipFill>
+        <p:spPr>
+          <a:xfrm>
+            <a:off x="6209948" y="1821748"/>
+            <a:ext cx="1524000" cy="292608"/>
+          </a:xfrm>
+          <a:prstGeom prst="rect">
+            <a:avLst/>
+          </a:prstGeom>
+        </p:spPr>
+      </p:pic>
+      <p:pic>
+        <p:nvPicPr>
+          <p:cNvPr id="15" name="Picture 14"/>
+          <p:cNvPicPr>
+            <a:picLocks noChangeAspect="1"/>
+          </p:cNvPicPr>
+          <p:nvPr/>
+        </p:nvPicPr>
+        <p:blipFill>
+          <a:blip r:embed="rId33" cstate="email">
+            <a:extLst>
+              <a:ext uri="{28A0092B-C50C-407E-A947-70E740481C1C}">
+                <a14:useLocalDpi xmlns:a14="http://schemas.microsoft.com/office/drawing/2010/main"/>
+              </a:ext>
+            </a:extLst>
+          </a:blip>
+          <a:stretch>
+            <a:fillRect/>
+          </a:stretch>
+        </p:blipFill>
+        <p:spPr>
+          <a:xfrm>
+            <a:off x="6668161" y="3495646"/>
+            <a:ext cx="1914165" cy="578082"/>
+          </a:xfrm>
+          <a:prstGeom prst="rect">
+            <a:avLst/>
+          </a:prstGeom>
+        </p:spPr>
+      </p:pic>
+      <p:pic>
+        <p:nvPicPr>
+          <p:cNvPr id="8" name="Graphic 7">
             <a:extLst>
               <a:ext uri="{FF2B5EF4-FFF2-40B4-BE49-F238E27FC236}">
-                <a16:creationId xmlns:a16="http://schemas.microsoft.com/office/drawing/2014/main" id="{1C30BBA8-C8A3-4BFC-91EA-2114EBCE29E1}"/>
+                <a16:creationId xmlns:a16="http://schemas.microsoft.com/office/drawing/2014/main" id="{1874B694-4FD3-244E-884F-29E1EB73657F}"/>
               </a:ext>
             </a:extLst>
           </p:cNvPr>
-          <p:cNvSpPr>
-            <a:spLocks noGrp="1"/>
-          </p:cNvSpPr>
-          <p:nvPr>
-            <p:ph type="title"/>
-          </p:nvPr>
-        </p:nvSpPr>
-        <p:spPr/>
-        <p:txBody>
-          <a:bodyPr/>
-          <a:lstStyle/>
-          <a:p>
-            <a:r>
-              <a:rPr lang="en-US" dirty="0"/>
-              <a:t>Agenda</a:t>
-            </a:r>
-          </a:p>
-        </p:txBody>
-      </p:sp>
-      <p:sp>
-        <p:nvSpPr>
-          <p:cNvPr id="3" name="Content Placeholder 2">
+          <p:cNvPicPr>
+            <a:picLocks noChangeAspect="1"/>
+          </p:cNvPicPr>
+          <p:nvPr/>
+        </p:nvPicPr>
+        <p:blipFill>
+          <a:blip r:embed="rId34" cstate="email">
+            <a:extLst>
+              <a:ext uri="{28A0092B-C50C-407E-A947-70E740481C1C}">
+                <a14:useLocalDpi xmlns:a14="http://schemas.microsoft.com/office/drawing/2010/main"/>
+              </a:ext>
+              <a:ext uri="{96DAC541-7B7A-43D3-8B79-37D633B846F1}">
+                <asvg:svgBlip xmlns:asvg="http://schemas.microsoft.com/office/drawing/2016/SVG/main" r:embed="rId35"/>
+              </a:ext>
+            </a:extLst>
+          </a:blip>
+          <a:stretch>
+            <a:fillRect/>
+          </a:stretch>
+        </p:blipFill>
+        <p:spPr>
+          <a:xfrm>
+            <a:off x="4767673" y="2839144"/>
+            <a:ext cx="1200094" cy="1090270"/>
+          </a:xfrm>
+          <a:prstGeom prst="rect">
+            <a:avLst/>
+          </a:prstGeom>
+        </p:spPr>
+      </p:pic>
+      <p:pic>
+        <p:nvPicPr>
+          <p:cNvPr id="18" name="Picture 17">
             <a:extLst>
               <a:ext uri="{FF2B5EF4-FFF2-40B4-BE49-F238E27FC236}">
-                <a16:creationId xmlns:a16="http://schemas.microsoft.com/office/drawing/2014/main" id="{DA6A5859-77B1-4167-B361-2B3E94049842}"/>
+                <a16:creationId xmlns:a16="http://schemas.microsoft.com/office/drawing/2014/main" id="{7030AD16-FD2A-5741-BA5B-CC23459CB0A6}"/>
               </a:ext>
             </a:extLst>
           </p:cNvPr>
-          <p:cNvSpPr>
-            <a:spLocks noGrp="1"/>
-          </p:cNvSpPr>
-          <p:nvPr>
-            <p:ph idx="1"/>
-          </p:nvPr>
-        </p:nvSpPr>
-        <p:spPr>
-          <a:xfrm>
-            <a:off x="838200" y="1636888"/>
-            <a:ext cx="10515600" cy="3998101"/>
-          </a:xfrm>
-        </p:spPr>
-        <p:txBody>
-          <a:bodyPr numCol="2">
-            <a:normAutofit fontScale="92500" lnSpcReduction="10000"/>
-          </a:bodyPr>
-          <a:lstStyle/>
-          <a:p>
-            <a:r>
-              <a:rPr lang="en-US" dirty="0"/>
-              <a:t>Writing Faster SQL </a:t>
-            </a:r>
-          </a:p>
-          <a:p>
-            <a:pPr lvl="1"/>
-            <a:r>
-              <a:rPr lang="en-US" dirty="0"/>
-              <a:t>Reading query plans, sarge-ability, type mismatches, indexing</a:t>
-            </a:r>
-          </a:p>
-          <a:p>
-            <a:r>
-              <a:rPr lang="en-US" dirty="0"/>
-              <a:t>Reusing Query Plans</a:t>
-            </a:r>
-          </a:p>
-          <a:p>
-            <a:pPr lvl="1"/>
-            <a:r>
-              <a:rPr lang="en-US" dirty="0"/>
-              <a:t>Parameterization, memory usage, parameter sniffing, optional parameters, statistics</a:t>
-            </a:r>
-          </a:p>
-          <a:p>
-            <a:r>
-              <a:rPr lang="en-US" dirty="0"/>
-              <a:t>TSQL Architecture</a:t>
-            </a:r>
-          </a:p>
-          <a:p>
-            <a:pPr lvl="1"/>
-            <a:r>
-              <a:rPr lang="en-US" dirty="0"/>
-              <a:t>Errors, transactions, temp tables, deleting, OUTPUT</a:t>
-            </a:r>
-          </a:p>
-          <a:p>
-            <a:endParaRPr lang="en-US" dirty="0"/>
-          </a:p>
-          <a:p>
-            <a:r>
-              <a:rPr lang="en-US" dirty="0"/>
-              <a:t>Design Tips</a:t>
-            </a:r>
-          </a:p>
-          <a:p>
-            <a:pPr lvl="1"/>
-            <a:r>
-              <a:rPr lang="en-US" dirty="0"/>
-              <a:t>Column-store, naming, table design, schema changes</a:t>
-            </a:r>
-          </a:p>
-          <a:p>
-            <a:r>
-              <a:rPr lang="en-US" dirty="0"/>
-              <a:t>Client Applications</a:t>
-            </a:r>
-          </a:p>
-          <a:p>
-            <a:pPr lvl="1"/>
-            <a:r>
-              <a:rPr lang="en-US" dirty="0"/>
-              <a:t>Authentication, Connecting to SQL, Handling data, ORMs</a:t>
-            </a:r>
-          </a:p>
-          <a:p>
-            <a:r>
-              <a:rPr lang="en-US" dirty="0"/>
-              <a:t>New TSQL Features</a:t>
-            </a:r>
-          </a:p>
-          <a:p>
-            <a:pPr lvl="1"/>
-            <a:r>
-              <a:rPr lang="en-US" dirty="0"/>
-              <a:t>DROP &amp; CREATE, splitting strings, formatting, sequences, temporal tables</a:t>
-            </a:r>
-          </a:p>
-          <a:p>
-            <a:endParaRPr lang="en-US" dirty="0"/>
-          </a:p>
-        </p:txBody>
-      </p:sp>
-      <p:sp>
-        <p:nvSpPr>
-          <p:cNvPr id="4" name="TextBox 3">
+          <p:cNvPicPr>
+            <a:picLocks noChangeAspect="1"/>
+          </p:cNvPicPr>
+          <p:nvPr/>
+        </p:nvPicPr>
+        <p:blipFill>
+          <a:blip r:embed="rId36" cstate="email">
+            <a:extLst>
+              <a:ext uri="{28A0092B-C50C-407E-A947-70E740481C1C}">
+                <a14:useLocalDpi xmlns:a14="http://schemas.microsoft.com/office/drawing/2010/main"/>
+              </a:ext>
+            </a:extLst>
+          </a:blip>
+          <a:stretch>
+            <a:fillRect/>
+          </a:stretch>
+        </p:blipFill>
+        <p:spPr>
+          <a:xfrm>
+            <a:off x="1710607" y="5195218"/>
+            <a:ext cx="1682849" cy="284673"/>
+          </a:xfrm>
+          <a:prstGeom prst="rect">
+            <a:avLst/>
+          </a:prstGeom>
+        </p:spPr>
+      </p:pic>
+      <p:pic>
+        <p:nvPicPr>
+          <p:cNvPr id="20" name="Picture 19">
             <a:extLst>
               <a:ext uri="{FF2B5EF4-FFF2-40B4-BE49-F238E27FC236}">
-                <a16:creationId xmlns:a16="http://schemas.microsoft.com/office/drawing/2014/main" id="{C3A163D0-CB3E-4438-B9CE-528C5C119659}"/>
+                <a16:creationId xmlns:a16="http://schemas.microsoft.com/office/drawing/2014/main" id="{672D0F06-E4F3-E14C-B48F-97FFA2401B53}"/>
               </a:ext>
             </a:extLst>
           </p:cNvPr>
-          <p:cNvSpPr txBox="1"/>
+          <p:cNvPicPr>
+            <a:picLocks noChangeAspect="1"/>
+          </p:cNvPicPr>
           <p:nvPr/>
-        </p:nvSpPr>
-        <p:spPr>
-          <a:xfrm>
-            <a:off x="2066536" y="5908096"/>
-            <a:ext cx="8392438" cy="584775"/>
+        </p:nvPicPr>
+        <p:blipFill>
+          <a:blip r:embed="rId37" cstate="email">
+            <a:extLst>
+              <a:ext uri="{28A0092B-C50C-407E-A947-70E740481C1C}">
+                <a14:useLocalDpi xmlns:a14="http://schemas.microsoft.com/office/drawing/2010/main"/>
+              </a:ext>
+            </a:extLst>
+          </a:blip>
+          <a:stretch>
+            <a:fillRect/>
+          </a:stretch>
+        </p:blipFill>
+        <p:spPr>
+          <a:xfrm>
+            <a:off x="1576886" y="5815856"/>
+            <a:ext cx="1448842" cy="1448842"/>
           </a:xfrm>
           <a:prstGeom prst="rect">
             <a:avLst/>
           </a:prstGeom>
-          <a:noFill/>
-        </p:spPr>
-        <p:txBody>
-          <a:bodyPr wrap="square" rtlCol="0">
-            <a:spAutoFit/>
-          </a:bodyPr>
-          <a:lstStyle/>
-          <a:p>
-            <a:pPr algn="ctr"/>
-            <a:r>
-              <a:rPr lang="en-US" sz="3200" dirty="0">
-                <a:solidFill>
-                  <a:schemeClr val="accent5"/>
-                </a:solidFill>
-              </a:rPr>
-              <a:t>Materials at </a:t>
-            </a:r>
-            <a:r>
-              <a:rPr lang="en-US" sz="3200" b="1" dirty="0"/>
-              <a:t>github.com/billgraziano/kcdc2018</a:t>
-            </a:r>
-          </a:p>
-        </p:txBody>
-      </p:sp>
+        </p:spPr>
+      </p:pic>
+      <p:pic>
+        <p:nvPicPr>
+          <p:cNvPr id="27" name="Picture 26">
+            <a:extLst>
+              <a:ext uri="{FF2B5EF4-FFF2-40B4-BE49-F238E27FC236}">
+                <a16:creationId xmlns:a16="http://schemas.microsoft.com/office/drawing/2014/main" id="{CE59D831-9D9B-9A4E-9007-08D79BB4C08B}"/>
+              </a:ext>
+            </a:extLst>
+          </p:cNvPr>
+          <p:cNvPicPr>
+            <a:picLocks noChangeAspect="1"/>
+          </p:cNvPicPr>
+          <p:nvPr/>
+        </p:nvPicPr>
+        <p:blipFill>
+          <a:blip r:embed="rId38" cstate="email">
+            <a:extLst>
+              <a:ext uri="{28A0092B-C50C-407E-A947-70E740481C1C}">
+                <a14:useLocalDpi xmlns:a14="http://schemas.microsoft.com/office/drawing/2010/main"/>
+              </a:ext>
+            </a:extLst>
+          </a:blip>
+          <a:stretch>
+            <a:fillRect/>
+          </a:stretch>
+        </p:blipFill>
+        <p:spPr>
+          <a:xfrm>
+            <a:off x="3193234" y="4725095"/>
+            <a:ext cx="893421" cy="288850"/>
+          </a:xfrm>
+          <a:prstGeom prst="rect">
+            <a:avLst/>
+          </a:prstGeom>
+        </p:spPr>
+      </p:pic>
+      <p:pic>
+        <p:nvPicPr>
+          <p:cNvPr id="30" name="Picture 29">
+            <a:extLst>
+              <a:ext uri="{FF2B5EF4-FFF2-40B4-BE49-F238E27FC236}">
+                <a16:creationId xmlns:a16="http://schemas.microsoft.com/office/drawing/2014/main" id="{E3FB1235-1864-4148-9CA8-16D79A4EBB58}"/>
+              </a:ext>
+            </a:extLst>
+          </p:cNvPr>
+          <p:cNvPicPr>
+            <a:picLocks noChangeAspect="1"/>
+          </p:cNvPicPr>
+          <p:nvPr/>
+        </p:nvPicPr>
+        <p:blipFill>
+          <a:blip r:embed="rId39" cstate="email">
+            <a:extLst>
+              <a:ext uri="{28A0092B-C50C-407E-A947-70E740481C1C}">
+                <a14:useLocalDpi xmlns:a14="http://schemas.microsoft.com/office/drawing/2010/main"/>
+              </a:ext>
+            </a:extLst>
+          </a:blip>
+          <a:stretch>
+            <a:fillRect/>
+          </a:stretch>
+        </p:blipFill>
+        <p:spPr>
+          <a:xfrm>
+            <a:off x="6459481" y="4634089"/>
+            <a:ext cx="768079" cy="657280"/>
+          </a:xfrm>
+          <a:prstGeom prst="rect">
+            <a:avLst/>
+          </a:prstGeom>
+        </p:spPr>
+      </p:pic>
+      <p:pic>
+        <p:nvPicPr>
+          <p:cNvPr id="35" name="Picture 34">
+            <a:extLst>
+              <a:ext uri="{FF2B5EF4-FFF2-40B4-BE49-F238E27FC236}">
+                <a16:creationId xmlns:a16="http://schemas.microsoft.com/office/drawing/2014/main" id="{69DF7118-042A-0B4F-9E38-1693A3AFFB53}"/>
+              </a:ext>
+            </a:extLst>
+          </p:cNvPr>
+          <p:cNvPicPr>
+            <a:picLocks noChangeAspect="1"/>
+          </p:cNvPicPr>
+          <p:nvPr/>
+        </p:nvPicPr>
+        <p:blipFill>
+          <a:blip r:embed="rId40" cstate="email">
+            <a:extLst>
+              <a:ext uri="{28A0092B-C50C-407E-A947-70E740481C1C}">
+                <a14:useLocalDpi xmlns:a14="http://schemas.microsoft.com/office/drawing/2010/main"/>
+              </a:ext>
+            </a:extLst>
+          </a:blip>
+          <a:stretch>
+            <a:fillRect/>
+          </a:stretch>
+        </p:blipFill>
+        <p:spPr>
+          <a:xfrm>
+            <a:off x="4282419" y="4634089"/>
+            <a:ext cx="852360" cy="537934"/>
+          </a:xfrm>
+          <a:prstGeom prst="rect">
+            <a:avLst/>
+          </a:prstGeom>
+        </p:spPr>
+      </p:pic>
+      <p:pic>
+        <p:nvPicPr>
+          <p:cNvPr id="37" name="Picture 36">
+            <a:extLst>
+              <a:ext uri="{FF2B5EF4-FFF2-40B4-BE49-F238E27FC236}">
+                <a16:creationId xmlns:a16="http://schemas.microsoft.com/office/drawing/2014/main" id="{903B70FC-A0B9-A34C-90EF-3D500C5BDCEA}"/>
+              </a:ext>
+            </a:extLst>
+          </p:cNvPr>
+          <p:cNvPicPr>
+            <a:picLocks noChangeAspect="1"/>
+          </p:cNvPicPr>
+          <p:nvPr/>
+        </p:nvPicPr>
+        <p:blipFill>
+          <a:blip r:embed="rId41" cstate="email">
+            <a:extLst>
+              <a:ext uri="{28A0092B-C50C-407E-A947-70E740481C1C}">
+                <a14:useLocalDpi xmlns:a14="http://schemas.microsoft.com/office/drawing/2010/main"/>
+              </a:ext>
+            </a:extLst>
+          </a:blip>
+          <a:stretch>
+            <a:fillRect/>
+          </a:stretch>
+        </p:blipFill>
+        <p:spPr>
+          <a:xfrm>
+            <a:off x="7352418" y="4666979"/>
+            <a:ext cx="835473" cy="402993"/>
+          </a:xfrm>
+          <a:prstGeom prst="rect">
+            <a:avLst/>
+          </a:prstGeom>
+        </p:spPr>
+      </p:pic>
+      <p:pic>
+        <p:nvPicPr>
+          <p:cNvPr id="41" name="Graphic 40">
+            <a:extLst>
+              <a:ext uri="{FF2B5EF4-FFF2-40B4-BE49-F238E27FC236}">
+                <a16:creationId xmlns:a16="http://schemas.microsoft.com/office/drawing/2014/main" id="{D7941B0E-AB56-0049-9C23-0B66F5F8031F}"/>
+              </a:ext>
+            </a:extLst>
+          </p:cNvPr>
+          <p:cNvPicPr>
+            <a:picLocks noChangeAspect="1"/>
+          </p:cNvPicPr>
+          <p:nvPr/>
+        </p:nvPicPr>
+        <p:blipFill>
+          <a:blip r:embed="rId42" cstate="email">
+            <a:extLst>
+              <a:ext uri="{28A0092B-C50C-407E-A947-70E740481C1C}">
+                <a14:useLocalDpi xmlns:a14="http://schemas.microsoft.com/office/drawing/2010/main"/>
+              </a:ext>
+              <a:ext uri="{96DAC541-7B7A-43D3-8B79-37D633B846F1}">
+                <asvg:svgBlip xmlns:asvg="http://schemas.microsoft.com/office/drawing/2016/SVG/main" r:embed="rId43"/>
+              </a:ext>
+            </a:extLst>
+          </a:blip>
+          <a:stretch>
+            <a:fillRect/>
+          </a:stretch>
+        </p:blipFill>
+        <p:spPr>
+          <a:xfrm>
+            <a:off x="8179784" y="5486710"/>
+            <a:ext cx="981458" cy="488912"/>
+          </a:xfrm>
+          <a:prstGeom prst="rect">
+            <a:avLst/>
+          </a:prstGeom>
+        </p:spPr>
+      </p:pic>
+      <p:pic>
+        <p:nvPicPr>
+          <p:cNvPr id="43" name="Picture 42">
+            <a:extLst>
+              <a:ext uri="{FF2B5EF4-FFF2-40B4-BE49-F238E27FC236}">
+                <a16:creationId xmlns:a16="http://schemas.microsoft.com/office/drawing/2014/main" id="{88C4E2BD-8E6F-1740-B4A2-8CD23733CBBA}"/>
+              </a:ext>
+            </a:extLst>
+          </p:cNvPr>
+          <p:cNvPicPr>
+            <a:picLocks noChangeAspect="1"/>
+          </p:cNvPicPr>
+          <p:nvPr/>
+        </p:nvPicPr>
+        <p:blipFill>
+          <a:blip r:embed="rId44" cstate="email">
+            <a:extLst>
+              <a:ext uri="{28A0092B-C50C-407E-A947-70E740481C1C}">
+                <a14:useLocalDpi xmlns:a14="http://schemas.microsoft.com/office/drawing/2010/main"/>
+              </a:ext>
+            </a:extLst>
+          </a:blip>
+          <a:stretch>
+            <a:fillRect/>
+          </a:stretch>
+        </p:blipFill>
+        <p:spPr>
+          <a:xfrm>
+            <a:off x="7363072" y="5164446"/>
+            <a:ext cx="1025241" cy="324660"/>
+          </a:xfrm>
+          <a:prstGeom prst="rect">
+            <a:avLst/>
+          </a:prstGeom>
+        </p:spPr>
+      </p:pic>
+      <p:pic>
+        <p:nvPicPr>
+          <p:cNvPr id="45" name="Picture 44">
+            <a:extLst>
+              <a:ext uri="{FF2B5EF4-FFF2-40B4-BE49-F238E27FC236}">
+                <a16:creationId xmlns:a16="http://schemas.microsoft.com/office/drawing/2014/main" id="{2BD9FC3A-48DD-7847-B67E-9693E6305FEC}"/>
+              </a:ext>
+            </a:extLst>
+          </p:cNvPr>
+          <p:cNvPicPr>
+            <a:picLocks noChangeAspect="1"/>
+          </p:cNvPicPr>
+          <p:nvPr/>
+        </p:nvPicPr>
+        <p:blipFill>
+          <a:blip r:embed="rId45" cstate="email">
+            <a:extLst>
+              <a:ext uri="{28A0092B-C50C-407E-A947-70E740481C1C}">
+                <a14:useLocalDpi xmlns:a14="http://schemas.microsoft.com/office/drawing/2010/main"/>
+              </a:ext>
+            </a:extLst>
+          </a:blip>
+          <a:stretch>
+            <a:fillRect/>
+          </a:stretch>
+        </p:blipFill>
+        <p:spPr>
+          <a:xfrm>
+            <a:off x="8380954" y="6010665"/>
+            <a:ext cx="914170" cy="660234"/>
+          </a:xfrm>
+          <a:prstGeom prst="rect">
+            <a:avLst/>
+          </a:prstGeom>
+        </p:spPr>
+      </p:pic>
+      <p:pic>
+        <p:nvPicPr>
+          <p:cNvPr id="48" name="Picture 47">
+            <a:extLst>
+              <a:ext uri="{FF2B5EF4-FFF2-40B4-BE49-F238E27FC236}">
+                <a16:creationId xmlns:a16="http://schemas.microsoft.com/office/drawing/2014/main" id="{F38E847A-0E24-7C4A-9A49-72639F0E4EF4}"/>
+              </a:ext>
+            </a:extLst>
+          </p:cNvPr>
+          <p:cNvPicPr>
+            <a:picLocks noChangeAspect="1"/>
+          </p:cNvPicPr>
+          <p:nvPr/>
+        </p:nvPicPr>
+        <p:blipFill>
+          <a:blip r:embed="rId46" cstate="email">
+            <a:extLst>
+              <a:ext uri="{28A0092B-C50C-407E-A947-70E740481C1C}">
+                <a14:useLocalDpi xmlns:a14="http://schemas.microsoft.com/office/drawing/2010/main"/>
+              </a:ext>
+            </a:extLst>
+          </a:blip>
+          <a:stretch>
+            <a:fillRect/>
+          </a:stretch>
+        </p:blipFill>
+        <p:spPr>
+          <a:xfrm>
+            <a:off x="5711072" y="5647199"/>
+            <a:ext cx="2022877" cy="307719"/>
+          </a:xfrm>
+          <a:prstGeom prst="rect">
+            <a:avLst/>
+          </a:prstGeom>
+        </p:spPr>
+      </p:pic>
+      <p:pic>
+        <p:nvPicPr>
+          <p:cNvPr id="50" name="Picture 49">
+            <a:extLst>
+              <a:ext uri="{FF2B5EF4-FFF2-40B4-BE49-F238E27FC236}">
+                <a16:creationId xmlns:a16="http://schemas.microsoft.com/office/drawing/2014/main" id="{F215BB31-9F9D-CF4F-A6DC-4079245903CA}"/>
+              </a:ext>
+            </a:extLst>
+          </p:cNvPr>
+          <p:cNvPicPr>
+            <a:picLocks noChangeAspect="1"/>
+          </p:cNvPicPr>
+          <p:nvPr/>
+        </p:nvPicPr>
+        <p:blipFill>
+          <a:blip r:embed="rId47" cstate="email">
+            <a:extLst>
+              <a:ext uri="{28A0092B-C50C-407E-A947-70E740481C1C}">
+                <a14:useLocalDpi xmlns:a14="http://schemas.microsoft.com/office/drawing/2010/main"/>
+              </a:ext>
+            </a:extLst>
+          </a:blip>
+          <a:stretch>
+            <a:fillRect/>
+          </a:stretch>
+        </p:blipFill>
+        <p:spPr>
+          <a:xfrm>
+            <a:off x="3449186" y="5740188"/>
+            <a:ext cx="1918535" cy="237345"/>
+          </a:xfrm>
+          <a:prstGeom prst="rect">
+            <a:avLst/>
+          </a:prstGeom>
+        </p:spPr>
+      </p:pic>
+      <p:pic>
+        <p:nvPicPr>
+          <p:cNvPr id="54" name="Picture 53">
+            <a:extLst>
+              <a:ext uri="{FF2B5EF4-FFF2-40B4-BE49-F238E27FC236}">
+                <a16:creationId xmlns:a16="http://schemas.microsoft.com/office/drawing/2014/main" id="{F6318DBC-4EF8-1A4A-AC84-103CFC531BB4}"/>
+              </a:ext>
+            </a:extLst>
+          </p:cNvPr>
+          <p:cNvPicPr>
+            <a:picLocks noChangeAspect="1"/>
+          </p:cNvPicPr>
+          <p:nvPr/>
+        </p:nvPicPr>
+        <p:blipFill>
+          <a:blip r:embed="rId48" cstate="email">
+            <a:extLst>
+              <a:ext uri="{28A0092B-C50C-407E-A947-70E740481C1C}">
+                <a14:useLocalDpi xmlns:a14="http://schemas.microsoft.com/office/drawing/2010/main"/>
+              </a:ext>
+            </a:extLst>
+          </a:blip>
+          <a:stretch>
+            <a:fillRect/>
+          </a:stretch>
+        </p:blipFill>
+        <p:spPr>
+          <a:xfrm>
+            <a:off x="3910988" y="6109934"/>
+            <a:ext cx="1037549" cy="502428"/>
+          </a:xfrm>
+          <a:prstGeom prst="rect">
+            <a:avLst/>
+          </a:prstGeom>
+        </p:spPr>
+      </p:pic>
+      <p:pic>
+        <p:nvPicPr>
+          <p:cNvPr id="59" name="Picture 58">
+            <a:extLst>
+              <a:ext uri="{FF2B5EF4-FFF2-40B4-BE49-F238E27FC236}">
+                <a16:creationId xmlns:a16="http://schemas.microsoft.com/office/drawing/2014/main" id="{D4E2FDA0-2308-8F44-A95F-A58A222EEC0A}"/>
+              </a:ext>
+            </a:extLst>
+          </p:cNvPr>
+          <p:cNvPicPr>
+            <a:picLocks noChangeAspect="1"/>
+          </p:cNvPicPr>
+          <p:nvPr/>
+        </p:nvPicPr>
+        <p:blipFill>
+          <a:blip r:embed="rId49" cstate="email">
+            <a:extLst>
+              <a:ext uri="{28A0092B-C50C-407E-A947-70E740481C1C}">
+                <a14:useLocalDpi xmlns:a14="http://schemas.microsoft.com/office/drawing/2010/main"/>
+              </a:ext>
+            </a:extLst>
+          </a:blip>
+          <a:stretch>
+            <a:fillRect/>
+          </a:stretch>
+        </p:blipFill>
+        <p:spPr>
+          <a:xfrm>
+            <a:off x="6740476" y="6116306"/>
+            <a:ext cx="1405606" cy="447321"/>
+          </a:xfrm>
+          <a:prstGeom prst="rect">
+            <a:avLst/>
+          </a:prstGeom>
+        </p:spPr>
+      </p:pic>
+      <p:pic>
+        <p:nvPicPr>
+          <p:cNvPr id="63" name="Graphic 62">
+            <a:extLst>
+              <a:ext uri="{FF2B5EF4-FFF2-40B4-BE49-F238E27FC236}">
+                <a16:creationId xmlns:a16="http://schemas.microsoft.com/office/drawing/2014/main" id="{33EE7928-FA2A-E34F-A31F-932D58B0BA2C}"/>
+              </a:ext>
+            </a:extLst>
+          </p:cNvPr>
+          <p:cNvPicPr>
+            <a:picLocks noChangeAspect="1"/>
+          </p:cNvPicPr>
+          <p:nvPr/>
+        </p:nvPicPr>
+        <p:blipFill>
+          <a:blip r:embed="rId50" cstate="email">
+            <a:extLst>
+              <a:ext uri="{28A0092B-C50C-407E-A947-70E740481C1C}">
+                <a14:useLocalDpi xmlns:a14="http://schemas.microsoft.com/office/drawing/2010/main"/>
+              </a:ext>
+              <a:ext uri="{96DAC541-7B7A-43D3-8B79-37D633B846F1}">
+                <asvg:svgBlip xmlns:asvg="http://schemas.microsoft.com/office/drawing/2016/SVG/main" r:embed="rId51"/>
+              </a:ext>
+            </a:extLst>
+          </a:blip>
+          <a:stretch>
+            <a:fillRect/>
+          </a:stretch>
+        </p:blipFill>
+        <p:spPr>
+          <a:xfrm>
+            <a:off x="5150966" y="6262915"/>
+            <a:ext cx="1302221" cy="256175"/>
+          </a:xfrm>
+          <a:prstGeom prst="rect">
+            <a:avLst/>
+          </a:prstGeom>
+        </p:spPr>
+      </p:pic>
+      <p:pic>
+        <p:nvPicPr>
+          <p:cNvPr id="65" name="Picture 64">
+            <a:extLst>
+              <a:ext uri="{FF2B5EF4-FFF2-40B4-BE49-F238E27FC236}">
+                <a16:creationId xmlns:a16="http://schemas.microsoft.com/office/drawing/2014/main" id="{133893CC-9A1A-BA48-9D67-F2A2E57D866B}"/>
+              </a:ext>
+            </a:extLst>
+          </p:cNvPr>
+          <p:cNvPicPr>
+            <a:picLocks noChangeAspect="1"/>
+          </p:cNvPicPr>
+          <p:nvPr/>
+        </p:nvPicPr>
+        <p:blipFill>
+          <a:blip r:embed="rId52" cstate="email">
+            <a:extLst>
+              <a:ext uri="{28A0092B-C50C-407E-A947-70E740481C1C}">
+                <a14:useLocalDpi xmlns:a14="http://schemas.microsoft.com/office/drawing/2010/main"/>
+              </a:ext>
+            </a:extLst>
+          </a:blip>
+          <a:stretch>
+            <a:fillRect/>
+          </a:stretch>
+        </p:blipFill>
+        <p:spPr>
+          <a:xfrm>
+            <a:off x="3028314" y="6213994"/>
+            <a:ext cx="599275" cy="361978"/>
+          </a:xfrm>
+          <a:prstGeom prst="rect">
+            <a:avLst/>
+          </a:prstGeom>
+        </p:spPr>
+      </p:pic>
     </p:spTree>
     <p:extLst>
       <p:ext uri="{BB962C8B-B14F-4D97-AF65-F5344CB8AC3E}">
-        <p14:creationId xmlns:p14="http://schemas.microsoft.com/office/powerpoint/2010/main" val="1229903060"/>
+        <p14:creationId xmlns:p14="http://schemas.microsoft.com/office/powerpoint/2010/main" val="4043054023"/>
       </p:ext>
     </p:extLst>
   </p:cSld>
@@ -7020,7 +9122,7 @@
           <p:cNvPr id="2" name="Title 1">
             <a:extLst>
               <a:ext uri="{FF2B5EF4-FFF2-40B4-BE49-F238E27FC236}">
-                <a16:creationId xmlns:a16="http://schemas.microsoft.com/office/drawing/2014/main" id="{E9435273-86A3-4D76-B2B6-0F442685F579}"/>
+                <a16:creationId xmlns:a16="http://schemas.microsoft.com/office/drawing/2014/main" id="{1C30BBA8-C8A3-4BFC-91EA-2114EBCE29E1}"/>
               </a:ext>
             </a:extLst>
           </p:cNvPr>
@@ -7038,7 +9140,7 @@
           <a:p>
             <a:r>
               <a:rPr lang="en-US" dirty="0"/>
-              <a:t>Databases</a:t>
+              <a:t>Agenda</a:t>
             </a:r>
           </a:p>
         </p:txBody>
@@ -7048,7 +9150,7 @@
           <p:cNvPr id="3" name="Content Placeholder 2">
             <a:extLst>
               <a:ext uri="{FF2B5EF4-FFF2-40B4-BE49-F238E27FC236}">
-                <a16:creationId xmlns:a16="http://schemas.microsoft.com/office/drawing/2014/main" id="{B019F198-43D3-4BC9-A7BD-AFD4E77CE198}"/>
+                <a16:creationId xmlns:a16="http://schemas.microsoft.com/office/drawing/2014/main" id="{DA6A5859-77B1-4167-B361-2B3E94049842}"/>
               </a:ext>
             </a:extLst>
           </p:cNvPr>
@@ -7061,76 +9163,98 @@
         </p:nvSpPr>
         <p:spPr>
           <a:xfrm>
-            <a:off x="838200" y="1636889"/>
-            <a:ext cx="11129010" cy="4271208"/>
-          </a:xfrm>
-        </p:spPr>
-        <p:txBody>
-          <a:bodyPr/>
+            <a:off x="838200" y="1636888"/>
+            <a:ext cx="10515600" cy="3998101"/>
+          </a:xfrm>
+        </p:spPr>
+        <p:txBody>
+          <a:bodyPr numCol="2">
+            <a:normAutofit fontScale="92500" lnSpcReduction="10000"/>
+          </a:bodyPr>
           <a:lstStyle/>
           <a:p>
             <a:r>
               <a:rPr lang="en-US" dirty="0"/>
-              <a:t>github.com/Microsoft/</a:t>
-            </a:r>
-            <a:r>
-              <a:rPr lang="en-US" dirty="0" err="1"/>
-              <a:t>sql</a:t>
-            </a:r>
+              <a:t>Writing Faster SQL </a:t>
+            </a:r>
+          </a:p>
+          <a:p>
+            <a:pPr lvl="1"/>
             <a:r>
               <a:rPr lang="en-US" dirty="0"/>
-              <a:t>-server-samples/releases/tag/</a:t>
-            </a:r>
-            <a:r>
-              <a:rPr lang="en-US" dirty="0" err="1"/>
-              <a:t>adventureworks</a:t>
-            </a:r>
+              <a:t>Reading query plans, sarge-ability, type mismatches, indexing</a:t>
+            </a:r>
+          </a:p>
+          <a:p>
+            <a:r>
+              <a:rPr lang="en-US" dirty="0"/>
+              <a:t>Reusing Query Plans</a:t>
+            </a:r>
+          </a:p>
+          <a:p>
+            <a:pPr lvl="1"/>
+            <a:r>
+              <a:rPr lang="en-US" dirty="0"/>
+              <a:t>Parameterization, memory usage, parameter sniffing, optional parameters, statistics</a:t>
+            </a:r>
+          </a:p>
+          <a:p>
+            <a:r>
+              <a:rPr lang="en-US" dirty="0"/>
+              <a:t>TSQL Architecture</a:t>
+            </a:r>
+          </a:p>
+          <a:p>
+            <a:pPr lvl="1"/>
+            <a:r>
+              <a:rPr lang="en-US" dirty="0"/>
+              <a:t>Errors, transactions, temp tables, deleting, OUTPUT</a:t>
+            </a:r>
+          </a:p>
+          <a:p>
             <a:endParaRPr lang="en-US" dirty="0"/>
           </a:p>
           <a:p>
+            <a:r>
+              <a:rPr lang="en-US" dirty="0"/>
+              <a:t>Design Tips</a:t>
+            </a:r>
+          </a:p>
+          <a:p>
             <a:pPr lvl="1"/>
             <a:r>
               <a:rPr lang="en-US" dirty="0"/>
-              <a:t>AdventureWorks2016.BAK (47 MB)</a:t>
+              <a:t>Column-store, naming, table design, schema changes</a:t>
+            </a:r>
+          </a:p>
+          <a:p>
+            <a:r>
+              <a:rPr lang="en-US" dirty="0"/>
+              <a:t>Client Applications</a:t>
             </a:r>
           </a:p>
           <a:p>
             <a:pPr lvl="1"/>
             <a:r>
-              <a:rPr lang="en-US"/>
-              <a:t>AdventureWorksDW2016</a:t>
-            </a:r>
-            <a:r>
               <a:rPr lang="en-US" dirty="0"/>
-              <a:t>_EXT (883 MB)</a:t>
-            </a:r>
-          </a:p>
-          <a:p>
-            <a:pPr lvl="2"/>
+              <a:t>Authentication, Connecting to SQL, Handling data, ORMs</a:t>
+            </a:r>
+          </a:p>
+          <a:p>
             <a:r>
               <a:rPr lang="en-US" dirty="0"/>
-              <a:t>You probably don’t need this</a:t>
-            </a:r>
-          </a:p>
-          <a:p>
+              <a:t>New TSQL Features</a:t>
+            </a:r>
+          </a:p>
+          <a:p>
+            <a:pPr lvl="1"/>
             <a:r>
               <a:rPr lang="en-US" dirty="0"/>
-              <a:t>All samples use</a:t>
-            </a:r>
-          </a:p>
-          <a:p>
-            <a:pPr lvl="1"/>
-            <a:r>
-              <a:rPr lang="en-US" dirty="0"/>
-              <a:t>SQL Server 2016</a:t>
-            </a:r>
-          </a:p>
-          <a:p>
-            <a:pPr lvl="1"/>
-            <a:r>
-              <a:rPr lang="en-US" dirty="0"/>
-              <a:t>Visual Studio 2017</a:t>
-            </a:r>
+              <a:t>DROP &amp; CREATE, splitting strings, formatting, sequences, temporal tables</a:t>
+            </a:r>
+          </a:p>
+          <a:p>
+            <a:endParaRPr lang="en-US" dirty="0"/>
           </a:p>
         </p:txBody>
       </p:sp>
@@ -7139,7 +9263,7 @@
           <p:cNvPr id="4" name="TextBox 3">
             <a:extLst>
               <a:ext uri="{FF2B5EF4-FFF2-40B4-BE49-F238E27FC236}">
-                <a16:creationId xmlns:a16="http://schemas.microsoft.com/office/drawing/2014/main" id="{01B2E57B-6514-47DC-A3C9-54AE16483A17}"/>
+                <a16:creationId xmlns:a16="http://schemas.microsoft.com/office/drawing/2014/main" id="{C3A163D0-CB3E-4438-B9CE-528C5C119659}"/>
               </a:ext>
             </a:extLst>
           </p:cNvPr>
@@ -7181,7 +9305,7 @@
     </p:spTree>
     <p:extLst>
       <p:ext uri="{BB962C8B-B14F-4D97-AF65-F5344CB8AC3E}">
-        <p14:creationId xmlns:p14="http://schemas.microsoft.com/office/powerpoint/2010/main" val="535850826"/>
+        <p14:creationId xmlns:p14="http://schemas.microsoft.com/office/powerpoint/2010/main" val="1229903060"/>
       </p:ext>
     </p:extLst>
   </p:cSld>
@@ -7210,6 +9334,199 @@
       </p:grpSpPr>
       <p:sp>
         <p:nvSpPr>
+          <p:cNvPr id="2" name="Title 1">
+            <a:extLst>
+              <a:ext uri="{FF2B5EF4-FFF2-40B4-BE49-F238E27FC236}">
+                <a16:creationId xmlns:a16="http://schemas.microsoft.com/office/drawing/2014/main" id="{E9435273-86A3-4D76-B2B6-0F442685F579}"/>
+              </a:ext>
+            </a:extLst>
+          </p:cNvPr>
+          <p:cNvSpPr>
+            <a:spLocks noGrp="1"/>
+          </p:cNvSpPr>
+          <p:nvPr>
+            <p:ph type="title"/>
+          </p:nvPr>
+        </p:nvSpPr>
+        <p:spPr/>
+        <p:txBody>
+          <a:bodyPr/>
+          <a:lstStyle/>
+          <a:p>
+            <a:r>
+              <a:rPr lang="en-US" dirty="0"/>
+              <a:t>Databases</a:t>
+            </a:r>
+          </a:p>
+        </p:txBody>
+      </p:sp>
+      <p:sp>
+        <p:nvSpPr>
+          <p:cNvPr id="3" name="Content Placeholder 2">
+            <a:extLst>
+              <a:ext uri="{FF2B5EF4-FFF2-40B4-BE49-F238E27FC236}">
+                <a16:creationId xmlns:a16="http://schemas.microsoft.com/office/drawing/2014/main" id="{B019F198-43D3-4BC9-A7BD-AFD4E77CE198}"/>
+              </a:ext>
+            </a:extLst>
+          </p:cNvPr>
+          <p:cNvSpPr>
+            <a:spLocks noGrp="1"/>
+          </p:cNvSpPr>
+          <p:nvPr>
+            <p:ph idx="1"/>
+          </p:nvPr>
+        </p:nvSpPr>
+        <p:spPr>
+          <a:xfrm>
+            <a:off x="838200" y="1636889"/>
+            <a:ext cx="11129010" cy="4271208"/>
+          </a:xfrm>
+        </p:spPr>
+        <p:txBody>
+          <a:bodyPr/>
+          <a:lstStyle/>
+          <a:p>
+            <a:r>
+              <a:rPr lang="en-US" dirty="0"/>
+              <a:t>github.com/Microsoft/</a:t>
+            </a:r>
+            <a:r>
+              <a:rPr lang="en-US" dirty="0" err="1"/>
+              <a:t>sql</a:t>
+            </a:r>
+            <a:r>
+              <a:rPr lang="en-US" dirty="0"/>
+              <a:t>-server-samples/releases/tag/</a:t>
+            </a:r>
+            <a:r>
+              <a:rPr lang="en-US" dirty="0" err="1"/>
+              <a:t>adventureworks</a:t>
+            </a:r>
+            <a:endParaRPr lang="en-US" dirty="0"/>
+          </a:p>
+          <a:p>
+            <a:pPr lvl="1"/>
+            <a:r>
+              <a:rPr lang="en-US" dirty="0"/>
+              <a:t>AdventureWorks2016.BAK (47 MB)</a:t>
+            </a:r>
+          </a:p>
+          <a:p>
+            <a:pPr lvl="1"/>
+            <a:r>
+              <a:rPr lang="en-US"/>
+              <a:t>AdventureWorksDW2016</a:t>
+            </a:r>
+            <a:r>
+              <a:rPr lang="en-US" dirty="0"/>
+              <a:t>_EXT (883 MB)</a:t>
+            </a:r>
+          </a:p>
+          <a:p>
+            <a:pPr lvl="2"/>
+            <a:r>
+              <a:rPr lang="en-US" dirty="0"/>
+              <a:t>You probably don’t need this</a:t>
+            </a:r>
+          </a:p>
+          <a:p>
+            <a:r>
+              <a:rPr lang="en-US" dirty="0"/>
+              <a:t>All samples use</a:t>
+            </a:r>
+          </a:p>
+          <a:p>
+            <a:pPr lvl="1"/>
+            <a:r>
+              <a:rPr lang="en-US" dirty="0"/>
+              <a:t>SQL Server 2016</a:t>
+            </a:r>
+          </a:p>
+          <a:p>
+            <a:pPr lvl="1"/>
+            <a:r>
+              <a:rPr lang="en-US" dirty="0"/>
+              <a:t>Visual Studio 2017</a:t>
+            </a:r>
+          </a:p>
+        </p:txBody>
+      </p:sp>
+      <p:sp>
+        <p:nvSpPr>
+          <p:cNvPr id="4" name="TextBox 3">
+            <a:extLst>
+              <a:ext uri="{FF2B5EF4-FFF2-40B4-BE49-F238E27FC236}">
+                <a16:creationId xmlns:a16="http://schemas.microsoft.com/office/drawing/2014/main" id="{01B2E57B-6514-47DC-A3C9-54AE16483A17}"/>
+              </a:ext>
+            </a:extLst>
+          </p:cNvPr>
+          <p:cNvSpPr txBox="1"/>
+          <p:nvPr/>
+        </p:nvSpPr>
+        <p:spPr>
+          <a:xfrm>
+            <a:off x="2066536" y="5908096"/>
+            <a:ext cx="8392438" cy="584775"/>
+          </a:xfrm>
+          <a:prstGeom prst="rect">
+            <a:avLst/>
+          </a:prstGeom>
+          <a:noFill/>
+        </p:spPr>
+        <p:txBody>
+          <a:bodyPr wrap="square" rtlCol="0">
+            <a:spAutoFit/>
+          </a:bodyPr>
+          <a:lstStyle/>
+          <a:p>
+            <a:pPr algn="ctr"/>
+            <a:r>
+              <a:rPr lang="en-US" sz="3200" dirty="0">
+                <a:solidFill>
+                  <a:schemeClr val="accent5"/>
+                </a:solidFill>
+              </a:rPr>
+              <a:t>Materials at </a:t>
+            </a:r>
+            <a:r>
+              <a:rPr lang="en-US" sz="3200" b="1" dirty="0"/>
+              <a:t>github.com/billgraziano/kcdc2018</a:t>
+            </a:r>
+          </a:p>
+        </p:txBody>
+      </p:sp>
+    </p:spTree>
+    <p:extLst>
+      <p:ext uri="{BB962C8B-B14F-4D97-AF65-F5344CB8AC3E}">
+        <p14:creationId xmlns:p14="http://schemas.microsoft.com/office/powerpoint/2010/main" val="535850826"/>
+      </p:ext>
+    </p:extLst>
+  </p:cSld>
+  <p:clrMapOvr>
+    <a:masterClrMapping/>
+  </p:clrMapOvr>
+</p:sld>
+</file>
+
+<file path=ppt/slides/slide6.xml><?xml version="1.0" encoding="utf-8"?>
+<p:sld xmlns:a="http://schemas.openxmlformats.org/drawingml/2006/main" xmlns:r="http://schemas.openxmlformats.org/officeDocument/2006/relationships" xmlns:p="http://schemas.openxmlformats.org/presentationml/2006/main">
+  <p:cSld>
+    <p:spTree>
+      <p:nvGrpSpPr>
+        <p:cNvPr id="1" name=""/>
+        <p:cNvGrpSpPr/>
+        <p:nvPr/>
+      </p:nvGrpSpPr>
+      <p:grpSpPr>
+        <a:xfrm>
+          <a:off x="0" y="0"/>
+          <a:ext cx="0" cy="0"/>
+          <a:chOff x="0" y="0"/>
+          <a:chExt cx="0" cy="0"/>
+        </a:xfrm>
+      </p:grpSpPr>
+      <p:sp>
+        <p:nvSpPr>
           <p:cNvPr id="2" name="Title 1"/>
           <p:cNvSpPr>
             <a:spLocks noGrp="1"/>
@@ -7416,7 +9733,7 @@
 </p:sld>
 </file>
 
-<file path=ppt/slides/slide6.xml><?xml version="1.0" encoding="utf-8"?>
+<file path=ppt/slides/slide7.xml><?xml version="1.0" encoding="utf-8"?>
 <p:sld xmlns:a="http://schemas.openxmlformats.org/drawingml/2006/main" xmlns:r="http://schemas.openxmlformats.org/officeDocument/2006/relationships" xmlns:p="http://schemas.openxmlformats.org/presentationml/2006/main">
   <p:cSld>
     <p:spTree>
@@ -7893,4 +10210,299 @@
     </a:ext>
   </a:extLst>
 </a:theme>
+</file>
+
+<file path=ppt/theme/theme2.xml><?xml version="1.0" encoding="utf-8"?>
+<a:theme xmlns:a="http://schemas.openxmlformats.org/drawingml/2006/main" name="Office Theme">
+  <a:themeElements>
+    <a:clrScheme name="Office">
+      <a:dk1>
+        <a:sysClr val="windowText" lastClr="000000"/>
+      </a:dk1>
+      <a:lt1>
+        <a:sysClr val="window" lastClr="FFFFFF"/>
+      </a:lt1>
+      <a:dk2>
+        <a:srgbClr val="44546A"/>
+      </a:dk2>
+      <a:lt2>
+        <a:srgbClr val="E7E6E6"/>
+      </a:lt2>
+      <a:accent1>
+        <a:srgbClr val="4472C4"/>
+      </a:accent1>
+      <a:accent2>
+        <a:srgbClr val="ED7D31"/>
+      </a:accent2>
+      <a:accent3>
+        <a:srgbClr val="A5A5A5"/>
+      </a:accent3>
+      <a:accent4>
+        <a:srgbClr val="FFC000"/>
+      </a:accent4>
+      <a:accent5>
+        <a:srgbClr val="5B9BD5"/>
+      </a:accent5>
+      <a:accent6>
+        <a:srgbClr val="70AD47"/>
+      </a:accent6>
+      <a:hlink>
+        <a:srgbClr val="0563C1"/>
+      </a:hlink>
+      <a:folHlink>
+        <a:srgbClr val="954F72"/>
+      </a:folHlink>
+    </a:clrScheme>
+    <a:fontScheme name="Office">
+      <a:majorFont>
+        <a:latin typeface="Calibri Light" panose="020F0302020204030204"/>
+        <a:ea typeface=""/>
+        <a:cs typeface=""/>
+        <a:font script="Jpan" typeface="游ゴシック Light"/>
+        <a:font script="Hang" typeface="맑은 고딕"/>
+        <a:font script="Hans" typeface="等线 Light"/>
+        <a:font script="Hant" typeface="新細明體"/>
+        <a:font script="Arab" typeface="Times New Roman"/>
+        <a:font script="Hebr" typeface="Times New Roman"/>
+        <a:font script="Thai" typeface="Angsana New"/>
+        <a:font script="Ethi" typeface="Nyala"/>
+        <a:font script="Beng" typeface="Vrinda"/>
+        <a:font script="Gujr" typeface="Shruti"/>
+        <a:font script="Khmr" typeface="MoolBoran"/>
+        <a:font script="Knda" typeface="Tunga"/>
+        <a:font script="Guru" typeface="Raavi"/>
+        <a:font script="Cans" typeface="Euphemia"/>
+        <a:font script="Cher" typeface="Plantagenet Cherokee"/>
+        <a:font script="Yiii" typeface="Microsoft Yi Baiti"/>
+        <a:font script="Tibt" typeface="Microsoft Himalaya"/>
+        <a:font script="Thaa" typeface="MV Boli"/>
+        <a:font script="Deva" typeface="Mangal"/>
+        <a:font script="Telu" typeface="Gautami"/>
+        <a:font script="Taml" typeface="Latha"/>
+        <a:font script="Syrc" typeface="Estrangelo Edessa"/>
+        <a:font script="Orya" typeface="Kalinga"/>
+        <a:font script="Mlym" typeface="Kartika"/>
+        <a:font script="Laoo" typeface="DokChampa"/>
+        <a:font script="Sinh" typeface="Iskoola Pota"/>
+        <a:font script="Mong" typeface="Mongolian Baiti"/>
+        <a:font script="Viet" typeface="Times New Roman"/>
+        <a:font script="Uigh" typeface="Microsoft Uighur"/>
+        <a:font script="Geor" typeface="Sylfaen"/>
+        <a:font script="Armn" typeface="Arial"/>
+        <a:font script="Bugi" typeface="Leelawadee UI"/>
+        <a:font script="Bopo" typeface="Microsoft JhengHei"/>
+        <a:font script="Java" typeface="Javanese Text"/>
+        <a:font script="Lisu" typeface="Segoe UI"/>
+        <a:font script="Mymr" typeface="Myanmar Text"/>
+        <a:font script="Nkoo" typeface="Ebrima"/>
+        <a:font script="Olck" typeface="Nirmala UI"/>
+        <a:font script="Osma" typeface="Ebrima"/>
+        <a:font script="Phag" typeface="Phagspa"/>
+        <a:font script="Syrn" typeface="Estrangelo Edessa"/>
+        <a:font script="Syrj" typeface="Estrangelo Edessa"/>
+        <a:font script="Syre" typeface="Estrangelo Edessa"/>
+        <a:font script="Sora" typeface="Nirmala UI"/>
+        <a:font script="Tale" typeface="Microsoft Tai Le"/>
+        <a:font script="Talu" typeface="Microsoft New Tai Lue"/>
+        <a:font script="Tfng" typeface="Ebrima"/>
+      </a:majorFont>
+      <a:minorFont>
+        <a:latin typeface="Calibri" panose="020F0502020204030204"/>
+        <a:ea typeface=""/>
+        <a:cs typeface=""/>
+        <a:font script="Jpan" typeface="游ゴシック"/>
+        <a:font script="Hang" typeface="맑은 고딕"/>
+        <a:font script="Hans" typeface="等线"/>
+        <a:font script="Hant" typeface="新細明體"/>
+        <a:font script="Arab" typeface="Arial"/>
+        <a:font script="Hebr" typeface="Arial"/>
+        <a:font script="Thai" typeface="Cordia New"/>
+        <a:font script="Ethi" typeface="Nyala"/>
+        <a:font script="Beng" typeface="Vrinda"/>
+        <a:font script="Gujr" typeface="Shruti"/>
+        <a:font script="Khmr" typeface="DaunPenh"/>
+        <a:font script="Knda" typeface="Tunga"/>
+        <a:font script="Guru" typeface="Raavi"/>
+        <a:font script="Cans" typeface="Euphemia"/>
+        <a:font script="Cher" typeface="Plantagenet Cherokee"/>
+        <a:font script="Yiii" typeface="Microsoft Yi Baiti"/>
+        <a:font script="Tibt" typeface="Microsoft Himalaya"/>
+        <a:font script="Thaa" typeface="MV Boli"/>
+        <a:font script="Deva" typeface="Mangal"/>
+        <a:font script="Telu" typeface="Gautami"/>
+        <a:font script="Taml" typeface="Latha"/>
+        <a:font script="Syrc" typeface="Estrangelo Edessa"/>
+        <a:font script="Orya" typeface="Kalinga"/>
+        <a:font script="Mlym" typeface="Kartika"/>
+        <a:font script="Laoo" typeface="DokChampa"/>
+        <a:font script="Sinh" typeface="Iskoola Pota"/>
+        <a:font script="Mong" typeface="Mongolian Baiti"/>
+        <a:font script="Viet" typeface="Arial"/>
+        <a:font script="Uigh" typeface="Microsoft Uighur"/>
+        <a:font script="Geor" typeface="Sylfaen"/>
+        <a:font script="Armn" typeface="Arial"/>
+        <a:font script="Bugi" typeface="Leelawadee UI"/>
+        <a:font script="Bopo" typeface="Microsoft JhengHei"/>
+        <a:font script="Java" typeface="Javanese Text"/>
+        <a:font script="Lisu" typeface="Segoe UI"/>
+        <a:font script="Mymr" typeface="Myanmar Text"/>
+        <a:font script="Nkoo" typeface="Ebrima"/>
+        <a:font script="Olck" typeface="Nirmala UI"/>
+        <a:font script="Osma" typeface="Ebrima"/>
+        <a:font script="Phag" typeface="Phagspa"/>
+        <a:font script="Syrn" typeface="Estrangelo Edessa"/>
+        <a:font script="Syrj" typeface="Estrangelo Edessa"/>
+        <a:font script="Syre" typeface="Estrangelo Edessa"/>
+        <a:font script="Sora" typeface="Nirmala UI"/>
+        <a:font script="Tale" typeface="Microsoft Tai Le"/>
+        <a:font script="Talu" typeface="Microsoft New Tai Lue"/>
+        <a:font script="Tfng" typeface="Ebrima"/>
+      </a:minorFont>
+    </a:fontScheme>
+    <a:fmtScheme name="Office">
+      <a:fillStyleLst>
+        <a:solidFill>
+          <a:schemeClr val="phClr"/>
+        </a:solidFill>
+        <a:gradFill rotWithShape="1">
+          <a:gsLst>
+            <a:gs pos="0">
+              <a:schemeClr val="phClr">
+                <a:lumMod val="110000"/>
+                <a:satMod val="105000"/>
+                <a:tint val="67000"/>
+              </a:schemeClr>
+            </a:gs>
+            <a:gs pos="50000">
+              <a:schemeClr val="phClr">
+                <a:lumMod val="105000"/>
+                <a:satMod val="103000"/>
+                <a:tint val="73000"/>
+              </a:schemeClr>
+            </a:gs>
+            <a:gs pos="100000">
+              <a:schemeClr val="phClr">
+                <a:lumMod val="105000"/>
+                <a:satMod val="109000"/>
+                <a:tint val="81000"/>
+              </a:schemeClr>
+            </a:gs>
+          </a:gsLst>
+          <a:lin ang="5400000" scaled="0"/>
+        </a:gradFill>
+        <a:gradFill rotWithShape="1">
+          <a:gsLst>
+            <a:gs pos="0">
+              <a:schemeClr val="phClr">
+                <a:satMod val="103000"/>
+                <a:lumMod val="102000"/>
+                <a:tint val="94000"/>
+              </a:schemeClr>
+            </a:gs>
+            <a:gs pos="50000">
+              <a:schemeClr val="phClr">
+                <a:satMod val="110000"/>
+                <a:lumMod val="100000"/>
+                <a:shade val="100000"/>
+              </a:schemeClr>
+            </a:gs>
+            <a:gs pos="100000">
+              <a:schemeClr val="phClr">
+                <a:lumMod val="99000"/>
+                <a:satMod val="120000"/>
+                <a:shade val="78000"/>
+              </a:schemeClr>
+            </a:gs>
+          </a:gsLst>
+          <a:lin ang="5400000" scaled="0"/>
+        </a:gradFill>
+      </a:fillStyleLst>
+      <a:lnStyleLst>
+        <a:ln w="6350" cap="flat" cmpd="sng" algn="ctr">
+          <a:solidFill>
+            <a:schemeClr val="phClr"/>
+          </a:solidFill>
+          <a:prstDash val="solid"/>
+          <a:miter lim="800000"/>
+        </a:ln>
+        <a:ln w="12700" cap="flat" cmpd="sng" algn="ctr">
+          <a:solidFill>
+            <a:schemeClr val="phClr"/>
+          </a:solidFill>
+          <a:prstDash val="solid"/>
+          <a:miter lim="800000"/>
+        </a:ln>
+        <a:ln w="19050" cap="flat" cmpd="sng" algn="ctr">
+          <a:solidFill>
+            <a:schemeClr val="phClr"/>
+          </a:solidFill>
+          <a:prstDash val="solid"/>
+          <a:miter lim="800000"/>
+        </a:ln>
+      </a:lnStyleLst>
+      <a:effectStyleLst>
+        <a:effectStyle>
+          <a:effectLst/>
+        </a:effectStyle>
+        <a:effectStyle>
+          <a:effectLst/>
+        </a:effectStyle>
+        <a:effectStyle>
+          <a:effectLst>
+            <a:outerShdw blurRad="57150" dist="19050" dir="5400000" algn="ctr" rotWithShape="0">
+              <a:srgbClr val="000000">
+                <a:alpha val="63000"/>
+              </a:srgbClr>
+            </a:outerShdw>
+          </a:effectLst>
+        </a:effectStyle>
+      </a:effectStyleLst>
+      <a:bgFillStyleLst>
+        <a:solidFill>
+          <a:schemeClr val="phClr"/>
+        </a:solidFill>
+        <a:solidFill>
+          <a:schemeClr val="phClr">
+            <a:tint val="95000"/>
+            <a:satMod val="170000"/>
+          </a:schemeClr>
+        </a:solidFill>
+        <a:gradFill rotWithShape="1">
+          <a:gsLst>
+            <a:gs pos="0">
+              <a:schemeClr val="phClr">
+                <a:tint val="93000"/>
+                <a:satMod val="150000"/>
+                <a:shade val="98000"/>
+                <a:lumMod val="102000"/>
+              </a:schemeClr>
+            </a:gs>
+            <a:gs pos="50000">
+              <a:schemeClr val="phClr">
+                <a:tint val="98000"/>
+                <a:satMod val="130000"/>
+                <a:shade val="90000"/>
+                <a:lumMod val="103000"/>
+              </a:schemeClr>
+            </a:gs>
+            <a:gs pos="100000">
+              <a:schemeClr val="phClr">
+                <a:shade val="63000"/>
+                <a:satMod val="120000"/>
+              </a:schemeClr>
+            </a:gs>
+          </a:gsLst>
+          <a:lin ang="5400000" scaled="0"/>
+        </a:gradFill>
+      </a:bgFillStyleLst>
+    </a:fmtScheme>
+  </a:themeElements>
+  <a:objectDefaults/>
+  <a:extraClrSchemeLst/>
+  <a:extLst>
+    <a:ext uri="{05A4C25C-085E-4340-85A3-A5531E510DB2}">
+      <thm15:themeFamily xmlns:thm15="http://schemas.microsoft.com/office/thememl/2012/main" name="Office Theme" id="{62F939B6-93AF-4DB8-9C6B-D6C7DFDC589F}" vid="{4A3C46E8-61CC-4603-A589-7422A47A8E4A}"/>
+    </a:ext>
+  </a:extLst>
+</a:theme>
 </file>
--- a/ppt/Walkin #2.pptx
+++ b/ppt/Walkin #2.pptx
@@ -5,16 +5,17 @@
     <p:sldMasterId id="2147483660" r:id="rId1"/>
   </p:sldMasterIdLst>
   <p:notesMasterIdLst>
-    <p:notesMasterId r:id="rId9"/>
+    <p:notesMasterId r:id="rId10"/>
   </p:notesMasterIdLst>
   <p:sldIdLst>
     <p:sldId id="256" r:id="rId2"/>
     <p:sldId id="258" r:id="rId3"/>
     <p:sldId id="257" r:id="rId4"/>
-    <p:sldId id="269" r:id="rId5"/>
-    <p:sldId id="270" r:id="rId6"/>
-    <p:sldId id="268" r:id="rId7"/>
-    <p:sldId id="267" r:id="rId8"/>
+    <p:sldId id="271" r:id="rId5"/>
+    <p:sldId id="269" r:id="rId6"/>
+    <p:sldId id="270" r:id="rId7"/>
+    <p:sldId id="268" r:id="rId8"/>
+    <p:sldId id="267" r:id="rId9"/>
   </p:sldIdLst>
   <p:sldSz cx="12192000" cy="6858000"/>
   <p:notesSz cx="6858000" cy="9144000"/>
@@ -119,6 +120,2418 @@
     </p:ext>
   </p:extLst>
 </p:presentation>
+</file>
+
+<file path=ppt/diagrams/colors1.xml><?xml version="1.0" encoding="utf-8"?>
+<dgm:colorsDef xmlns:dgm="http://schemas.openxmlformats.org/drawingml/2006/diagram" xmlns:a="http://schemas.openxmlformats.org/drawingml/2006/main" uniqueId="urn:microsoft.com/office/officeart/2005/8/colors/accent1_2">
+  <dgm:title val=""/>
+  <dgm:desc val=""/>
+  <dgm:catLst>
+    <dgm:cat type="accent1" pri="11200"/>
+  </dgm:catLst>
+  <dgm:styleLbl name="node0">
+    <dgm:fillClrLst meth="repeat">
+      <a:schemeClr val="accent1"/>
+    </dgm:fillClrLst>
+    <dgm:linClrLst meth="repeat">
+      <a:schemeClr val="lt1"/>
+    </dgm:linClrLst>
+    <dgm:effectClrLst/>
+    <dgm:txLinClrLst/>
+    <dgm:txFillClrLst/>
+    <dgm:txEffectClrLst/>
+  </dgm:styleLbl>
+  <dgm:styleLbl name="alignNode1">
+    <dgm:fillClrLst meth="repeat">
+      <a:schemeClr val="accent1"/>
+    </dgm:fillClrLst>
+    <dgm:linClrLst meth="repeat">
+      <a:schemeClr val="accent1"/>
+    </dgm:linClrLst>
+    <dgm:effectClrLst/>
+    <dgm:txLinClrLst/>
+    <dgm:txFillClrLst/>
+    <dgm:txEffectClrLst/>
+  </dgm:styleLbl>
+  <dgm:styleLbl name="node1">
+    <dgm:fillClrLst meth="repeat">
+      <a:schemeClr val="accent1"/>
+    </dgm:fillClrLst>
+    <dgm:linClrLst meth="repeat">
+      <a:schemeClr val="lt1"/>
+    </dgm:linClrLst>
+    <dgm:effectClrLst/>
+    <dgm:txLinClrLst/>
+    <dgm:txFillClrLst/>
+    <dgm:txEffectClrLst/>
+  </dgm:styleLbl>
+  <dgm:styleLbl name="lnNode1">
+    <dgm:fillClrLst meth="repeat">
+      <a:schemeClr val="accent1"/>
+    </dgm:fillClrLst>
+    <dgm:linClrLst meth="repeat">
+      <a:schemeClr val="lt1"/>
+    </dgm:linClrLst>
+    <dgm:effectClrLst/>
+    <dgm:txLinClrLst/>
+    <dgm:txFillClrLst/>
+    <dgm:txEffectClrLst/>
+  </dgm:styleLbl>
+  <dgm:styleLbl name="vennNode1">
+    <dgm:fillClrLst meth="repeat">
+      <a:schemeClr val="accent1">
+        <a:alpha val="50000"/>
+      </a:schemeClr>
+    </dgm:fillClrLst>
+    <dgm:linClrLst meth="repeat">
+      <a:schemeClr val="lt1"/>
+    </dgm:linClrLst>
+    <dgm:effectClrLst/>
+    <dgm:txLinClrLst/>
+    <dgm:txFillClrLst/>
+    <dgm:txEffectClrLst/>
+  </dgm:styleLbl>
+  <dgm:styleLbl name="node2">
+    <dgm:fillClrLst meth="repeat">
+      <a:schemeClr val="accent1"/>
+    </dgm:fillClrLst>
+    <dgm:linClrLst meth="repeat">
+      <a:schemeClr val="lt1"/>
+    </dgm:linClrLst>
+    <dgm:effectClrLst/>
+    <dgm:txLinClrLst/>
+    <dgm:txFillClrLst/>
+    <dgm:txEffectClrLst/>
+  </dgm:styleLbl>
+  <dgm:styleLbl name="node3">
+    <dgm:fillClrLst meth="repeat">
+      <a:schemeClr val="accent1"/>
+    </dgm:fillClrLst>
+    <dgm:linClrLst meth="repeat">
+      <a:schemeClr val="lt1"/>
+    </dgm:linClrLst>
+    <dgm:effectClrLst/>
+    <dgm:txLinClrLst/>
+    <dgm:txFillClrLst/>
+    <dgm:txEffectClrLst/>
+  </dgm:styleLbl>
+  <dgm:styleLbl name="node4">
+    <dgm:fillClrLst meth="repeat">
+      <a:schemeClr val="accent1"/>
+    </dgm:fillClrLst>
+    <dgm:linClrLst meth="repeat">
+      <a:schemeClr val="lt1"/>
+    </dgm:linClrLst>
+    <dgm:effectClrLst/>
+    <dgm:txLinClrLst/>
+    <dgm:txFillClrLst/>
+    <dgm:txEffectClrLst/>
+  </dgm:styleLbl>
+  <dgm:styleLbl name="fgImgPlace1">
+    <dgm:fillClrLst meth="repeat">
+      <a:schemeClr val="accent1">
+        <a:tint val="50000"/>
+      </a:schemeClr>
+    </dgm:fillClrLst>
+    <dgm:linClrLst meth="repeat">
+      <a:schemeClr val="lt1"/>
+    </dgm:linClrLst>
+    <dgm:effectClrLst/>
+    <dgm:txLinClrLst/>
+    <dgm:txFillClrLst meth="repeat">
+      <a:schemeClr val="lt1"/>
+    </dgm:txFillClrLst>
+    <dgm:txEffectClrLst/>
+  </dgm:styleLbl>
+  <dgm:styleLbl name="alignImgPlace1">
+    <dgm:fillClrLst meth="repeat">
+      <a:schemeClr val="accent1">
+        <a:tint val="50000"/>
+      </a:schemeClr>
+    </dgm:fillClrLst>
+    <dgm:linClrLst meth="repeat">
+      <a:schemeClr val="lt1"/>
+    </dgm:linClrLst>
+    <dgm:effectClrLst/>
+    <dgm:txLinClrLst/>
+    <dgm:txFillClrLst meth="repeat">
+      <a:schemeClr val="lt1"/>
+    </dgm:txFillClrLst>
+    <dgm:txEffectClrLst/>
+  </dgm:styleLbl>
+  <dgm:styleLbl name="bgImgPlace1">
+    <dgm:fillClrLst meth="repeat">
+      <a:schemeClr val="accent1">
+        <a:tint val="50000"/>
+      </a:schemeClr>
+    </dgm:fillClrLst>
+    <dgm:linClrLst meth="repeat">
+      <a:schemeClr val="lt1"/>
+    </dgm:linClrLst>
+    <dgm:effectClrLst/>
+    <dgm:txLinClrLst/>
+    <dgm:txFillClrLst meth="repeat">
+      <a:schemeClr val="lt1"/>
+    </dgm:txFillClrLst>
+    <dgm:txEffectClrLst/>
+  </dgm:styleLbl>
+  <dgm:styleLbl name="sibTrans2D1">
+    <dgm:fillClrLst meth="repeat">
+      <a:schemeClr val="accent1">
+        <a:tint val="60000"/>
+      </a:schemeClr>
+    </dgm:fillClrLst>
+    <dgm:linClrLst meth="repeat">
+      <a:schemeClr val="accent1">
+        <a:tint val="60000"/>
+      </a:schemeClr>
+    </dgm:linClrLst>
+    <dgm:effectClrLst/>
+    <dgm:txLinClrLst/>
+    <dgm:txFillClrLst/>
+    <dgm:txEffectClrLst/>
+  </dgm:styleLbl>
+  <dgm:styleLbl name="fgSibTrans2D1">
+    <dgm:fillClrLst meth="repeat">
+      <a:schemeClr val="accent1">
+        <a:tint val="60000"/>
+      </a:schemeClr>
+    </dgm:fillClrLst>
+    <dgm:linClrLst meth="repeat">
+      <a:schemeClr val="accent1">
+        <a:tint val="60000"/>
+      </a:schemeClr>
+    </dgm:linClrLst>
+    <dgm:effectClrLst/>
+    <dgm:txLinClrLst/>
+    <dgm:txFillClrLst/>
+    <dgm:txEffectClrLst/>
+  </dgm:styleLbl>
+  <dgm:styleLbl name="bgSibTrans2D1">
+    <dgm:fillClrLst meth="repeat">
+      <a:schemeClr val="accent1">
+        <a:tint val="60000"/>
+      </a:schemeClr>
+    </dgm:fillClrLst>
+    <dgm:linClrLst meth="repeat">
+      <a:schemeClr val="accent1">
+        <a:tint val="60000"/>
+      </a:schemeClr>
+    </dgm:linClrLst>
+    <dgm:effectClrLst/>
+    <dgm:txLinClrLst/>
+    <dgm:txFillClrLst/>
+    <dgm:txEffectClrLst/>
+  </dgm:styleLbl>
+  <dgm:styleLbl name="sibTrans1D1">
+    <dgm:fillClrLst meth="repeat">
+      <a:schemeClr val="accent1"/>
+    </dgm:fillClrLst>
+    <dgm:linClrLst meth="repeat">
+      <a:schemeClr val="accent1"/>
+    </dgm:linClrLst>
+    <dgm:effectClrLst/>
+    <dgm:txLinClrLst/>
+    <dgm:txFillClrLst meth="repeat">
+      <a:schemeClr val="tx1"/>
+    </dgm:txFillClrLst>
+    <dgm:txEffectClrLst/>
+  </dgm:styleLbl>
+  <dgm:styleLbl name="callout">
+    <dgm:fillClrLst meth="repeat">
+      <a:schemeClr val="accent1"/>
+    </dgm:fillClrLst>
+    <dgm:linClrLst meth="repeat">
+      <a:schemeClr val="accent1">
+        <a:tint val="50000"/>
+      </a:schemeClr>
+    </dgm:linClrLst>
+    <dgm:effectClrLst/>
+    <dgm:txLinClrLst/>
+    <dgm:txFillClrLst meth="repeat">
+      <a:schemeClr val="tx1"/>
+    </dgm:txFillClrLst>
+    <dgm:txEffectClrLst/>
+  </dgm:styleLbl>
+  <dgm:styleLbl name="asst0">
+    <dgm:fillClrLst meth="repeat">
+      <a:schemeClr val="accent1"/>
+    </dgm:fillClrLst>
+    <dgm:linClrLst meth="repeat">
+      <a:schemeClr val="lt1"/>
+    </dgm:linClrLst>
+    <dgm:effectClrLst/>
+    <dgm:txLinClrLst/>
+    <dgm:txFillClrLst/>
+    <dgm:txEffectClrLst/>
+  </dgm:styleLbl>
+  <dgm:styleLbl name="asst1">
+    <dgm:fillClrLst meth="repeat">
+      <a:schemeClr val="accent1"/>
+    </dgm:fillClrLst>
+    <dgm:linClrLst meth="repeat">
+      <a:schemeClr val="lt1"/>
+    </dgm:linClrLst>
+    <dgm:effectClrLst/>
+    <dgm:txLinClrLst/>
+    <dgm:txFillClrLst/>
+    <dgm:txEffectClrLst/>
+  </dgm:styleLbl>
+  <dgm:styleLbl name="asst2">
+    <dgm:fillClrLst meth="repeat">
+      <a:schemeClr val="accent1"/>
+    </dgm:fillClrLst>
+    <dgm:linClrLst meth="repeat">
+      <a:schemeClr val="lt1"/>
+    </dgm:linClrLst>
+    <dgm:effectClrLst/>
+    <dgm:txLinClrLst/>
+    <dgm:txFillClrLst/>
+    <dgm:txEffectClrLst/>
+  </dgm:styleLbl>
+  <dgm:styleLbl name="asst3">
+    <dgm:fillClrLst meth="repeat">
+      <a:schemeClr val="accent1"/>
+    </dgm:fillClrLst>
+    <dgm:linClrLst meth="repeat">
+      <a:schemeClr val="lt1"/>
+    </dgm:linClrLst>
+    <dgm:effectClrLst/>
+    <dgm:txLinClrLst/>
+    <dgm:txFillClrLst/>
+    <dgm:txEffectClrLst/>
+  </dgm:styleLbl>
+  <dgm:styleLbl name="asst4">
+    <dgm:fillClrLst meth="repeat">
+      <a:schemeClr val="accent1"/>
+    </dgm:fillClrLst>
+    <dgm:linClrLst meth="repeat">
+      <a:schemeClr val="lt1"/>
+    </dgm:linClrLst>
+    <dgm:effectClrLst/>
+    <dgm:txLinClrLst/>
+    <dgm:txFillClrLst/>
+    <dgm:txEffectClrLst/>
+  </dgm:styleLbl>
+  <dgm:styleLbl name="parChTrans2D1">
+    <dgm:fillClrLst meth="repeat">
+      <a:schemeClr val="accent1">
+        <a:tint val="60000"/>
+      </a:schemeClr>
+    </dgm:fillClrLst>
+    <dgm:linClrLst meth="repeat">
+      <a:schemeClr val="accent1">
+        <a:tint val="60000"/>
+      </a:schemeClr>
+    </dgm:linClrLst>
+    <dgm:effectClrLst/>
+    <dgm:txLinClrLst/>
+    <dgm:txFillClrLst meth="repeat">
+      <a:schemeClr val="lt1"/>
+    </dgm:txFillClrLst>
+    <dgm:txEffectClrLst/>
+  </dgm:styleLbl>
+  <dgm:styleLbl name="parChTrans2D2">
+    <dgm:fillClrLst meth="repeat">
+      <a:schemeClr val="accent1"/>
+    </dgm:fillClrLst>
+    <dgm:linClrLst meth="repeat">
+      <a:schemeClr val="accent1"/>
+    </dgm:linClrLst>
+    <dgm:effectClrLst/>
+    <dgm:txLinClrLst/>
+    <dgm:txFillClrLst meth="repeat">
+      <a:schemeClr val="lt1"/>
+    </dgm:txFillClrLst>
+    <dgm:txEffectClrLst/>
+  </dgm:styleLbl>
+  <dgm:styleLbl name="parChTrans2D3">
+    <dgm:fillClrLst meth="repeat">
+      <a:schemeClr val="accent1"/>
+    </dgm:fillClrLst>
+    <dgm:linClrLst meth="repeat">
+      <a:schemeClr val="accent1"/>
+    </dgm:linClrLst>
+    <dgm:effectClrLst/>
+    <dgm:txLinClrLst/>
+    <dgm:txFillClrLst meth="repeat">
+      <a:schemeClr val="lt1"/>
+    </dgm:txFillClrLst>
+    <dgm:txEffectClrLst/>
+  </dgm:styleLbl>
+  <dgm:styleLbl name="parChTrans2D4">
+    <dgm:fillClrLst meth="repeat">
+      <a:schemeClr val="accent1"/>
+    </dgm:fillClrLst>
+    <dgm:linClrLst meth="repeat">
+      <a:schemeClr val="accent1"/>
+    </dgm:linClrLst>
+    <dgm:effectClrLst/>
+    <dgm:txLinClrLst/>
+    <dgm:txFillClrLst meth="repeat">
+      <a:schemeClr val="lt1"/>
+    </dgm:txFillClrLst>
+    <dgm:txEffectClrLst/>
+  </dgm:styleLbl>
+  <dgm:styleLbl name="parChTrans1D1">
+    <dgm:fillClrLst meth="repeat">
+      <a:schemeClr val="accent1"/>
+    </dgm:fillClrLst>
+    <dgm:linClrLst meth="repeat">
+      <a:schemeClr val="accent1">
+        <a:shade val="60000"/>
+      </a:schemeClr>
+    </dgm:linClrLst>
+    <dgm:effectClrLst/>
+    <dgm:txLinClrLst/>
+    <dgm:txFillClrLst meth="repeat">
+      <a:schemeClr val="tx1"/>
+    </dgm:txFillClrLst>
+    <dgm:txEffectClrLst/>
+  </dgm:styleLbl>
+  <dgm:styleLbl name="parChTrans1D2">
+    <dgm:fillClrLst meth="repeat">
+      <a:schemeClr val="accent1"/>
+    </dgm:fillClrLst>
+    <dgm:linClrLst meth="repeat">
+      <a:schemeClr val="accent1">
+        <a:shade val="60000"/>
+      </a:schemeClr>
+    </dgm:linClrLst>
+    <dgm:effectClrLst/>
+    <dgm:txLinClrLst/>
+    <dgm:txFillClrLst meth="repeat">
+      <a:schemeClr val="tx1"/>
+    </dgm:txFillClrLst>
+    <dgm:txEffectClrLst/>
+  </dgm:styleLbl>
+  <dgm:styleLbl name="parChTrans1D3">
+    <dgm:fillClrLst meth="repeat">
+      <a:schemeClr val="accent1"/>
+    </dgm:fillClrLst>
+    <dgm:linClrLst meth="repeat">
+      <a:schemeClr val="accent1">
+        <a:shade val="80000"/>
+      </a:schemeClr>
+    </dgm:linClrLst>
+    <dgm:effectClrLst/>
+    <dgm:txLinClrLst/>
+    <dgm:txFillClrLst meth="repeat">
+      <a:schemeClr val="tx1"/>
+    </dgm:txFillClrLst>
+    <dgm:txEffectClrLst/>
+  </dgm:styleLbl>
+  <dgm:styleLbl name="parChTrans1D4">
+    <dgm:fillClrLst meth="repeat">
+      <a:schemeClr val="accent1"/>
+    </dgm:fillClrLst>
+    <dgm:linClrLst meth="repeat">
+      <a:schemeClr val="accent1">
+        <a:shade val="80000"/>
+      </a:schemeClr>
+    </dgm:linClrLst>
+    <dgm:effectClrLst/>
+    <dgm:txLinClrLst/>
+    <dgm:txFillClrLst meth="repeat">
+      <a:schemeClr val="tx1"/>
+    </dgm:txFillClrLst>
+    <dgm:txEffectClrLst/>
+  </dgm:styleLbl>
+  <dgm:styleLbl name="fgAcc1">
+    <dgm:fillClrLst meth="repeat">
+      <a:schemeClr val="lt1">
+        <a:alpha val="90000"/>
+      </a:schemeClr>
+    </dgm:fillClrLst>
+    <dgm:linClrLst meth="repeat">
+      <a:schemeClr val="accent1"/>
+    </dgm:linClrLst>
+    <dgm:effectClrLst/>
+    <dgm:txLinClrLst/>
+    <dgm:txFillClrLst meth="repeat">
+      <a:schemeClr val="dk1"/>
+    </dgm:txFillClrLst>
+    <dgm:txEffectClrLst/>
+  </dgm:styleLbl>
+  <dgm:styleLbl name="conFgAcc1">
+    <dgm:fillClrLst meth="repeat">
+      <a:schemeClr val="lt1">
+        <a:alpha val="90000"/>
+      </a:schemeClr>
+    </dgm:fillClrLst>
+    <dgm:linClrLst meth="repeat">
+      <a:schemeClr val="accent1"/>
+    </dgm:linClrLst>
+    <dgm:effectClrLst/>
+    <dgm:txLinClrLst/>
+    <dgm:txFillClrLst meth="repeat">
+      <a:schemeClr val="dk1"/>
+    </dgm:txFillClrLst>
+    <dgm:txEffectClrLst/>
+  </dgm:styleLbl>
+  <dgm:styleLbl name="alignAcc1">
+    <dgm:fillClrLst meth="repeat">
+      <a:schemeClr val="lt1">
+        <a:alpha val="90000"/>
+      </a:schemeClr>
+    </dgm:fillClrLst>
+    <dgm:linClrLst meth="repeat">
+      <a:schemeClr val="accent1"/>
+    </dgm:linClrLst>
+    <dgm:effectClrLst/>
+    <dgm:txLinClrLst/>
+    <dgm:txFillClrLst meth="repeat">
+      <a:schemeClr val="dk1"/>
+    </dgm:txFillClrLst>
+    <dgm:txEffectClrLst/>
+  </dgm:styleLbl>
+  <dgm:styleLbl name="trAlignAcc1">
+    <dgm:fillClrLst meth="repeat">
+      <a:schemeClr val="lt1">
+        <a:alpha val="40000"/>
+      </a:schemeClr>
+    </dgm:fillClrLst>
+    <dgm:linClrLst meth="repeat">
+      <a:schemeClr val="accent1"/>
+    </dgm:linClrLst>
+    <dgm:effectClrLst/>
+    <dgm:txLinClrLst/>
+    <dgm:txFillClrLst meth="repeat">
+      <a:schemeClr val="dk1"/>
+    </dgm:txFillClrLst>
+    <dgm:txEffectClrLst/>
+  </dgm:styleLbl>
+  <dgm:styleLbl name="bgAcc1">
+    <dgm:fillClrLst meth="repeat">
+      <a:schemeClr val="lt1">
+        <a:alpha val="90000"/>
+      </a:schemeClr>
+    </dgm:fillClrLst>
+    <dgm:linClrLst meth="repeat">
+      <a:schemeClr val="accent1"/>
+    </dgm:linClrLst>
+    <dgm:effectClrLst/>
+    <dgm:txLinClrLst/>
+    <dgm:txFillClrLst meth="repeat">
+      <a:schemeClr val="dk1"/>
+    </dgm:txFillClrLst>
+    <dgm:txEffectClrLst/>
+  </dgm:styleLbl>
+  <dgm:styleLbl name="solidFgAcc1">
+    <dgm:fillClrLst meth="repeat">
+      <a:schemeClr val="lt1"/>
+    </dgm:fillClrLst>
+    <dgm:linClrLst meth="repeat">
+      <a:schemeClr val="accent1"/>
+    </dgm:linClrLst>
+    <dgm:effectClrLst/>
+    <dgm:txLinClrLst/>
+    <dgm:txFillClrLst meth="repeat">
+      <a:schemeClr val="dk1"/>
+    </dgm:txFillClrLst>
+    <dgm:txEffectClrLst/>
+  </dgm:styleLbl>
+  <dgm:styleLbl name="solidAlignAcc1">
+    <dgm:fillClrLst meth="repeat">
+      <a:schemeClr val="lt1"/>
+    </dgm:fillClrLst>
+    <dgm:linClrLst meth="repeat">
+      <a:schemeClr val="accent1"/>
+    </dgm:linClrLst>
+    <dgm:effectClrLst/>
+    <dgm:txLinClrLst/>
+    <dgm:txFillClrLst meth="repeat">
+      <a:schemeClr val="dk1"/>
+    </dgm:txFillClrLst>
+    <dgm:txEffectClrLst/>
+  </dgm:styleLbl>
+  <dgm:styleLbl name="solidBgAcc1">
+    <dgm:fillClrLst meth="repeat">
+      <a:schemeClr val="lt1"/>
+    </dgm:fillClrLst>
+    <dgm:linClrLst meth="repeat">
+      <a:schemeClr val="accent1"/>
+    </dgm:linClrLst>
+    <dgm:effectClrLst/>
+    <dgm:txLinClrLst/>
+    <dgm:txFillClrLst meth="repeat">
+      <a:schemeClr val="dk1"/>
+    </dgm:txFillClrLst>
+    <dgm:txEffectClrLst/>
+  </dgm:styleLbl>
+  <dgm:styleLbl name="fgAccFollowNode1">
+    <dgm:fillClrLst meth="repeat">
+      <a:schemeClr val="accent1">
+        <a:alpha val="90000"/>
+        <a:tint val="40000"/>
+      </a:schemeClr>
+    </dgm:fillClrLst>
+    <dgm:linClrLst meth="repeat">
+      <a:schemeClr val="accent1">
+        <a:alpha val="90000"/>
+        <a:tint val="40000"/>
+      </a:schemeClr>
+    </dgm:linClrLst>
+    <dgm:effectClrLst/>
+    <dgm:txLinClrLst/>
+    <dgm:txFillClrLst meth="repeat">
+      <a:schemeClr val="dk1"/>
+    </dgm:txFillClrLst>
+    <dgm:txEffectClrLst/>
+  </dgm:styleLbl>
+  <dgm:styleLbl name="alignAccFollowNode1">
+    <dgm:fillClrLst meth="repeat">
+      <a:schemeClr val="accent1">
+        <a:alpha val="90000"/>
+        <a:tint val="40000"/>
+      </a:schemeClr>
+    </dgm:fillClrLst>
+    <dgm:linClrLst meth="repeat">
+      <a:schemeClr val="accent1">
+        <a:alpha val="90000"/>
+        <a:tint val="40000"/>
+      </a:schemeClr>
+    </dgm:linClrLst>
+    <dgm:effectClrLst/>
+    <dgm:txLinClrLst/>
+    <dgm:txFillClrLst meth="repeat">
+      <a:schemeClr val="dk1"/>
+    </dgm:txFillClrLst>
+    <dgm:txEffectClrLst/>
+  </dgm:styleLbl>
+  <dgm:styleLbl name="bgAccFollowNode1">
+    <dgm:fillClrLst meth="repeat">
+      <a:schemeClr val="accent1">
+        <a:alpha val="90000"/>
+        <a:tint val="40000"/>
+      </a:schemeClr>
+    </dgm:fillClrLst>
+    <dgm:linClrLst meth="repeat">
+      <a:schemeClr val="accent1">
+        <a:alpha val="90000"/>
+        <a:tint val="40000"/>
+      </a:schemeClr>
+    </dgm:linClrLst>
+    <dgm:effectClrLst/>
+    <dgm:txLinClrLst/>
+    <dgm:txFillClrLst meth="repeat">
+      <a:schemeClr val="dk1"/>
+    </dgm:txFillClrLst>
+    <dgm:txEffectClrLst/>
+  </dgm:styleLbl>
+  <dgm:styleLbl name="fgAcc0">
+    <dgm:fillClrLst meth="repeat">
+      <a:schemeClr val="lt1">
+        <a:alpha val="90000"/>
+      </a:schemeClr>
+    </dgm:fillClrLst>
+    <dgm:linClrLst meth="repeat">
+      <a:schemeClr val="accent1"/>
+    </dgm:linClrLst>
+    <dgm:effectClrLst/>
+    <dgm:txLinClrLst/>
+    <dgm:txFillClrLst meth="repeat">
+      <a:schemeClr val="dk1"/>
+    </dgm:txFillClrLst>
+    <dgm:txEffectClrLst/>
+  </dgm:styleLbl>
+  <dgm:styleLbl name="fgAcc2">
+    <dgm:fillClrLst meth="repeat">
+      <a:schemeClr val="lt1">
+        <a:alpha val="90000"/>
+      </a:schemeClr>
+    </dgm:fillClrLst>
+    <dgm:linClrLst meth="repeat">
+      <a:schemeClr val="accent1"/>
+    </dgm:linClrLst>
+    <dgm:effectClrLst/>
+    <dgm:txLinClrLst/>
+    <dgm:txFillClrLst meth="repeat">
+      <a:schemeClr val="dk1"/>
+    </dgm:txFillClrLst>
+    <dgm:txEffectClrLst/>
+  </dgm:styleLbl>
+  <dgm:styleLbl name="fgAcc3">
+    <dgm:fillClrLst meth="repeat">
+      <a:schemeClr val="lt1">
+        <a:alpha val="90000"/>
+      </a:schemeClr>
+    </dgm:fillClrLst>
+    <dgm:linClrLst meth="repeat">
+      <a:schemeClr val="accent1"/>
+    </dgm:linClrLst>
+    <dgm:effectClrLst/>
+    <dgm:txLinClrLst/>
+    <dgm:txFillClrLst meth="repeat">
+      <a:schemeClr val="dk1"/>
+    </dgm:txFillClrLst>
+    <dgm:txEffectClrLst/>
+  </dgm:styleLbl>
+  <dgm:styleLbl name="fgAcc4">
+    <dgm:fillClrLst meth="repeat">
+      <a:schemeClr val="lt1">
+        <a:alpha val="90000"/>
+      </a:schemeClr>
+    </dgm:fillClrLst>
+    <dgm:linClrLst meth="repeat">
+      <a:schemeClr val="accent1"/>
+    </dgm:linClrLst>
+    <dgm:effectClrLst/>
+    <dgm:txLinClrLst/>
+    <dgm:txFillClrLst meth="repeat">
+      <a:schemeClr val="dk1"/>
+    </dgm:txFillClrLst>
+    <dgm:txEffectClrLst/>
+  </dgm:styleLbl>
+  <dgm:styleLbl name="bgShp">
+    <dgm:fillClrLst meth="repeat">
+      <a:schemeClr val="accent1">
+        <a:tint val="40000"/>
+      </a:schemeClr>
+    </dgm:fillClrLst>
+    <dgm:linClrLst meth="repeat">
+      <a:schemeClr val="accent1"/>
+    </dgm:linClrLst>
+    <dgm:effectClrLst/>
+    <dgm:txLinClrLst/>
+    <dgm:txFillClrLst meth="repeat">
+      <a:schemeClr val="dk1"/>
+    </dgm:txFillClrLst>
+    <dgm:txEffectClrLst/>
+  </dgm:styleLbl>
+  <dgm:styleLbl name="dkBgShp">
+    <dgm:fillClrLst meth="repeat">
+      <a:schemeClr val="accent1">
+        <a:shade val="80000"/>
+      </a:schemeClr>
+    </dgm:fillClrLst>
+    <dgm:linClrLst meth="repeat">
+      <a:schemeClr val="accent1"/>
+    </dgm:linClrLst>
+    <dgm:effectClrLst/>
+    <dgm:txLinClrLst/>
+    <dgm:txFillClrLst meth="repeat">
+      <a:schemeClr val="lt1"/>
+    </dgm:txFillClrLst>
+    <dgm:txEffectClrLst/>
+  </dgm:styleLbl>
+  <dgm:styleLbl name="trBgShp">
+    <dgm:fillClrLst meth="repeat">
+      <a:schemeClr val="accent1">
+        <a:tint val="50000"/>
+        <a:alpha val="40000"/>
+      </a:schemeClr>
+    </dgm:fillClrLst>
+    <dgm:linClrLst meth="repeat">
+      <a:schemeClr val="accent1"/>
+    </dgm:linClrLst>
+    <dgm:effectClrLst/>
+    <dgm:txLinClrLst/>
+    <dgm:txFillClrLst meth="repeat">
+      <a:schemeClr val="lt1"/>
+    </dgm:txFillClrLst>
+    <dgm:txEffectClrLst/>
+  </dgm:styleLbl>
+  <dgm:styleLbl name="fgShp">
+    <dgm:fillClrLst meth="repeat">
+      <a:schemeClr val="accent1">
+        <a:tint val="60000"/>
+      </a:schemeClr>
+    </dgm:fillClrLst>
+    <dgm:linClrLst meth="repeat">
+      <a:schemeClr val="lt1"/>
+    </dgm:linClrLst>
+    <dgm:effectClrLst/>
+    <dgm:txLinClrLst/>
+    <dgm:txFillClrLst meth="repeat">
+      <a:schemeClr val="dk1"/>
+    </dgm:txFillClrLst>
+    <dgm:txEffectClrLst/>
+  </dgm:styleLbl>
+  <dgm:styleLbl name="revTx">
+    <dgm:fillClrLst meth="repeat">
+      <a:schemeClr val="lt1">
+        <a:alpha val="0"/>
+      </a:schemeClr>
+    </dgm:fillClrLst>
+    <dgm:linClrLst meth="repeat">
+      <a:schemeClr val="dk1">
+        <a:alpha val="0"/>
+      </a:schemeClr>
+    </dgm:linClrLst>
+    <dgm:effectClrLst/>
+    <dgm:txLinClrLst/>
+    <dgm:txFillClrLst meth="repeat">
+      <a:schemeClr val="tx1"/>
+    </dgm:txFillClrLst>
+    <dgm:txEffectClrLst/>
+  </dgm:styleLbl>
+</dgm:colorsDef>
+</file>
+
+<file path=ppt/diagrams/data1.xml><?xml version="1.0" encoding="utf-8"?>
+<dgm:dataModel xmlns:dgm="http://schemas.openxmlformats.org/drawingml/2006/diagram" xmlns:a="http://schemas.openxmlformats.org/drawingml/2006/main">
+  <dgm:ptLst>
+    <dgm:pt modelId="{8D1536E5-B61D-4668-A432-DD6E12A83089}" type="doc">
+      <dgm:prSet loTypeId="urn:microsoft.com/office/officeart/2005/8/layout/hProcess9" loCatId="process" qsTypeId="urn:microsoft.com/office/officeart/2005/8/quickstyle/simple1" qsCatId="simple" csTypeId="urn:microsoft.com/office/officeart/2005/8/colors/accent1_2" csCatId="accent1" phldr="1"/>
+      <dgm:spPr/>
+    </dgm:pt>
+    <dgm:pt modelId="{97C79841-76D6-453E-9D72-03A4659CF823}">
+      <dgm:prSet phldrT="[Text]"/>
+      <dgm:spPr/>
+      <dgm:t>
+        <a:bodyPr/>
+        <a:lstStyle/>
+        <a:p>
+          <a:r>
+            <a:rPr lang="en-US" dirty="0"/>
+            <a:t>Fast SQL</a:t>
+          </a:r>
+        </a:p>
+      </dgm:t>
+    </dgm:pt>
+    <dgm:pt modelId="{B4437BE5-96CD-402C-A23D-1BB17F4028D6}" type="parTrans" cxnId="{61EB0636-94E5-4D8A-8367-684E24C2E606}">
+      <dgm:prSet/>
+      <dgm:spPr/>
+      <dgm:t>
+        <a:bodyPr/>
+        <a:lstStyle/>
+        <a:p>
+          <a:endParaRPr lang="en-US"/>
+        </a:p>
+      </dgm:t>
+    </dgm:pt>
+    <dgm:pt modelId="{536DBA60-8A91-4892-BB1B-E766CFE784AF}" type="sibTrans" cxnId="{61EB0636-94E5-4D8A-8367-684E24C2E606}">
+      <dgm:prSet/>
+      <dgm:spPr/>
+      <dgm:t>
+        <a:bodyPr/>
+        <a:lstStyle/>
+        <a:p>
+          <a:endParaRPr lang="en-US"/>
+        </a:p>
+      </dgm:t>
+    </dgm:pt>
+    <dgm:pt modelId="{9D630EE7-7648-4481-91EA-AFAF09732BB6}">
+      <dgm:prSet phldrT="[Text]"/>
+      <dgm:spPr/>
+      <dgm:t>
+        <a:bodyPr/>
+        <a:lstStyle/>
+        <a:p>
+          <a:r>
+            <a:rPr lang="en-US" dirty="0"/>
+            <a:t>SQL Architecture</a:t>
+          </a:r>
+        </a:p>
+      </dgm:t>
+    </dgm:pt>
+    <dgm:pt modelId="{81767C91-4CDD-4A8B-BE7C-1F5D6D196B92}" type="parTrans" cxnId="{7BD03E51-0614-4150-B3CC-FA9A49D97D5E}">
+      <dgm:prSet/>
+      <dgm:spPr/>
+      <dgm:t>
+        <a:bodyPr/>
+        <a:lstStyle/>
+        <a:p>
+          <a:endParaRPr lang="en-US"/>
+        </a:p>
+      </dgm:t>
+    </dgm:pt>
+    <dgm:pt modelId="{DA79601B-5668-418F-A7A7-8C9CDF39C1BE}" type="sibTrans" cxnId="{7BD03E51-0614-4150-B3CC-FA9A49D97D5E}">
+      <dgm:prSet/>
+      <dgm:spPr/>
+      <dgm:t>
+        <a:bodyPr/>
+        <a:lstStyle/>
+        <a:p>
+          <a:endParaRPr lang="en-US"/>
+        </a:p>
+      </dgm:t>
+    </dgm:pt>
+    <dgm:pt modelId="{E09C353F-E58C-48C7-B5DF-F7879A77ADA1}">
+      <dgm:prSet phldrT="[Text]"/>
+      <dgm:spPr/>
+      <dgm:t>
+        <a:bodyPr/>
+        <a:lstStyle/>
+        <a:p>
+          <a:r>
+            <a:rPr lang="en-US" dirty="0"/>
+            <a:t>Client Applications</a:t>
+          </a:r>
+        </a:p>
+      </dgm:t>
+    </dgm:pt>
+    <dgm:pt modelId="{D02DF5C9-3888-4E90-A45E-D2B28B0EA193}" type="parTrans" cxnId="{164518B0-0FA9-40B7-B51B-DADEAC24AFA1}">
+      <dgm:prSet/>
+      <dgm:spPr/>
+      <dgm:t>
+        <a:bodyPr/>
+        <a:lstStyle/>
+        <a:p>
+          <a:endParaRPr lang="en-US"/>
+        </a:p>
+      </dgm:t>
+    </dgm:pt>
+    <dgm:pt modelId="{A2528ED8-CED5-4823-873F-CD546399189E}" type="sibTrans" cxnId="{164518B0-0FA9-40B7-B51B-DADEAC24AFA1}">
+      <dgm:prSet/>
+      <dgm:spPr/>
+      <dgm:t>
+        <a:bodyPr/>
+        <a:lstStyle/>
+        <a:p>
+          <a:endParaRPr lang="en-US"/>
+        </a:p>
+      </dgm:t>
+    </dgm:pt>
+    <dgm:pt modelId="{74ECDD89-A9FE-4A1B-8DC7-D5356390FED4}" type="pres">
+      <dgm:prSet presAssocID="{8D1536E5-B61D-4668-A432-DD6E12A83089}" presName="CompostProcess" presStyleCnt="0">
+        <dgm:presLayoutVars>
+          <dgm:dir/>
+          <dgm:resizeHandles val="exact"/>
+        </dgm:presLayoutVars>
+      </dgm:prSet>
+      <dgm:spPr/>
+    </dgm:pt>
+    <dgm:pt modelId="{ABF0D1E8-A511-4909-973D-8E71FB7F8C46}" type="pres">
+      <dgm:prSet presAssocID="{8D1536E5-B61D-4668-A432-DD6E12A83089}" presName="arrow" presStyleLbl="bgShp" presStyleIdx="0" presStyleCnt="1"/>
+      <dgm:spPr/>
+    </dgm:pt>
+    <dgm:pt modelId="{6543915F-ABD8-4A91-8538-893BBF900F37}" type="pres">
+      <dgm:prSet presAssocID="{8D1536E5-B61D-4668-A432-DD6E12A83089}" presName="linearProcess" presStyleCnt="0"/>
+      <dgm:spPr/>
+    </dgm:pt>
+    <dgm:pt modelId="{7B245829-FF9A-4E7E-B733-372EAEB93594}" type="pres">
+      <dgm:prSet presAssocID="{97C79841-76D6-453E-9D72-03A4659CF823}" presName="textNode" presStyleLbl="node1" presStyleIdx="0" presStyleCnt="3">
+        <dgm:presLayoutVars>
+          <dgm:bulletEnabled val="1"/>
+        </dgm:presLayoutVars>
+      </dgm:prSet>
+      <dgm:spPr/>
+    </dgm:pt>
+    <dgm:pt modelId="{DA3584A6-F72A-4A6C-911A-FA3050E175A8}" type="pres">
+      <dgm:prSet presAssocID="{536DBA60-8A91-4892-BB1B-E766CFE784AF}" presName="sibTrans" presStyleCnt="0"/>
+      <dgm:spPr/>
+    </dgm:pt>
+    <dgm:pt modelId="{7D63F1BA-4BB3-45B6-9229-C65E8254F5B4}" type="pres">
+      <dgm:prSet presAssocID="{9D630EE7-7648-4481-91EA-AFAF09732BB6}" presName="textNode" presStyleLbl="node1" presStyleIdx="1" presStyleCnt="3">
+        <dgm:presLayoutVars>
+          <dgm:bulletEnabled val="1"/>
+        </dgm:presLayoutVars>
+      </dgm:prSet>
+      <dgm:spPr/>
+    </dgm:pt>
+    <dgm:pt modelId="{367AD82F-1ABE-4DE4-84D9-BF746C686D50}" type="pres">
+      <dgm:prSet presAssocID="{DA79601B-5668-418F-A7A7-8C9CDF39C1BE}" presName="sibTrans" presStyleCnt="0"/>
+      <dgm:spPr/>
+    </dgm:pt>
+    <dgm:pt modelId="{941079E1-DDEA-4895-8CBA-5B9B62DB99B4}" type="pres">
+      <dgm:prSet presAssocID="{E09C353F-E58C-48C7-B5DF-F7879A77ADA1}" presName="textNode" presStyleLbl="node1" presStyleIdx="2" presStyleCnt="3">
+        <dgm:presLayoutVars>
+          <dgm:bulletEnabled val="1"/>
+        </dgm:presLayoutVars>
+      </dgm:prSet>
+      <dgm:spPr/>
+    </dgm:pt>
+  </dgm:ptLst>
+  <dgm:cxnLst>
+    <dgm:cxn modelId="{09AACC34-33BB-48E8-8BBF-E648DE96C3EA}" type="presOf" srcId="{9D630EE7-7648-4481-91EA-AFAF09732BB6}" destId="{7D63F1BA-4BB3-45B6-9229-C65E8254F5B4}" srcOrd="0" destOrd="0" presId="urn:microsoft.com/office/officeart/2005/8/layout/hProcess9"/>
+    <dgm:cxn modelId="{61EB0636-94E5-4D8A-8367-684E24C2E606}" srcId="{8D1536E5-B61D-4668-A432-DD6E12A83089}" destId="{97C79841-76D6-453E-9D72-03A4659CF823}" srcOrd="0" destOrd="0" parTransId="{B4437BE5-96CD-402C-A23D-1BB17F4028D6}" sibTransId="{536DBA60-8A91-4892-BB1B-E766CFE784AF}"/>
+    <dgm:cxn modelId="{AEDFEE42-B6EE-4493-B121-ACF5C8F8371C}" type="presOf" srcId="{E09C353F-E58C-48C7-B5DF-F7879A77ADA1}" destId="{941079E1-DDEA-4895-8CBA-5B9B62DB99B4}" srcOrd="0" destOrd="0" presId="urn:microsoft.com/office/officeart/2005/8/layout/hProcess9"/>
+    <dgm:cxn modelId="{43AE5246-947D-4516-98CD-401F0B05685F}" type="presOf" srcId="{8D1536E5-B61D-4668-A432-DD6E12A83089}" destId="{74ECDD89-A9FE-4A1B-8DC7-D5356390FED4}" srcOrd="0" destOrd="0" presId="urn:microsoft.com/office/officeart/2005/8/layout/hProcess9"/>
+    <dgm:cxn modelId="{7BD03E51-0614-4150-B3CC-FA9A49D97D5E}" srcId="{8D1536E5-B61D-4668-A432-DD6E12A83089}" destId="{9D630EE7-7648-4481-91EA-AFAF09732BB6}" srcOrd="1" destOrd="0" parTransId="{81767C91-4CDD-4A8B-BE7C-1F5D6D196B92}" sibTransId="{DA79601B-5668-418F-A7A7-8C9CDF39C1BE}"/>
+    <dgm:cxn modelId="{164518B0-0FA9-40B7-B51B-DADEAC24AFA1}" srcId="{8D1536E5-B61D-4668-A432-DD6E12A83089}" destId="{E09C353F-E58C-48C7-B5DF-F7879A77ADA1}" srcOrd="2" destOrd="0" parTransId="{D02DF5C9-3888-4E90-A45E-D2B28B0EA193}" sibTransId="{A2528ED8-CED5-4823-873F-CD546399189E}"/>
+    <dgm:cxn modelId="{A6FD23D4-B64D-40B2-BBB0-C31C48468A28}" type="presOf" srcId="{97C79841-76D6-453E-9D72-03A4659CF823}" destId="{7B245829-FF9A-4E7E-B733-372EAEB93594}" srcOrd="0" destOrd="0" presId="urn:microsoft.com/office/officeart/2005/8/layout/hProcess9"/>
+    <dgm:cxn modelId="{C76BDAC9-0D12-4454-852F-ABA7F43A823F}" type="presParOf" srcId="{74ECDD89-A9FE-4A1B-8DC7-D5356390FED4}" destId="{ABF0D1E8-A511-4909-973D-8E71FB7F8C46}" srcOrd="0" destOrd="0" presId="urn:microsoft.com/office/officeart/2005/8/layout/hProcess9"/>
+    <dgm:cxn modelId="{5FB4B695-1B07-47B3-AD8E-2B26E86B5E4D}" type="presParOf" srcId="{74ECDD89-A9FE-4A1B-8DC7-D5356390FED4}" destId="{6543915F-ABD8-4A91-8538-893BBF900F37}" srcOrd="1" destOrd="0" presId="urn:microsoft.com/office/officeart/2005/8/layout/hProcess9"/>
+    <dgm:cxn modelId="{FC5E8335-0E8F-4039-8121-2914D040F761}" type="presParOf" srcId="{6543915F-ABD8-4A91-8538-893BBF900F37}" destId="{7B245829-FF9A-4E7E-B733-372EAEB93594}" srcOrd="0" destOrd="0" presId="urn:microsoft.com/office/officeart/2005/8/layout/hProcess9"/>
+    <dgm:cxn modelId="{3475EBC3-FDA5-4FF5-BD8B-D9329FD0D784}" type="presParOf" srcId="{6543915F-ABD8-4A91-8538-893BBF900F37}" destId="{DA3584A6-F72A-4A6C-911A-FA3050E175A8}" srcOrd="1" destOrd="0" presId="urn:microsoft.com/office/officeart/2005/8/layout/hProcess9"/>
+    <dgm:cxn modelId="{0089285C-DEA4-4865-8036-D6FEB556BBCB}" type="presParOf" srcId="{6543915F-ABD8-4A91-8538-893BBF900F37}" destId="{7D63F1BA-4BB3-45B6-9229-C65E8254F5B4}" srcOrd="2" destOrd="0" presId="urn:microsoft.com/office/officeart/2005/8/layout/hProcess9"/>
+    <dgm:cxn modelId="{10BB5F97-7C40-458D-A909-AA393008DA2C}" type="presParOf" srcId="{6543915F-ABD8-4A91-8538-893BBF900F37}" destId="{367AD82F-1ABE-4DE4-84D9-BF746C686D50}" srcOrd="3" destOrd="0" presId="urn:microsoft.com/office/officeart/2005/8/layout/hProcess9"/>
+    <dgm:cxn modelId="{117EFDA0-FD1C-429C-8F95-3D61DF6A91AA}" type="presParOf" srcId="{6543915F-ABD8-4A91-8538-893BBF900F37}" destId="{941079E1-DDEA-4895-8CBA-5B9B62DB99B4}" srcOrd="4" destOrd="0" presId="urn:microsoft.com/office/officeart/2005/8/layout/hProcess9"/>
+  </dgm:cxnLst>
+  <dgm:bg/>
+  <dgm:whole/>
+  <dgm:extLst>
+    <a:ext uri="http://schemas.microsoft.com/office/drawing/2008/diagram">
+      <dsp:dataModelExt xmlns:dsp="http://schemas.microsoft.com/office/drawing/2008/diagram" relId="rId6" minVer="http://schemas.openxmlformats.org/drawingml/2006/diagram"/>
+    </a:ext>
+  </dgm:extLst>
+</dgm:dataModel>
+</file>
+
+<file path=ppt/diagrams/drawing1.xml><?xml version="1.0" encoding="utf-8"?>
+<dsp:drawing xmlns:dgm="http://schemas.openxmlformats.org/drawingml/2006/diagram" xmlns:dsp="http://schemas.microsoft.com/office/drawing/2008/diagram" xmlns:a="http://schemas.openxmlformats.org/drawingml/2006/main">
+  <dsp:spTree>
+    <dsp:nvGrpSpPr>
+      <dsp:cNvPr id="0" name=""/>
+      <dsp:cNvGrpSpPr/>
+    </dsp:nvGrpSpPr>
+    <dsp:grpSpPr/>
+    <dsp:sp modelId="{ABF0D1E8-A511-4909-973D-8E71FB7F8C46}">
+      <dsp:nvSpPr>
+        <dsp:cNvPr id="0" name=""/>
+        <dsp:cNvSpPr/>
+      </dsp:nvSpPr>
+      <dsp:spPr>
+        <a:xfrm>
+          <a:off x="788669" y="0"/>
+          <a:ext cx="8938260" cy="4271383"/>
+        </a:xfrm>
+        <a:prstGeom prst="rightArrow">
+          <a:avLst/>
+        </a:prstGeom>
+        <a:solidFill>
+          <a:schemeClr val="accent1">
+            <a:tint val="40000"/>
+            <a:hueOff val="0"/>
+            <a:satOff val="0"/>
+            <a:lumOff val="0"/>
+            <a:alphaOff val="0"/>
+          </a:schemeClr>
+        </a:solidFill>
+        <a:ln>
+          <a:noFill/>
+        </a:ln>
+        <a:effectLst/>
+      </dsp:spPr>
+      <dsp:style>
+        <a:lnRef idx="0">
+          <a:scrgbClr r="0" g="0" b="0"/>
+        </a:lnRef>
+        <a:fillRef idx="1">
+          <a:scrgbClr r="0" g="0" b="0"/>
+        </a:fillRef>
+        <a:effectRef idx="0">
+          <a:scrgbClr r="0" g="0" b="0"/>
+        </a:effectRef>
+        <a:fontRef idx="minor"/>
+      </dsp:style>
+    </dsp:sp>
+    <dsp:sp modelId="{7B245829-FF9A-4E7E-B733-372EAEB93594}">
+      <dsp:nvSpPr>
+        <dsp:cNvPr id="0" name=""/>
+        <dsp:cNvSpPr/>
+      </dsp:nvSpPr>
+      <dsp:spPr>
+        <a:xfrm>
+          <a:off x="3111" y="1281414"/>
+          <a:ext cx="3338648" cy="1708553"/>
+        </a:xfrm>
+        <a:prstGeom prst="roundRect">
+          <a:avLst/>
+        </a:prstGeom>
+        <a:solidFill>
+          <a:schemeClr val="accent1">
+            <a:hueOff val="0"/>
+            <a:satOff val="0"/>
+            <a:lumOff val="0"/>
+            <a:alphaOff val="0"/>
+          </a:schemeClr>
+        </a:solidFill>
+        <a:ln w="12700" cap="flat" cmpd="sng" algn="ctr">
+          <a:solidFill>
+            <a:schemeClr val="lt1">
+              <a:hueOff val="0"/>
+              <a:satOff val="0"/>
+              <a:lumOff val="0"/>
+              <a:alphaOff val="0"/>
+            </a:schemeClr>
+          </a:solidFill>
+          <a:prstDash val="solid"/>
+          <a:miter lim="800000"/>
+        </a:ln>
+        <a:effectLst/>
+      </dsp:spPr>
+      <dsp:style>
+        <a:lnRef idx="2">
+          <a:scrgbClr r="0" g="0" b="0"/>
+        </a:lnRef>
+        <a:fillRef idx="1">
+          <a:scrgbClr r="0" g="0" b="0"/>
+        </a:fillRef>
+        <a:effectRef idx="0">
+          <a:scrgbClr r="0" g="0" b="0"/>
+        </a:effectRef>
+        <a:fontRef idx="minor">
+          <a:schemeClr val="lt1"/>
+        </a:fontRef>
+      </dsp:style>
+      <dsp:txBody>
+        <a:bodyPr spcFirstLastPara="0" vert="horz" wrap="square" lIns="163830" tIns="163830" rIns="163830" bIns="163830" numCol="1" spcCol="1270" anchor="ctr" anchorCtr="0">
+          <a:noAutofit/>
+        </a:bodyPr>
+        <a:lstStyle/>
+        <a:p>
+          <a:pPr marL="0" lvl="0" indent="0" algn="ctr" defTabSz="1911350">
+            <a:lnSpc>
+              <a:spcPct val="90000"/>
+            </a:lnSpc>
+            <a:spcBef>
+              <a:spcPct val="0"/>
+            </a:spcBef>
+            <a:spcAft>
+              <a:spcPct val="35000"/>
+            </a:spcAft>
+            <a:buNone/>
+          </a:pPr>
+          <a:r>
+            <a:rPr lang="en-US" sz="4300" kern="1200" dirty="0"/>
+            <a:t>Fast SQL</a:t>
+          </a:r>
+        </a:p>
+      </dsp:txBody>
+      <dsp:txXfrm>
+        <a:off x="86516" y="1364819"/>
+        <a:ext cx="3171838" cy="1541743"/>
+      </dsp:txXfrm>
+    </dsp:sp>
+    <dsp:sp modelId="{7D63F1BA-4BB3-45B6-9229-C65E8254F5B4}">
+      <dsp:nvSpPr>
+        <dsp:cNvPr id="0" name=""/>
+        <dsp:cNvSpPr/>
+      </dsp:nvSpPr>
+      <dsp:spPr>
+        <a:xfrm>
+          <a:off x="3588475" y="1281414"/>
+          <a:ext cx="3338648" cy="1708553"/>
+        </a:xfrm>
+        <a:prstGeom prst="roundRect">
+          <a:avLst/>
+        </a:prstGeom>
+        <a:solidFill>
+          <a:schemeClr val="accent1">
+            <a:hueOff val="0"/>
+            <a:satOff val="0"/>
+            <a:lumOff val="0"/>
+            <a:alphaOff val="0"/>
+          </a:schemeClr>
+        </a:solidFill>
+        <a:ln w="12700" cap="flat" cmpd="sng" algn="ctr">
+          <a:solidFill>
+            <a:schemeClr val="lt1">
+              <a:hueOff val="0"/>
+              <a:satOff val="0"/>
+              <a:lumOff val="0"/>
+              <a:alphaOff val="0"/>
+            </a:schemeClr>
+          </a:solidFill>
+          <a:prstDash val="solid"/>
+          <a:miter lim="800000"/>
+        </a:ln>
+        <a:effectLst/>
+      </dsp:spPr>
+      <dsp:style>
+        <a:lnRef idx="2">
+          <a:scrgbClr r="0" g="0" b="0"/>
+        </a:lnRef>
+        <a:fillRef idx="1">
+          <a:scrgbClr r="0" g="0" b="0"/>
+        </a:fillRef>
+        <a:effectRef idx="0">
+          <a:scrgbClr r="0" g="0" b="0"/>
+        </a:effectRef>
+        <a:fontRef idx="minor">
+          <a:schemeClr val="lt1"/>
+        </a:fontRef>
+      </dsp:style>
+      <dsp:txBody>
+        <a:bodyPr spcFirstLastPara="0" vert="horz" wrap="square" lIns="163830" tIns="163830" rIns="163830" bIns="163830" numCol="1" spcCol="1270" anchor="ctr" anchorCtr="0">
+          <a:noAutofit/>
+        </a:bodyPr>
+        <a:lstStyle/>
+        <a:p>
+          <a:pPr marL="0" lvl="0" indent="0" algn="ctr" defTabSz="1911350">
+            <a:lnSpc>
+              <a:spcPct val="90000"/>
+            </a:lnSpc>
+            <a:spcBef>
+              <a:spcPct val="0"/>
+            </a:spcBef>
+            <a:spcAft>
+              <a:spcPct val="35000"/>
+            </a:spcAft>
+            <a:buNone/>
+          </a:pPr>
+          <a:r>
+            <a:rPr lang="en-US" sz="4300" kern="1200" dirty="0"/>
+            <a:t>SQL Architecture</a:t>
+          </a:r>
+        </a:p>
+      </dsp:txBody>
+      <dsp:txXfrm>
+        <a:off x="3671880" y="1364819"/>
+        <a:ext cx="3171838" cy="1541743"/>
+      </dsp:txXfrm>
+    </dsp:sp>
+    <dsp:sp modelId="{941079E1-DDEA-4895-8CBA-5B9B62DB99B4}">
+      <dsp:nvSpPr>
+        <dsp:cNvPr id="0" name=""/>
+        <dsp:cNvSpPr/>
+      </dsp:nvSpPr>
+      <dsp:spPr>
+        <a:xfrm>
+          <a:off x="7173840" y="1281414"/>
+          <a:ext cx="3338648" cy="1708553"/>
+        </a:xfrm>
+        <a:prstGeom prst="roundRect">
+          <a:avLst/>
+        </a:prstGeom>
+        <a:solidFill>
+          <a:schemeClr val="accent1">
+            <a:hueOff val="0"/>
+            <a:satOff val="0"/>
+            <a:lumOff val="0"/>
+            <a:alphaOff val="0"/>
+          </a:schemeClr>
+        </a:solidFill>
+        <a:ln w="12700" cap="flat" cmpd="sng" algn="ctr">
+          <a:solidFill>
+            <a:schemeClr val="lt1">
+              <a:hueOff val="0"/>
+              <a:satOff val="0"/>
+              <a:lumOff val="0"/>
+              <a:alphaOff val="0"/>
+            </a:schemeClr>
+          </a:solidFill>
+          <a:prstDash val="solid"/>
+          <a:miter lim="800000"/>
+        </a:ln>
+        <a:effectLst/>
+      </dsp:spPr>
+      <dsp:style>
+        <a:lnRef idx="2">
+          <a:scrgbClr r="0" g="0" b="0"/>
+        </a:lnRef>
+        <a:fillRef idx="1">
+          <a:scrgbClr r="0" g="0" b="0"/>
+        </a:fillRef>
+        <a:effectRef idx="0">
+          <a:scrgbClr r="0" g="0" b="0"/>
+        </a:effectRef>
+        <a:fontRef idx="minor">
+          <a:schemeClr val="lt1"/>
+        </a:fontRef>
+      </dsp:style>
+      <dsp:txBody>
+        <a:bodyPr spcFirstLastPara="0" vert="horz" wrap="square" lIns="163830" tIns="163830" rIns="163830" bIns="163830" numCol="1" spcCol="1270" anchor="ctr" anchorCtr="0">
+          <a:noAutofit/>
+        </a:bodyPr>
+        <a:lstStyle/>
+        <a:p>
+          <a:pPr marL="0" lvl="0" indent="0" algn="ctr" defTabSz="1911350">
+            <a:lnSpc>
+              <a:spcPct val="90000"/>
+            </a:lnSpc>
+            <a:spcBef>
+              <a:spcPct val="0"/>
+            </a:spcBef>
+            <a:spcAft>
+              <a:spcPct val="35000"/>
+            </a:spcAft>
+            <a:buNone/>
+          </a:pPr>
+          <a:r>
+            <a:rPr lang="en-US" sz="4300" kern="1200" dirty="0"/>
+            <a:t>Client Applications</a:t>
+          </a:r>
+        </a:p>
+      </dsp:txBody>
+      <dsp:txXfrm>
+        <a:off x="7257245" y="1364819"/>
+        <a:ext cx="3171838" cy="1541743"/>
+      </dsp:txXfrm>
+    </dsp:sp>
+  </dsp:spTree>
+</dsp:drawing>
+</file>
+
+<file path=ppt/diagrams/layout1.xml><?xml version="1.0" encoding="utf-8"?>
+<dgm:layoutDef xmlns:dgm="http://schemas.openxmlformats.org/drawingml/2006/diagram" xmlns:a="http://schemas.openxmlformats.org/drawingml/2006/main" uniqueId="urn:microsoft.com/office/officeart/2005/8/layout/hProcess9">
+  <dgm:title val=""/>
+  <dgm:desc val=""/>
+  <dgm:catLst>
+    <dgm:cat type="process" pri="5000"/>
+    <dgm:cat type="convert" pri="13000"/>
+  </dgm:catLst>
+  <dgm:sampData useDef="1">
+    <dgm:dataModel>
+      <dgm:ptLst/>
+      <dgm:bg/>
+      <dgm:whole/>
+    </dgm:dataModel>
+  </dgm:sampData>
+  <dgm:styleData>
+    <dgm:dataModel>
+      <dgm:ptLst>
+        <dgm:pt modelId="0" type="doc"/>
+        <dgm:pt modelId="1"/>
+        <dgm:pt modelId="2"/>
+      </dgm:ptLst>
+      <dgm:cxnLst>
+        <dgm:cxn modelId="3" srcId="0" destId="1" srcOrd="0" destOrd="0"/>
+        <dgm:cxn modelId="4" srcId="0" destId="2" srcOrd="1" destOrd="0"/>
+      </dgm:cxnLst>
+      <dgm:bg/>
+      <dgm:whole/>
+    </dgm:dataModel>
+  </dgm:styleData>
+  <dgm:clrData>
+    <dgm:dataModel>
+      <dgm:ptLst>
+        <dgm:pt modelId="0" type="doc"/>
+        <dgm:pt modelId="1"/>
+        <dgm:pt modelId="2"/>
+        <dgm:pt modelId="3"/>
+        <dgm:pt modelId="4"/>
+      </dgm:ptLst>
+      <dgm:cxnLst>
+        <dgm:cxn modelId="5" srcId="0" destId="1" srcOrd="0" destOrd="0"/>
+        <dgm:cxn modelId="6" srcId="0" destId="2" srcOrd="1" destOrd="0"/>
+        <dgm:cxn modelId="7" srcId="0" destId="3" srcOrd="2" destOrd="0"/>
+        <dgm:cxn modelId="8" srcId="0" destId="4" srcOrd="3" destOrd="0"/>
+      </dgm:cxnLst>
+      <dgm:bg/>
+      <dgm:whole/>
+    </dgm:dataModel>
+  </dgm:clrData>
+  <dgm:layoutNode name="CompostProcess">
+    <dgm:varLst>
+      <dgm:dir/>
+      <dgm:resizeHandles val="exact"/>
+    </dgm:varLst>
+    <dgm:alg type="composite">
+      <dgm:param type="horzAlign" val="ctr"/>
+      <dgm:param type="vertAlign" val="mid"/>
+    </dgm:alg>
+    <dgm:shape xmlns:r="http://schemas.openxmlformats.org/officeDocument/2006/relationships" r:blip="">
+      <dgm:adjLst/>
+    </dgm:shape>
+    <dgm:presOf/>
+    <dgm:constrLst>
+      <dgm:constr type="w" for="ch" forName="arrow" refType="w" fact="0.85"/>
+      <dgm:constr type="h" for="ch" forName="arrow" refType="h"/>
+      <dgm:constr type="ctrX" for="ch" forName="arrow" refType="w" fact="0.5"/>
+      <dgm:constr type="ctrY" for="ch" forName="arrow" refType="h" fact="0.5"/>
+      <dgm:constr type="w" for="ch" forName="linearProcess" refType="w"/>
+      <dgm:constr type="h" for="ch" forName="linearProcess" refType="h" fact="0.4"/>
+      <dgm:constr type="ctrX" for="ch" forName="linearProcess" refType="w" fact="0.5"/>
+      <dgm:constr type="ctrY" for="ch" forName="linearProcess" refType="h" fact="0.5"/>
+    </dgm:constrLst>
+    <dgm:ruleLst/>
+    <dgm:layoutNode name="arrow" styleLbl="bgShp">
+      <dgm:alg type="sp"/>
+      <dgm:choose name="Name0">
+        <dgm:if name="Name1" func="var" arg="dir" op="equ" val="norm">
+          <dgm:shape xmlns:r="http://schemas.openxmlformats.org/officeDocument/2006/relationships" type="rightArrow" r:blip="">
+            <dgm:adjLst/>
+          </dgm:shape>
+        </dgm:if>
+        <dgm:else name="Name2">
+          <dgm:shape xmlns:r="http://schemas.openxmlformats.org/officeDocument/2006/relationships" type="leftArrow" r:blip="">
+            <dgm:adjLst/>
+          </dgm:shape>
+        </dgm:else>
+      </dgm:choose>
+      <dgm:presOf/>
+      <dgm:constrLst/>
+      <dgm:ruleLst/>
+    </dgm:layoutNode>
+    <dgm:layoutNode name="linearProcess">
+      <dgm:choose name="Name3">
+        <dgm:if name="Name4" func="var" arg="dir" op="equ" val="norm">
+          <dgm:alg type="lin"/>
+        </dgm:if>
+        <dgm:else name="Name5">
+          <dgm:alg type="lin">
+            <dgm:param type="linDir" val="fromR"/>
+          </dgm:alg>
+        </dgm:else>
+      </dgm:choose>
+      <dgm:shape xmlns:r="http://schemas.openxmlformats.org/officeDocument/2006/relationships" r:blip="">
+        <dgm:adjLst/>
+      </dgm:shape>
+      <dgm:presOf/>
+      <dgm:constrLst>
+        <dgm:constr type="userA" for="ch" ptType="node" refType="w"/>
+        <dgm:constr type="h" for="ch" ptType="node" refType="h"/>
+        <dgm:constr type="w" for="ch" ptType="node" op="equ"/>
+        <dgm:constr type="w" for="ch" forName="sibTrans" refType="w" fact="0.05"/>
+        <dgm:constr type="primFontSz" for="ch" ptType="node" op="equ" val="65"/>
+      </dgm:constrLst>
+      <dgm:ruleLst/>
+      <dgm:forEach name="Name6" axis="ch" ptType="node">
+        <dgm:layoutNode name="textNode" styleLbl="node1">
+          <dgm:varLst>
+            <dgm:bulletEnabled val="1"/>
+          </dgm:varLst>
+          <dgm:alg type="tx"/>
+          <dgm:shape xmlns:r="http://schemas.openxmlformats.org/officeDocument/2006/relationships" type="roundRect" r:blip="">
+            <dgm:adjLst/>
+          </dgm:shape>
+          <dgm:presOf axis="desOrSelf" ptType="node"/>
+          <dgm:constrLst>
+            <dgm:constr type="userA"/>
+            <dgm:constr type="w" refType="userA" fact="0.3"/>
+            <dgm:constr type="tMarg" refType="primFontSz" fact="0.3"/>
+            <dgm:constr type="bMarg" refType="primFontSz" fact="0.3"/>
+            <dgm:constr type="lMarg" refType="primFontSz" fact="0.3"/>
+            <dgm:constr type="rMarg" refType="primFontSz" fact="0.3"/>
+          </dgm:constrLst>
+          <dgm:ruleLst>
+            <dgm:rule type="w" val="NaN" fact="1" max="NaN"/>
+            <dgm:rule type="primFontSz" val="5" fact="NaN" max="NaN"/>
+          </dgm:ruleLst>
+        </dgm:layoutNode>
+        <dgm:forEach name="Name7" axis="followSib" ptType="sibTrans" cnt="1">
+          <dgm:layoutNode name="sibTrans">
+            <dgm:alg type="sp"/>
+            <dgm:shape xmlns:r="http://schemas.openxmlformats.org/officeDocument/2006/relationships" r:blip="">
+              <dgm:adjLst/>
+            </dgm:shape>
+            <dgm:presOf/>
+            <dgm:constrLst/>
+            <dgm:ruleLst/>
+          </dgm:layoutNode>
+        </dgm:forEach>
+      </dgm:forEach>
+    </dgm:layoutNode>
+  </dgm:layoutNode>
+</dgm:layoutDef>
+</file>
+
+<file path=ppt/diagrams/quickStyle1.xml><?xml version="1.0" encoding="utf-8"?>
+<dgm:styleDef xmlns:dgm="http://schemas.openxmlformats.org/drawingml/2006/diagram" xmlns:a="http://schemas.openxmlformats.org/drawingml/2006/main" uniqueId="urn:microsoft.com/office/officeart/2005/8/quickstyle/simple1">
+  <dgm:title val=""/>
+  <dgm:desc val=""/>
+  <dgm:catLst>
+    <dgm:cat type="simple" pri="10100"/>
+  </dgm:catLst>
+  <dgm:scene3d>
+    <a:camera prst="orthographicFront"/>
+    <a:lightRig rig="threePt" dir="t"/>
+  </dgm:scene3d>
+  <dgm:styleLbl name="node0">
+    <dgm:scene3d>
+      <a:camera prst="orthographicFront"/>
+      <a:lightRig rig="threePt" dir="t"/>
+    </dgm:scene3d>
+    <dgm:sp3d/>
+    <dgm:txPr/>
+    <dgm:style>
+      <a:lnRef idx="2">
+        <a:scrgbClr r="0" g="0" b="0"/>
+      </a:lnRef>
+      <a:fillRef idx="1">
+        <a:scrgbClr r="0" g="0" b="0"/>
+      </a:fillRef>
+      <a:effectRef idx="0">
+        <a:scrgbClr r="0" g="0" b="0"/>
+      </a:effectRef>
+      <a:fontRef idx="minor">
+        <a:schemeClr val="lt1"/>
+      </a:fontRef>
+    </dgm:style>
+  </dgm:styleLbl>
+  <dgm:styleLbl name="lnNode1">
+    <dgm:scene3d>
+      <a:camera prst="orthographicFront"/>
+      <a:lightRig rig="threePt" dir="t"/>
+    </dgm:scene3d>
+    <dgm:sp3d/>
+    <dgm:txPr/>
+    <dgm:style>
+      <a:lnRef idx="2">
+        <a:scrgbClr r="0" g="0" b="0"/>
+      </a:lnRef>
+      <a:fillRef idx="1">
+        <a:scrgbClr r="0" g="0" b="0"/>
+      </a:fillRef>
+      <a:effectRef idx="0">
+        <a:scrgbClr r="0" g="0" b="0"/>
+      </a:effectRef>
+      <a:fontRef idx="minor">
+        <a:schemeClr val="lt1"/>
+      </a:fontRef>
+    </dgm:style>
+  </dgm:styleLbl>
+  <dgm:styleLbl name="vennNode1">
+    <dgm:scene3d>
+      <a:camera prst="orthographicFront"/>
+      <a:lightRig rig="threePt" dir="t"/>
+    </dgm:scene3d>
+    <dgm:sp3d/>
+    <dgm:txPr/>
+    <dgm:style>
+      <a:lnRef idx="2">
+        <a:scrgbClr r="0" g="0" b="0"/>
+      </a:lnRef>
+      <a:fillRef idx="1">
+        <a:scrgbClr r="0" g="0" b="0"/>
+      </a:fillRef>
+      <a:effectRef idx="0">
+        <a:scrgbClr r="0" g="0" b="0"/>
+      </a:effectRef>
+      <a:fontRef idx="minor">
+        <a:schemeClr val="tx1"/>
+      </a:fontRef>
+    </dgm:style>
+  </dgm:styleLbl>
+  <dgm:styleLbl name="alignNode1">
+    <dgm:scene3d>
+      <a:camera prst="orthographicFront"/>
+      <a:lightRig rig="threePt" dir="t"/>
+    </dgm:scene3d>
+    <dgm:sp3d/>
+    <dgm:txPr/>
+    <dgm:style>
+      <a:lnRef idx="2">
+        <a:scrgbClr r="0" g="0" b="0"/>
+      </a:lnRef>
+      <a:fillRef idx="1">
+        <a:scrgbClr r="0" g="0" b="0"/>
+      </a:fillRef>
+      <a:effectRef idx="0">
+        <a:scrgbClr r="0" g="0" b="0"/>
+      </a:effectRef>
+      <a:fontRef idx="minor">
+        <a:schemeClr val="lt1"/>
+      </a:fontRef>
+    </dgm:style>
+  </dgm:styleLbl>
+  <dgm:styleLbl name="node1">
+    <dgm:scene3d>
+      <a:camera prst="orthographicFront"/>
+      <a:lightRig rig="threePt" dir="t"/>
+    </dgm:scene3d>
+    <dgm:sp3d/>
+    <dgm:txPr/>
+    <dgm:style>
+      <a:lnRef idx="2">
+        <a:scrgbClr r="0" g="0" b="0"/>
+      </a:lnRef>
+      <a:fillRef idx="1">
+        <a:scrgbClr r="0" g="0" b="0"/>
+      </a:fillRef>
+      <a:effectRef idx="0">
+        <a:scrgbClr r="0" g="0" b="0"/>
+      </a:effectRef>
+      <a:fontRef idx="minor">
+        <a:schemeClr val="lt1"/>
+      </a:fontRef>
+    </dgm:style>
+  </dgm:styleLbl>
+  <dgm:styleLbl name="node2">
+    <dgm:scene3d>
+      <a:camera prst="orthographicFront"/>
+      <a:lightRig rig="threePt" dir="t"/>
+    </dgm:scene3d>
+    <dgm:sp3d/>
+    <dgm:txPr/>
+    <dgm:style>
+      <a:lnRef idx="2">
+        <a:scrgbClr r="0" g="0" b="0"/>
+      </a:lnRef>
+      <a:fillRef idx="1">
+        <a:scrgbClr r="0" g="0" b="0"/>
+      </a:fillRef>
+      <a:effectRef idx="0">
+        <a:scrgbClr r="0" g="0" b="0"/>
+      </a:effectRef>
+      <a:fontRef idx="minor">
+        <a:schemeClr val="lt1"/>
+      </a:fontRef>
+    </dgm:style>
+  </dgm:styleLbl>
+  <dgm:styleLbl name="node3">
+    <dgm:scene3d>
+      <a:camera prst="orthographicFront"/>
+      <a:lightRig rig="threePt" dir="t"/>
+    </dgm:scene3d>
+    <dgm:sp3d/>
+    <dgm:txPr/>
+    <dgm:style>
+      <a:lnRef idx="2">
+        <a:scrgbClr r="0" g="0" b="0"/>
+      </a:lnRef>
+      <a:fillRef idx="1">
+        <a:scrgbClr r="0" g="0" b="0"/>
+      </a:fillRef>
+      <a:effectRef idx="0">
+        <a:scrgbClr r="0" g="0" b="0"/>
+      </a:effectRef>
+      <a:fontRef idx="minor">
+        <a:schemeClr val="lt1"/>
+      </a:fontRef>
+    </dgm:style>
+  </dgm:styleLbl>
+  <dgm:styleLbl name="node4">
+    <dgm:scene3d>
+      <a:camera prst="orthographicFront"/>
+      <a:lightRig rig="threePt" dir="t"/>
+    </dgm:scene3d>
+    <dgm:sp3d/>
+    <dgm:txPr/>
+    <dgm:style>
+      <a:lnRef idx="2">
+        <a:scrgbClr r="0" g="0" b="0"/>
+      </a:lnRef>
+      <a:fillRef idx="1">
+        <a:scrgbClr r="0" g="0" b="0"/>
+      </a:fillRef>
+      <a:effectRef idx="0">
+        <a:scrgbClr r="0" g="0" b="0"/>
+      </a:effectRef>
+      <a:fontRef idx="minor">
+        <a:schemeClr val="lt1"/>
+      </a:fontRef>
+    </dgm:style>
+  </dgm:styleLbl>
+  <dgm:styleLbl name="fgImgPlace1">
+    <dgm:scene3d>
+      <a:camera prst="orthographicFront"/>
+      <a:lightRig rig="threePt" dir="t"/>
+    </dgm:scene3d>
+    <dgm:sp3d/>
+    <dgm:txPr/>
+    <dgm:style>
+      <a:lnRef idx="2">
+        <a:scrgbClr r="0" g="0" b="0"/>
+      </a:lnRef>
+      <a:fillRef idx="1">
+        <a:scrgbClr r="0" g="0" b="0"/>
+      </a:fillRef>
+      <a:effectRef idx="0">
+        <a:scrgbClr r="0" g="0" b="0"/>
+      </a:effectRef>
+      <a:fontRef idx="minor"/>
+    </dgm:style>
+  </dgm:styleLbl>
+  <dgm:styleLbl name="alignImgPlace1">
+    <dgm:scene3d>
+      <a:camera prst="orthographicFront"/>
+      <a:lightRig rig="threePt" dir="t"/>
+    </dgm:scene3d>
+    <dgm:sp3d/>
+    <dgm:txPr/>
+    <dgm:style>
+      <a:lnRef idx="2">
+        <a:scrgbClr r="0" g="0" b="0"/>
+      </a:lnRef>
+      <a:fillRef idx="1">
+        <a:scrgbClr r="0" g="0" b="0"/>
+      </a:fillRef>
+      <a:effectRef idx="0">
+        <a:scrgbClr r="0" g="0" b="0"/>
+      </a:effectRef>
+      <a:fontRef idx="minor"/>
+    </dgm:style>
+  </dgm:styleLbl>
+  <dgm:styleLbl name="bgImgPlace1">
+    <dgm:scene3d>
+      <a:camera prst="orthographicFront"/>
+      <a:lightRig rig="threePt" dir="t"/>
+    </dgm:scene3d>
+    <dgm:sp3d/>
+    <dgm:txPr/>
+    <dgm:style>
+      <a:lnRef idx="2">
+        <a:scrgbClr r="0" g="0" b="0"/>
+      </a:lnRef>
+      <a:fillRef idx="1">
+        <a:scrgbClr r="0" g="0" b="0"/>
+      </a:fillRef>
+      <a:effectRef idx="0">
+        <a:scrgbClr r="0" g="0" b="0"/>
+      </a:effectRef>
+      <a:fontRef idx="minor"/>
+    </dgm:style>
+  </dgm:styleLbl>
+  <dgm:styleLbl name="sibTrans2D1">
+    <dgm:scene3d>
+      <a:camera prst="orthographicFront"/>
+      <a:lightRig rig="threePt" dir="t"/>
+    </dgm:scene3d>
+    <dgm:sp3d/>
+    <dgm:txPr/>
+    <dgm:style>
+      <a:lnRef idx="0">
+        <a:scrgbClr r="0" g="0" b="0"/>
+      </a:lnRef>
+      <a:fillRef idx="1">
+        <a:scrgbClr r="0" g="0" b="0"/>
+      </a:fillRef>
+      <a:effectRef idx="0">
+        <a:scrgbClr r="0" g="0" b="0"/>
+      </a:effectRef>
+      <a:fontRef idx="minor">
+        <a:schemeClr val="lt1"/>
+      </a:fontRef>
+    </dgm:style>
+  </dgm:styleLbl>
+  <dgm:styleLbl name="fgSibTrans2D1">
+    <dgm:scene3d>
+      <a:camera prst="orthographicFront"/>
+      <a:lightRig rig="threePt" dir="t"/>
+    </dgm:scene3d>
+    <dgm:sp3d/>
+    <dgm:txPr/>
+    <dgm:style>
+      <a:lnRef idx="0">
+        <a:scrgbClr r="0" g="0" b="0"/>
+      </a:lnRef>
+      <a:fillRef idx="1">
+        <a:scrgbClr r="0" g="0" b="0"/>
+      </a:fillRef>
+      <a:effectRef idx="0">
+        <a:scrgbClr r="0" g="0" b="0"/>
+      </a:effectRef>
+      <a:fontRef idx="minor">
+        <a:schemeClr val="lt1"/>
+      </a:fontRef>
+    </dgm:style>
+  </dgm:styleLbl>
+  <dgm:styleLbl name="bgSibTrans2D1">
+    <dgm:scene3d>
+      <a:camera prst="orthographicFront"/>
+      <a:lightRig rig="threePt" dir="t"/>
+    </dgm:scene3d>
+    <dgm:sp3d/>
+    <dgm:txPr/>
+    <dgm:style>
+      <a:lnRef idx="0">
+        <a:scrgbClr r="0" g="0" b="0"/>
+      </a:lnRef>
+      <a:fillRef idx="1">
+        <a:scrgbClr r="0" g="0" b="0"/>
+      </a:fillRef>
+      <a:effectRef idx="0">
+        <a:scrgbClr r="0" g="0" b="0"/>
+      </a:effectRef>
+      <a:fontRef idx="minor">
+        <a:schemeClr val="lt1"/>
+      </a:fontRef>
+    </dgm:style>
+  </dgm:styleLbl>
+  <dgm:styleLbl name="sibTrans1D1">
+    <dgm:scene3d>
+      <a:camera prst="orthographicFront"/>
+      <a:lightRig rig="threePt" dir="t"/>
+    </dgm:scene3d>
+    <dgm:sp3d/>
+    <dgm:txPr/>
+    <dgm:style>
+      <a:lnRef idx="1">
+        <a:scrgbClr r="0" g="0" b="0"/>
+      </a:lnRef>
+      <a:fillRef idx="0">
+        <a:scrgbClr r="0" g="0" b="0"/>
+      </a:fillRef>
+      <a:effectRef idx="0">
+        <a:scrgbClr r="0" g="0" b="0"/>
+      </a:effectRef>
+      <a:fontRef idx="minor"/>
+    </dgm:style>
+  </dgm:styleLbl>
+  <dgm:styleLbl name="callout">
+    <dgm:scene3d>
+      <a:camera prst="orthographicFront"/>
+      <a:lightRig rig="threePt" dir="t"/>
+    </dgm:scene3d>
+    <dgm:sp3d/>
+    <dgm:txPr/>
+    <dgm:style>
+      <a:lnRef idx="2">
+        <a:scrgbClr r="0" g="0" b="0"/>
+      </a:lnRef>
+      <a:fillRef idx="1">
+        <a:scrgbClr r="0" g="0" b="0"/>
+      </a:fillRef>
+      <a:effectRef idx="0">
+        <a:scrgbClr r="0" g="0" b="0"/>
+      </a:effectRef>
+      <a:fontRef idx="minor"/>
+    </dgm:style>
+  </dgm:styleLbl>
+  <dgm:styleLbl name="asst0">
+    <dgm:scene3d>
+      <a:camera prst="orthographicFront"/>
+      <a:lightRig rig="threePt" dir="t"/>
+    </dgm:scene3d>
+    <dgm:sp3d/>
+    <dgm:txPr/>
+    <dgm:style>
+      <a:lnRef idx="2">
+        <a:scrgbClr r="0" g="0" b="0"/>
+      </a:lnRef>
+      <a:fillRef idx="1">
+        <a:scrgbClr r="0" g="0" b="0"/>
+      </a:fillRef>
+      <a:effectRef idx="0">
+        <a:scrgbClr r="0" g="0" b="0"/>
+      </a:effectRef>
+      <a:fontRef idx="minor">
+        <a:schemeClr val="lt1"/>
+      </a:fontRef>
+    </dgm:style>
+  </dgm:styleLbl>
+  <dgm:styleLbl name="asst1">
+    <dgm:scene3d>
+      <a:camera prst="orthographicFront"/>
+      <a:lightRig rig="threePt" dir="t"/>
+    </dgm:scene3d>
+    <dgm:sp3d/>
+    <dgm:txPr/>
+    <dgm:style>
+      <a:lnRef idx="2">
+        <a:scrgbClr r="0" g="0" b="0"/>
+      </a:lnRef>
+      <a:fillRef idx="1">
+        <a:scrgbClr r="0" g="0" b="0"/>
+      </a:fillRef>
+      <a:effectRef idx="0">
+        <a:scrgbClr r="0" g="0" b="0"/>
+      </a:effectRef>
+      <a:fontRef idx="minor">
+        <a:schemeClr val="lt1"/>
+      </a:fontRef>
+    </dgm:style>
+  </dgm:styleLbl>
+  <dgm:styleLbl name="asst2">
+    <dgm:scene3d>
+      <a:camera prst="orthographicFront"/>
+      <a:lightRig rig="threePt" dir="t"/>
+    </dgm:scene3d>
+    <dgm:sp3d/>
+    <dgm:txPr/>
+    <dgm:style>
+      <a:lnRef idx="2">
+        <a:scrgbClr r="0" g="0" b="0"/>
+      </a:lnRef>
+      <a:fillRef idx="1">
+        <a:scrgbClr r="0" g="0" b="0"/>
+      </a:fillRef>
+      <a:effectRef idx="0">
+        <a:scrgbClr r="0" g="0" b="0"/>
+      </a:effectRef>
+      <a:fontRef idx="minor">
+        <a:schemeClr val="lt1"/>
+      </a:fontRef>
+    </dgm:style>
+  </dgm:styleLbl>
+  <dgm:styleLbl name="asst3">
+    <dgm:scene3d>
+      <a:camera prst="orthographicFront"/>
+      <a:lightRig rig="threePt" dir="t"/>
+    </dgm:scene3d>
+    <dgm:sp3d/>
+    <dgm:txPr/>
+    <dgm:style>
+      <a:lnRef idx="2">
+        <a:scrgbClr r="0" g="0" b="0"/>
+      </a:lnRef>
+      <a:fillRef idx="1">
+        <a:scrgbClr r="0" g="0" b="0"/>
+      </a:fillRef>
+      <a:effectRef idx="0">
+        <a:scrgbClr r="0" g="0" b="0"/>
+      </a:effectRef>
+      <a:fontRef idx="minor">
+        <a:schemeClr val="lt1"/>
+      </a:fontRef>
+    </dgm:style>
+  </dgm:styleLbl>
+  <dgm:styleLbl name="asst4">
+    <dgm:scene3d>
+      <a:camera prst="orthographicFront"/>
+      <a:lightRig rig="threePt" dir="t"/>
+    </dgm:scene3d>
+    <dgm:sp3d/>
+    <dgm:txPr/>
+    <dgm:style>
+      <a:lnRef idx="2">
+        <a:scrgbClr r="0" g="0" b="0"/>
+      </a:lnRef>
+      <a:fillRef idx="1">
+        <a:scrgbClr r="0" g="0" b="0"/>
+      </a:fillRef>
+      <a:effectRef idx="0">
+        <a:scrgbClr r="0" g="0" b="0"/>
+      </a:effectRef>
+      <a:fontRef idx="minor">
+        <a:schemeClr val="lt1"/>
+      </a:fontRef>
+    </dgm:style>
+  </dgm:styleLbl>
+  <dgm:styleLbl name="parChTrans2D1">
+    <dgm:scene3d>
+      <a:camera prst="orthographicFront"/>
+      <a:lightRig rig="threePt" dir="t"/>
+    </dgm:scene3d>
+    <dgm:sp3d/>
+    <dgm:txPr/>
+    <dgm:style>
+      <a:lnRef idx="2">
+        <a:scrgbClr r="0" g="0" b="0"/>
+      </a:lnRef>
+      <a:fillRef idx="1">
+        <a:scrgbClr r="0" g="0" b="0"/>
+      </a:fillRef>
+      <a:effectRef idx="0">
+        <a:scrgbClr r="0" g="0" b="0"/>
+      </a:effectRef>
+      <a:fontRef idx="minor">
+        <a:schemeClr val="lt1"/>
+      </a:fontRef>
+    </dgm:style>
+  </dgm:styleLbl>
+  <dgm:styleLbl name="parChTrans2D2">
+    <dgm:scene3d>
+      <a:camera prst="orthographicFront"/>
+      <a:lightRig rig="threePt" dir="t"/>
+    </dgm:scene3d>
+    <dgm:sp3d/>
+    <dgm:txPr/>
+    <dgm:style>
+      <a:lnRef idx="2">
+        <a:scrgbClr r="0" g="0" b="0"/>
+      </a:lnRef>
+      <a:fillRef idx="1">
+        <a:scrgbClr r="0" g="0" b="0"/>
+      </a:fillRef>
+      <a:effectRef idx="0">
+        <a:scrgbClr r="0" g="0" b="0"/>
+      </a:effectRef>
+      <a:fontRef idx="minor">
+        <a:schemeClr val="lt1"/>
+      </a:fontRef>
+    </dgm:style>
+  </dgm:styleLbl>
+  <dgm:styleLbl name="parChTrans2D3">
+    <dgm:scene3d>
+      <a:camera prst="orthographicFront"/>
+      <a:lightRig rig="threePt" dir="t"/>
+    </dgm:scene3d>
+    <dgm:sp3d/>
+    <dgm:txPr/>
+    <dgm:style>
+      <a:lnRef idx="2">
+        <a:scrgbClr r="0" g="0" b="0"/>
+      </a:lnRef>
+      <a:fillRef idx="1">
+        <a:scrgbClr r="0" g="0" b="0"/>
+      </a:fillRef>
+      <a:effectRef idx="0">
+        <a:scrgbClr r="0" g="0" b="0"/>
+      </a:effectRef>
+      <a:fontRef idx="minor">
+        <a:schemeClr val="lt1"/>
+      </a:fontRef>
+    </dgm:style>
+  </dgm:styleLbl>
+  <dgm:styleLbl name="parChTrans2D4">
+    <dgm:scene3d>
+      <a:camera prst="orthographicFront"/>
+      <a:lightRig rig="threePt" dir="t"/>
+    </dgm:scene3d>
+    <dgm:sp3d/>
+    <dgm:txPr/>
+    <dgm:style>
+      <a:lnRef idx="2">
+        <a:scrgbClr r="0" g="0" b="0"/>
+      </a:lnRef>
+      <a:fillRef idx="1">
+        <a:scrgbClr r="0" g="0" b="0"/>
+      </a:fillRef>
+      <a:effectRef idx="0">
+        <a:scrgbClr r="0" g="0" b="0"/>
+      </a:effectRef>
+      <a:fontRef idx="minor">
+        <a:schemeClr val="lt1"/>
+      </a:fontRef>
+    </dgm:style>
+  </dgm:styleLbl>
+  <dgm:styleLbl name="parChTrans1D1">
+    <dgm:scene3d>
+      <a:camera prst="orthographicFront"/>
+      <a:lightRig rig="threePt" dir="t"/>
+    </dgm:scene3d>
+    <dgm:sp3d/>
+    <dgm:txPr/>
+    <dgm:style>
+      <a:lnRef idx="2">
+        <a:scrgbClr r="0" g="0" b="0"/>
+      </a:lnRef>
+      <a:fillRef idx="0">
+        <a:scrgbClr r="0" g="0" b="0"/>
+      </a:fillRef>
+      <a:effectRef idx="0">
+        <a:scrgbClr r="0" g="0" b="0"/>
+      </a:effectRef>
+      <a:fontRef idx="minor"/>
+    </dgm:style>
+  </dgm:styleLbl>
+  <dgm:styleLbl name="parChTrans1D2">
+    <dgm:scene3d>
+      <a:camera prst="orthographicFront"/>
+      <a:lightRig rig="threePt" dir="t"/>
+    </dgm:scene3d>
+    <dgm:sp3d/>
+    <dgm:txPr/>
+    <dgm:style>
+      <a:lnRef idx="2">
+        <a:scrgbClr r="0" g="0" b="0"/>
+      </a:lnRef>
+      <a:fillRef idx="0">
+        <a:scrgbClr r="0" g="0" b="0"/>
+      </a:fillRef>
+      <a:effectRef idx="0">
+        <a:scrgbClr r="0" g="0" b="0"/>
+      </a:effectRef>
+      <a:fontRef idx="minor"/>
+    </dgm:style>
+  </dgm:styleLbl>
+  <dgm:styleLbl name="parChTrans1D3">
+    <dgm:scene3d>
+      <a:camera prst="orthographicFront"/>
+      <a:lightRig rig="threePt" dir="t"/>
+    </dgm:scene3d>
+    <dgm:sp3d/>
+    <dgm:txPr/>
+    <dgm:style>
+      <a:lnRef idx="2">
+        <a:scrgbClr r="0" g="0" b="0"/>
+      </a:lnRef>
+      <a:fillRef idx="0">
+        <a:scrgbClr r="0" g="0" b="0"/>
+      </a:fillRef>
+      <a:effectRef idx="0">
+        <a:scrgbClr r="0" g="0" b="0"/>
+      </a:effectRef>
+      <a:fontRef idx="minor"/>
+    </dgm:style>
+  </dgm:styleLbl>
+  <dgm:styleLbl name="parChTrans1D4">
+    <dgm:scene3d>
+      <a:camera prst="orthographicFront"/>
+      <a:lightRig rig="threePt" dir="t"/>
+    </dgm:scene3d>
+    <dgm:sp3d/>
+    <dgm:txPr/>
+    <dgm:style>
+      <a:lnRef idx="2">
+        <a:scrgbClr r="0" g="0" b="0"/>
+      </a:lnRef>
+      <a:fillRef idx="0">
+        <a:scrgbClr r="0" g="0" b="0"/>
+      </a:fillRef>
+      <a:effectRef idx="0">
+        <a:scrgbClr r="0" g="0" b="0"/>
+      </a:effectRef>
+      <a:fontRef idx="minor"/>
+    </dgm:style>
+  </dgm:styleLbl>
+  <dgm:styleLbl name="fgAcc1">
+    <dgm:scene3d>
+      <a:camera prst="orthographicFront"/>
+      <a:lightRig rig="threePt" dir="t"/>
+    </dgm:scene3d>
+    <dgm:sp3d/>
+    <dgm:txPr/>
+    <dgm:style>
+      <a:lnRef idx="2">
+        <a:scrgbClr r="0" g="0" b="0"/>
+      </a:lnRef>
+      <a:fillRef idx="1">
+        <a:scrgbClr r="0" g="0" b="0"/>
+      </a:fillRef>
+      <a:effectRef idx="0">
+        <a:scrgbClr r="0" g="0" b="0"/>
+      </a:effectRef>
+      <a:fontRef idx="minor"/>
+    </dgm:style>
+  </dgm:styleLbl>
+  <dgm:styleLbl name="conFgAcc1">
+    <dgm:scene3d>
+      <a:camera prst="orthographicFront"/>
+      <a:lightRig rig="threePt" dir="t"/>
+    </dgm:scene3d>
+    <dgm:sp3d/>
+    <dgm:txPr/>
+    <dgm:style>
+      <a:lnRef idx="2">
+        <a:scrgbClr r="0" g="0" b="0"/>
+      </a:lnRef>
+      <a:fillRef idx="1">
+        <a:scrgbClr r="0" g="0" b="0"/>
+      </a:fillRef>
+      <a:effectRef idx="0">
+        <a:scrgbClr r="0" g="0" b="0"/>
+      </a:effectRef>
+      <a:fontRef idx="minor"/>
+    </dgm:style>
+  </dgm:styleLbl>
+  <dgm:styleLbl name="alignAcc1">
+    <dgm:scene3d>
+      <a:camera prst="orthographicFront"/>
+      <a:lightRig rig="threePt" dir="t"/>
+    </dgm:scene3d>
+    <dgm:sp3d/>
+    <dgm:txPr/>
+    <dgm:style>
+      <a:lnRef idx="2">
+        <a:scrgbClr r="0" g="0" b="0"/>
+      </a:lnRef>
+      <a:fillRef idx="1">
+        <a:scrgbClr r="0" g="0" b="0"/>
+      </a:fillRef>
+      <a:effectRef idx="0">
+        <a:scrgbClr r="0" g="0" b="0"/>
+      </a:effectRef>
+      <a:fontRef idx="minor"/>
+    </dgm:style>
+  </dgm:styleLbl>
+  <dgm:styleLbl name="trAlignAcc1">
+    <dgm:scene3d>
+      <a:camera prst="orthographicFront"/>
+      <a:lightRig rig="threePt" dir="t"/>
+    </dgm:scene3d>
+    <dgm:sp3d/>
+    <dgm:txPr/>
+    <dgm:style>
+      <a:lnRef idx="1">
+        <a:scrgbClr r="0" g="0" b="0"/>
+      </a:lnRef>
+      <a:fillRef idx="1">
+        <a:scrgbClr r="0" g="0" b="0"/>
+      </a:fillRef>
+      <a:effectRef idx="0">
+        <a:scrgbClr r="0" g="0" b="0"/>
+      </a:effectRef>
+      <a:fontRef idx="minor"/>
+    </dgm:style>
+  </dgm:styleLbl>
+  <dgm:styleLbl name="bgAcc1">
+    <dgm:scene3d>
+      <a:camera prst="orthographicFront"/>
+      <a:lightRig rig="threePt" dir="t"/>
+    </dgm:scene3d>
+    <dgm:sp3d/>
+    <dgm:txPr/>
+    <dgm:style>
+      <a:lnRef idx="2">
+        <a:scrgbClr r="0" g="0" b="0"/>
+      </a:lnRef>
+      <a:fillRef idx="1">
+        <a:scrgbClr r="0" g="0" b="0"/>
+      </a:fillRef>
+      <a:effectRef idx="0">
+        <a:scrgbClr r="0" g="0" b="0"/>
+      </a:effectRef>
+      <a:fontRef idx="minor"/>
+    </dgm:style>
+  </dgm:styleLbl>
+  <dgm:styleLbl name="solidFgAcc1">
+    <dgm:scene3d>
+      <a:camera prst="orthographicFront"/>
+      <a:lightRig rig="threePt" dir="t"/>
+    </dgm:scene3d>
+    <dgm:sp3d/>
+    <dgm:txPr/>
+    <dgm:style>
+      <a:lnRef idx="2">
+        <a:scrgbClr r="0" g="0" b="0"/>
+      </a:lnRef>
+      <a:fillRef idx="1">
+        <a:scrgbClr r="0" g="0" b="0"/>
+      </a:fillRef>
+      <a:effectRef idx="0">
+        <a:scrgbClr r="0" g="0" b="0"/>
+      </a:effectRef>
+      <a:fontRef idx="minor"/>
+    </dgm:style>
+  </dgm:styleLbl>
+  <dgm:styleLbl name="solidAlignAcc1">
+    <dgm:scene3d>
+      <a:camera prst="orthographicFront"/>
+      <a:lightRig rig="threePt" dir="t"/>
+    </dgm:scene3d>
+    <dgm:sp3d/>
+    <dgm:txPr/>
+    <dgm:style>
+      <a:lnRef idx="2">
+        <a:scrgbClr r="0" g="0" b="0"/>
+      </a:lnRef>
+      <a:fillRef idx="1">
+        <a:scrgbClr r="0" g="0" b="0"/>
+      </a:fillRef>
+      <a:effectRef idx="0">
+        <a:scrgbClr r="0" g="0" b="0"/>
+      </a:effectRef>
+      <a:fontRef idx="minor"/>
+    </dgm:style>
+  </dgm:styleLbl>
+  <dgm:styleLbl name="solidBgAcc1">
+    <dgm:scene3d>
+      <a:camera prst="orthographicFront"/>
+      <a:lightRig rig="threePt" dir="t"/>
+    </dgm:scene3d>
+    <dgm:sp3d/>
+    <dgm:txPr/>
+    <dgm:style>
+      <a:lnRef idx="2">
+        <a:scrgbClr r="0" g="0" b="0"/>
+      </a:lnRef>
+      <a:fillRef idx="1">
+        <a:scrgbClr r="0" g="0" b="0"/>
+      </a:fillRef>
+      <a:effectRef idx="0">
+        <a:scrgbClr r="0" g="0" b="0"/>
+      </a:effectRef>
+      <a:fontRef idx="minor"/>
+    </dgm:style>
+  </dgm:styleLbl>
+  <dgm:styleLbl name="fgAccFollowNode1">
+    <dgm:scene3d>
+      <a:camera prst="orthographicFront"/>
+      <a:lightRig rig="threePt" dir="t"/>
+    </dgm:scene3d>
+    <dgm:sp3d/>
+    <dgm:txPr/>
+    <dgm:style>
+      <a:lnRef idx="2">
+        <a:scrgbClr r="0" g="0" b="0"/>
+      </a:lnRef>
+      <a:fillRef idx="1">
+        <a:scrgbClr r="0" g="0" b="0"/>
+      </a:fillRef>
+      <a:effectRef idx="0">
+        <a:scrgbClr r="0" g="0" b="0"/>
+      </a:effectRef>
+      <a:fontRef idx="minor"/>
+    </dgm:style>
+  </dgm:styleLbl>
+  <dgm:styleLbl name="alignAccFollowNode1">
+    <dgm:scene3d>
+      <a:camera prst="orthographicFront"/>
+      <a:lightRig rig="threePt" dir="t"/>
+    </dgm:scene3d>
+    <dgm:sp3d/>
+    <dgm:txPr/>
+    <dgm:style>
+      <a:lnRef idx="2">
+        <a:scrgbClr r="0" g="0" b="0"/>
+      </a:lnRef>
+      <a:fillRef idx="1">
+        <a:scrgbClr r="0" g="0" b="0"/>
+      </a:fillRef>
+      <a:effectRef idx="0">
+        <a:scrgbClr r="0" g="0" b="0"/>
+      </a:effectRef>
+      <a:fontRef idx="minor"/>
+    </dgm:style>
+  </dgm:styleLbl>
+  <dgm:styleLbl name="bgAccFollowNode1">
+    <dgm:scene3d>
+      <a:camera prst="orthographicFront"/>
+      <a:lightRig rig="threePt" dir="t"/>
+    </dgm:scene3d>
+    <dgm:sp3d/>
+    <dgm:txPr/>
+    <dgm:style>
+      <a:lnRef idx="2">
+        <a:scrgbClr r="0" g="0" b="0"/>
+      </a:lnRef>
+      <a:fillRef idx="1">
+        <a:scrgbClr r="0" g="0" b="0"/>
+      </a:fillRef>
+      <a:effectRef idx="0">
+        <a:scrgbClr r="0" g="0" b="0"/>
+      </a:effectRef>
+      <a:fontRef idx="minor"/>
+    </dgm:style>
+  </dgm:styleLbl>
+  <dgm:styleLbl name="fgAcc0">
+    <dgm:scene3d>
+      <a:camera prst="orthographicFront"/>
+      <a:lightRig rig="threePt" dir="t"/>
+    </dgm:scene3d>
+    <dgm:sp3d/>
+    <dgm:txPr/>
+    <dgm:style>
+      <a:lnRef idx="2">
+        <a:scrgbClr r="0" g="0" b="0"/>
+      </a:lnRef>
+      <a:fillRef idx="1">
+        <a:scrgbClr r="0" g="0" b="0"/>
+      </a:fillRef>
+      <a:effectRef idx="0">
+        <a:scrgbClr r="0" g="0" b="0"/>
+      </a:effectRef>
+      <a:fontRef idx="minor"/>
+    </dgm:style>
+  </dgm:styleLbl>
+  <dgm:styleLbl name="fgAcc2">
+    <dgm:scene3d>
+      <a:camera prst="orthographicFront"/>
+      <a:lightRig rig="threePt" dir="t"/>
+    </dgm:scene3d>
+    <dgm:sp3d/>
+    <dgm:txPr/>
+    <dgm:style>
+      <a:lnRef idx="2">
+        <a:scrgbClr r="0" g="0" b="0"/>
+      </a:lnRef>
+      <a:fillRef idx="1">
+        <a:scrgbClr r="0" g="0" b="0"/>
+      </a:fillRef>
+      <a:effectRef idx="0">
+        <a:scrgbClr r="0" g="0" b="0"/>
+      </a:effectRef>
+      <a:fontRef idx="minor"/>
+    </dgm:style>
+  </dgm:styleLbl>
+  <dgm:styleLbl name="fgAcc3">
+    <dgm:scene3d>
+      <a:camera prst="orthographicFront"/>
+      <a:lightRig rig="threePt" dir="t"/>
+    </dgm:scene3d>
+    <dgm:sp3d/>
+    <dgm:txPr/>
+    <dgm:style>
+      <a:lnRef idx="2">
+        <a:scrgbClr r="0" g="0" b="0"/>
+      </a:lnRef>
+      <a:fillRef idx="1">
+        <a:scrgbClr r="0" g="0" b="0"/>
+      </a:fillRef>
+      <a:effectRef idx="0">
+        <a:scrgbClr r="0" g="0" b="0"/>
+      </a:effectRef>
+      <a:fontRef idx="minor"/>
+    </dgm:style>
+  </dgm:styleLbl>
+  <dgm:styleLbl name="fgAcc4">
+    <dgm:scene3d>
+      <a:camera prst="orthographicFront"/>
+      <a:lightRig rig="threePt" dir="t"/>
+    </dgm:scene3d>
+    <dgm:sp3d/>
+    <dgm:txPr/>
+    <dgm:style>
+      <a:lnRef idx="2">
+        <a:scrgbClr r="0" g="0" b="0"/>
+      </a:lnRef>
+      <a:fillRef idx="1">
+        <a:scrgbClr r="0" g="0" b="0"/>
+      </a:fillRef>
+      <a:effectRef idx="0">
+        <a:scrgbClr r="0" g="0" b="0"/>
+      </a:effectRef>
+      <a:fontRef idx="minor"/>
+    </dgm:style>
+  </dgm:styleLbl>
+  <dgm:styleLbl name="bgShp">
+    <dgm:scene3d>
+      <a:camera prst="orthographicFront"/>
+      <a:lightRig rig="threePt" dir="t"/>
+    </dgm:scene3d>
+    <dgm:sp3d/>
+    <dgm:txPr/>
+    <dgm:style>
+      <a:lnRef idx="0">
+        <a:scrgbClr r="0" g="0" b="0"/>
+      </a:lnRef>
+      <a:fillRef idx="1">
+        <a:scrgbClr r="0" g="0" b="0"/>
+      </a:fillRef>
+      <a:effectRef idx="0">
+        <a:scrgbClr r="0" g="0" b="0"/>
+      </a:effectRef>
+      <a:fontRef idx="minor"/>
+    </dgm:style>
+  </dgm:styleLbl>
+  <dgm:styleLbl name="dkBgShp">
+    <dgm:scene3d>
+      <a:camera prst="orthographicFront"/>
+      <a:lightRig rig="threePt" dir="t"/>
+    </dgm:scene3d>
+    <dgm:sp3d/>
+    <dgm:txPr/>
+    <dgm:style>
+      <a:lnRef idx="0">
+        <a:scrgbClr r="0" g="0" b="0"/>
+      </a:lnRef>
+      <a:fillRef idx="1">
+        <a:scrgbClr r="0" g="0" b="0"/>
+      </a:fillRef>
+      <a:effectRef idx="0">
+        <a:scrgbClr r="0" g="0" b="0"/>
+      </a:effectRef>
+      <a:fontRef idx="minor"/>
+    </dgm:style>
+  </dgm:styleLbl>
+  <dgm:styleLbl name="trBgShp">
+    <dgm:scene3d>
+      <a:camera prst="orthographicFront"/>
+      <a:lightRig rig="threePt" dir="t"/>
+    </dgm:scene3d>
+    <dgm:sp3d/>
+    <dgm:txPr/>
+    <dgm:style>
+      <a:lnRef idx="0">
+        <a:scrgbClr r="0" g="0" b="0"/>
+      </a:lnRef>
+      <a:fillRef idx="1">
+        <a:scrgbClr r="0" g="0" b="0"/>
+      </a:fillRef>
+      <a:effectRef idx="0">
+        <a:scrgbClr r="0" g="0" b="0"/>
+      </a:effectRef>
+      <a:fontRef idx="minor"/>
+    </dgm:style>
+  </dgm:styleLbl>
+  <dgm:styleLbl name="fgShp">
+    <dgm:scene3d>
+      <a:camera prst="orthographicFront"/>
+      <a:lightRig rig="threePt" dir="t"/>
+    </dgm:scene3d>
+    <dgm:sp3d/>
+    <dgm:txPr/>
+    <dgm:style>
+      <a:lnRef idx="2">
+        <a:scrgbClr r="0" g="0" b="0"/>
+      </a:lnRef>
+      <a:fillRef idx="1">
+        <a:scrgbClr r="0" g="0" b="0"/>
+      </a:fillRef>
+      <a:effectRef idx="0">
+        <a:scrgbClr r="0" g="0" b="0"/>
+      </a:effectRef>
+      <a:fontRef idx="minor"/>
+    </dgm:style>
+  </dgm:styleLbl>
+  <dgm:styleLbl name="revTx">
+    <dgm:scene3d>
+      <a:camera prst="orthographicFront"/>
+      <a:lightRig rig="threePt" dir="t"/>
+    </dgm:scene3d>
+    <dgm:sp3d/>
+    <dgm:txPr/>
+    <dgm:style>
+      <a:lnRef idx="0">
+        <a:scrgbClr r="0" g="0" b="0"/>
+      </a:lnRef>
+      <a:fillRef idx="0">
+        <a:scrgbClr r="0" g="0" b="0"/>
+      </a:fillRef>
+      <a:effectRef idx="0">
+        <a:scrgbClr r="0" g="0" b="0"/>
+      </a:effectRef>
+      <a:fontRef idx="minor"/>
+    </dgm:style>
+  </dgm:styleLbl>
+</dgm:styleDef>
 </file>
 
 <file path=ppt/notesMasters/notesMaster1.xml><?xml version="1.0" encoding="utf-8"?>
@@ -808,6 +3221,18 @@
   <p:clrMapOvr>
     <a:masterClrMapping/>
   </p:clrMapOvr>
+  <mc:AlternateContent xmlns:mc="http://schemas.openxmlformats.org/markup-compatibility/2006">
+    <mc:Choice xmlns:p14="http://schemas.microsoft.com/office/powerpoint/2010/main" Requires="p14">
+      <p:transition spd="med" p14:dur="700" advTm="8000">
+        <p:fade/>
+      </p:transition>
+    </mc:Choice>
+    <mc:Fallback>
+      <p:transition spd="med" advTm="8000">
+        <p:fade/>
+      </p:transition>
+    </mc:Fallback>
+  </mc:AlternateContent>
 </p:sldLayout>
 </file>
 
@@ -1089,6 +3514,18 @@
   <p:clrMapOvr>
     <a:masterClrMapping/>
   </p:clrMapOvr>
+  <mc:AlternateContent xmlns:mc="http://schemas.openxmlformats.org/markup-compatibility/2006">
+    <mc:Choice xmlns:p14="http://schemas.microsoft.com/office/powerpoint/2010/main" Requires="p14">
+      <p:transition spd="med" p14:dur="700" advTm="8000">
+        <p:fade/>
+      </p:transition>
+    </mc:Choice>
+    <mc:Fallback>
+      <p:transition spd="med" advTm="8000">
+        <p:fade/>
+      </p:transition>
+    </mc:Fallback>
+  </mc:AlternateContent>
 </p:sldLayout>
 </file>
 
@@ -1281,6 +3718,18 @@
   <p:clrMapOvr>
     <a:masterClrMapping/>
   </p:clrMapOvr>
+  <mc:AlternateContent xmlns:mc="http://schemas.openxmlformats.org/markup-compatibility/2006">
+    <mc:Choice xmlns:p14="http://schemas.microsoft.com/office/powerpoint/2010/main" Requires="p14">
+      <p:transition spd="med" p14:dur="700" advTm="8000">
+        <p:fade/>
+      </p:transition>
+    </mc:Choice>
+    <mc:Fallback>
+      <p:transition spd="med" advTm="8000">
+        <p:fade/>
+      </p:transition>
+    </mc:Fallback>
+  </mc:AlternateContent>
 </p:sldLayout>
 </file>
 
@@ -1774,6 +4223,18 @@
   <p:clrMapOvr>
     <a:masterClrMapping/>
   </p:clrMapOvr>
+  <mc:AlternateContent xmlns:mc="http://schemas.openxmlformats.org/markup-compatibility/2006">
+    <mc:Choice xmlns:p14="http://schemas.microsoft.com/office/powerpoint/2010/main" Requires="p14">
+      <p:transition spd="med" p14:dur="700" advTm="8000">
+        <p:fade/>
+      </p:transition>
+    </mc:Choice>
+    <mc:Fallback>
+      <p:transition spd="med" advTm="8000">
+        <p:fade/>
+      </p:transition>
+    </mc:Fallback>
+  </mc:AlternateContent>
 </p:sldLayout>
 </file>
 
@@ -1968,6 +4429,18 @@
   <p:clrMapOvr>
     <a:masterClrMapping/>
   </p:clrMapOvr>
+  <mc:AlternateContent xmlns:mc="http://schemas.openxmlformats.org/markup-compatibility/2006">
+    <mc:Choice xmlns:p14="http://schemas.microsoft.com/office/powerpoint/2010/main" Requires="p14">
+      <p:transition spd="med" p14:dur="700" advTm="8000">
+        <p:fade/>
+      </p:transition>
+    </mc:Choice>
+    <mc:Fallback>
+      <p:transition spd="med" advTm="8000">
+        <p:fade/>
+      </p:transition>
+    </mc:Fallback>
+  </mc:AlternateContent>
 </p:sldLayout>
 </file>
 
@@ -2514,6 +4987,18 @@
   <p:clrMapOvr>
     <a:masterClrMapping/>
   </p:clrMapOvr>
+  <mc:AlternateContent xmlns:mc="http://schemas.openxmlformats.org/markup-compatibility/2006">
+    <mc:Choice xmlns:p14="http://schemas.microsoft.com/office/powerpoint/2010/main" Requires="p14">
+      <p:transition spd="med" p14:dur="700" advTm="8000">
+        <p:fade/>
+      </p:transition>
+    </mc:Choice>
+    <mc:Fallback>
+      <p:transition spd="med" advTm="8000">
+        <p:fade/>
+      </p:transition>
+    </mc:Fallback>
+  </mc:AlternateContent>
 </p:sldLayout>
 </file>
 
@@ -3345,6 +5830,18 @@
   <p:clrMapOvr>
     <a:masterClrMapping/>
   </p:clrMapOvr>
+  <mc:AlternateContent xmlns:mc="http://schemas.openxmlformats.org/markup-compatibility/2006">
+    <mc:Choice xmlns:p14="http://schemas.microsoft.com/office/powerpoint/2010/main" Requires="p14">
+      <p:transition spd="med" p14:dur="700" advTm="8000">
+        <p:fade/>
+      </p:transition>
+    </mc:Choice>
+    <mc:Fallback>
+      <p:transition spd="med" advTm="8000">
+        <p:fade/>
+      </p:transition>
+    </mc:Fallback>
+  </mc:AlternateContent>
 </p:sldLayout>
 </file>
 
@@ -3515,6 +6012,18 @@
   <p:clrMapOvr>
     <a:masterClrMapping/>
   </p:clrMapOvr>
+  <mc:AlternateContent xmlns:mc="http://schemas.openxmlformats.org/markup-compatibility/2006">
+    <mc:Choice xmlns:p14="http://schemas.microsoft.com/office/powerpoint/2010/main" Requires="p14">
+      <p:transition spd="med" p14:dur="700" advTm="8000">
+        <p:fade/>
+      </p:transition>
+    </mc:Choice>
+    <mc:Fallback>
+      <p:transition spd="med" advTm="8000">
+        <p:fade/>
+      </p:transition>
+    </mc:Fallback>
+  </mc:AlternateContent>
 </p:sldLayout>
 </file>
 
@@ -3695,6 +6204,18 @@
   <p:clrMapOvr>
     <a:masterClrMapping/>
   </p:clrMapOvr>
+  <mc:AlternateContent xmlns:mc="http://schemas.openxmlformats.org/markup-compatibility/2006">
+    <mc:Choice xmlns:p14="http://schemas.microsoft.com/office/powerpoint/2010/main" Requires="p14">
+      <p:transition spd="med" p14:dur="700" advTm="8000">
+        <p:fade/>
+      </p:transition>
+    </mc:Choice>
+    <mc:Fallback>
+      <p:transition spd="med" advTm="8000">
+        <p:fade/>
+      </p:transition>
+    </mc:Fallback>
+  </mc:AlternateContent>
 </p:sldLayout>
 </file>
 
@@ -3918,6 +6439,18 @@
   <p:clrMapOvr>
     <a:masterClrMapping/>
   </p:clrMapOvr>
+  <mc:AlternateContent xmlns:mc="http://schemas.openxmlformats.org/markup-compatibility/2006">
+    <mc:Choice xmlns:p14="http://schemas.microsoft.com/office/powerpoint/2010/main" Requires="p14">
+      <p:transition spd="med" p14:dur="700" advTm="8000">
+        <p:fade/>
+      </p:transition>
+    </mc:Choice>
+    <mc:Fallback>
+      <p:transition spd="med" advTm="8000">
+        <p:fade/>
+      </p:transition>
+    </mc:Fallback>
+  </mc:AlternateContent>
 </p:sldLayout>
 </file>
 
@@ -4175,6 +6708,18 @@
   <p:clrMapOvr>
     <a:masterClrMapping/>
   </p:clrMapOvr>
+  <mc:AlternateContent xmlns:mc="http://schemas.openxmlformats.org/markup-compatibility/2006">
+    <mc:Choice xmlns:p14="http://schemas.microsoft.com/office/powerpoint/2010/main" Requires="p14">
+      <p:transition spd="med" p14:dur="700" advTm="8000">
+        <p:fade/>
+      </p:transition>
+    </mc:Choice>
+    <mc:Fallback>
+      <p:transition spd="med" advTm="8000">
+        <p:fade/>
+      </p:transition>
+    </mc:Fallback>
+  </mc:AlternateContent>
 </p:sldLayout>
 </file>
 
@@ -4407,6 +6952,18 @@
   <p:clrMapOvr>
     <a:masterClrMapping/>
   </p:clrMapOvr>
+  <mc:AlternateContent xmlns:mc="http://schemas.openxmlformats.org/markup-compatibility/2006">
+    <mc:Choice xmlns:p14="http://schemas.microsoft.com/office/powerpoint/2010/main" Requires="p14">
+      <p:transition spd="med" p14:dur="700" advTm="8000">
+        <p:fade/>
+      </p:transition>
+    </mc:Choice>
+    <mc:Fallback>
+      <p:transition spd="med" advTm="8000">
+        <p:fade/>
+      </p:transition>
+    </mc:Fallback>
+  </mc:AlternateContent>
 </p:sldLayout>
 </file>
 
@@ -4800,6 +7357,18 @@
   <p:clrMapOvr>
     <a:masterClrMapping/>
   </p:clrMapOvr>
+  <mc:AlternateContent xmlns:mc="http://schemas.openxmlformats.org/markup-compatibility/2006">
+    <mc:Choice xmlns:p14="http://schemas.microsoft.com/office/powerpoint/2010/main" Requires="p14">
+      <p:transition spd="med" p14:dur="700" advTm="8000">
+        <p:fade/>
+      </p:transition>
+    </mc:Choice>
+    <mc:Fallback>
+      <p:transition spd="med" advTm="8000">
+        <p:fade/>
+      </p:transition>
+    </mc:Fallback>
+  </mc:AlternateContent>
 </p:sldLayout>
 </file>
 
@@ -4918,6 +7487,18 @@
   <p:clrMapOvr>
     <a:masterClrMapping/>
   </p:clrMapOvr>
+  <mc:AlternateContent xmlns:mc="http://schemas.openxmlformats.org/markup-compatibility/2006">
+    <mc:Choice xmlns:p14="http://schemas.microsoft.com/office/powerpoint/2010/main" Requires="p14">
+      <p:transition spd="med" p14:dur="700" advTm="8000">
+        <p:fade/>
+      </p:transition>
+    </mc:Choice>
+    <mc:Fallback>
+      <p:transition spd="med" advTm="8000">
+        <p:fade/>
+      </p:transition>
+    </mc:Fallback>
+  </mc:AlternateContent>
 </p:sldLayout>
 </file>
 
@@ -5013,6 +7594,18 @@
   <p:clrMapOvr>
     <a:masterClrMapping/>
   </p:clrMapOvr>
+  <mc:AlternateContent xmlns:mc="http://schemas.openxmlformats.org/markup-compatibility/2006">
+    <mc:Choice xmlns:p14="http://schemas.microsoft.com/office/powerpoint/2010/main" Requires="p14">
+      <p:transition spd="med" p14:dur="700" advTm="8000">
+        <p:fade/>
+      </p:transition>
+    </mc:Choice>
+    <mc:Fallback>
+      <p:transition spd="med" advTm="8000">
+        <p:fade/>
+      </p:transition>
+    </mc:Fallback>
+  </mc:AlternateContent>
 </p:sldLayout>
 </file>
 
@@ -5286,6 +7879,18 @@
   <p:clrMapOvr>
     <a:masterClrMapping/>
   </p:clrMapOvr>
+  <mc:AlternateContent xmlns:mc="http://schemas.openxmlformats.org/markup-compatibility/2006">
+    <mc:Choice xmlns:p14="http://schemas.microsoft.com/office/powerpoint/2010/main" Requires="p14">
+      <p:transition spd="med" p14:dur="700" advTm="8000">
+        <p:fade/>
+      </p:transition>
+    </mc:Choice>
+    <mc:Fallback>
+      <p:transition spd="med" advTm="8000">
+        <p:fade/>
+      </p:transition>
+    </mc:Fallback>
+  </mc:AlternateContent>
 </p:sldLayout>
 </file>
 
@@ -5567,6 +8172,18 @@
   <p:clrMapOvr>
     <a:masterClrMapping/>
   </p:clrMapOvr>
+  <mc:AlternateContent xmlns:mc="http://schemas.openxmlformats.org/markup-compatibility/2006">
+    <mc:Choice xmlns:p14="http://schemas.microsoft.com/office/powerpoint/2010/main" Requires="p14">
+      <p:transition spd="med" p14:dur="700" advTm="8000">
+        <p:fade/>
+      </p:transition>
+    </mc:Choice>
+    <mc:Fallback>
+      <p:transition spd="med" advTm="8000">
+        <p:fade/>
+      </p:transition>
+    </mc:Fallback>
+  </mc:AlternateContent>
 </p:sldLayout>
 </file>
 
@@ -5899,6 +8516,18 @@
     <p:sldLayoutId id="2147483676" r:id="rId16"/>
     <p:sldLayoutId id="2147483677" r:id="rId17"/>
   </p:sldLayoutIdLst>
+  <mc:AlternateContent xmlns:mc="http://schemas.openxmlformats.org/markup-compatibility/2006">
+    <mc:Choice xmlns:p14="http://schemas.microsoft.com/office/powerpoint/2010/main" Requires="p14">
+      <p:transition spd="med" p14:dur="700" advTm="8000">
+        <p:fade/>
+      </p:transition>
+    </mc:Choice>
+    <mc:Fallback>
+      <p:transition spd="med" advTm="8000">
+        <p:fade/>
+      </p:transition>
+    </mc:Fallback>
+  </mc:AlternateContent>
   <p:txStyles>
     <p:titleStyle>
       <a:lvl1pPr algn="l" defTabSz="685800" rtl="0" eaLnBrk="1" latinLnBrk="0" hangingPunct="1">
@@ -6993,6 +9622,18 @@
   <p:clrMapOvr>
     <a:masterClrMapping/>
   </p:clrMapOvr>
+  <mc:AlternateContent xmlns:mc="http://schemas.openxmlformats.org/markup-compatibility/2006">
+    <mc:Choice xmlns:p14="http://schemas.microsoft.com/office/powerpoint/2010/main" Requires="p14">
+      <p:transition spd="med" p14:dur="700" advTm="8000">
+        <p:fade/>
+      </p:transition>
+    </mc:Choice>
+    <mc:Fallback>
+      <p:transition spd="med" advTm="8000">
+        <p:fade/>
+      </p:transition>
+    </mc:Fallback>
+  </mc:AlternateContent>
 </p:sld>
 </file>
 
@@ -7210,14 +9851,14 @@
   <p:clrMapOvr>
     <a:masterClrMapping/>
   </p:clrMapOvr>
-  <mc:AlternateContent xmlns:mc="http://schemas.openxmlformats.org/markup-compatibility/2006" xmlns:p14="http://schemas.microsoft.com/office/powerpoint/2010/main">
-    <mc:Choice Requires="p14">
-      <p:transition spd="med" p14:dur="700" advClick="0" advTm="4000">
+  <mc:AlternateContent xmlns:mc="http://schemas.openxmlformats.org/markup-compatibility/2006">
+    <mc:Choice xmlns:p14="http://schemas.microsoft.com/office/powerpoint/2010/main" Requires="p14">
+      <p:transition spd="med" p14:dur="700" advTm="8000">
         <p:fade/>
       </p:transition>
     </mc:Choice>
-    <mc:Fallback xmlns="">
-      <p:transition spd="med" advClick="0" advTm="4000">
+    <mc:Fallback>
+      <p:transition spd="med" advTm="8000">
         <p:fade/>
       </p:transition>
     </mc:Fallback>
@@ -9097,6 +11738,18 @@
   <p:clrMapOvr>
     <a:masterClrMapping/>
   </p:clrMapOvr>
+  <mc:AlternateContent xmlns:mc="http://schemas.openxmlformats.org/markup-compatibility/2006">
+    <mc:Choice xmlns:p14="http://schemas.microsoft.com/office/powerpoint/2010/main" Requires="p14">
+      <p:transition spd="med" p14:dur="700" advTm="8000">
+        <p:fade/>
+      </p:transition>
+    </mc:Choice>
+    <mc:Fallback>
+      <p:transition spd="med" advTm="8000">
+        <p:fade/>
+      </p:transition>
+    </mc:Fallback>
+  </mc:AlternateContent>
 </p:sld>
 </file>
 
@@ -9147,119 +11800,6 @@
       </p:sp>
       <p:sp>
         <p:nvSpPr>
-          <p:cNvPr id="3" name="Content Placeholder 2">
-            <a:extLst>
-              <a:ext uri="{FF2B5EF4-FFF2-40B4-BE49-F238E27FC236}">
-                <a16:creationId xmlns:a16="http://schemas.microsoft.com/office/drawing/2014/main" id="{DA6A5859-77B1-4167-B361-2B3E94049842}"/>
-              </a:ext>
-            </a:extLst>
-          </p:cNvPr>
-          <p:cNvSpPr>
-            <a:spLocks noGrp="1"/>
-          </p:cNvSpPr>
-          <p:nvPr>
-            <p:ph idx="1"/>
-          </p:nvPr>
-        </p:nvSpPr>
-        <p:spPr>
-          <a:xfrm>
-            <a:off x="838200" y="1636888"/>
-            <a:ext cx="10515600" cy="3998101"/>
-          </a:xfrm>
-        </p:spPr>
-        <p:txBody>
-          <a:bodyPr numCol="2">
-            <a:normAutofit fontScale="92500" lnSpcReduction="10000"/>
-          </a:bodyPr>
-          <a:lstStyle/>
-          <a:p>
-            <a:r>
-              <a:rPr lang="en-US" dirty="0"/>
-              <a:t>Writing Faster SQL </a:t>
-            </a:r>
-          </a:p>
-          <a:p>
-            <a:pPr lvl="1"/>
-            <a:r>
-              <a:rPr lang="en-US" dirty="0"/>
-              <a:t>Reading query plans, sarge-ability, type mismatches, indexing</a:t>
-            </a:r>
-          </a:p>
-          <a:p>
-            <a:r>
-              <a:rPr lang="en-US" dirty="0"/>
-              <a:t>Reusing Query Plans</a:t>
-            </a:r>
-          </a:p>
-          <a:p>
-            <a:pPr lvl="1"/>
-            <a:r>
-              <a:rPr lang="en-US" dirty="0"/>
-              <a:t>Parameterization, memory usage, parameter sniffing, optional parameters, statistics</a:t>
-            </a:r>
-          </a:p>
-          <a:p>
-            <a:r>
-              <a:rPr lang="en-US" dirty="0"/>
-              <a:t>TSQL Architecture</a:t>
-            </a:r>
-          </a:p>
-          <a:p>
-            <a:pPr lvl="1"/>
-            <a:r>
-              <a:rPr lang="en-US" dirty="0"/>
-              <a:t>Errors, transactions, temp tables, deleting, OUTPUT</a:t>
-            </a:r>
-          </a:p>
-          <a:p>
-            <a:endParaRPr lang="en-US" dirty="0"/>
-          </a:p>
-          <a:p>
-            <a:r>
-              <a:rPr lang="en-US" dirty="0"/>
-              <a:t>Design Tips</a:t>
-            </a:r>
-          </a:p>
-          <a:p>
-            <a:pPr lvl="1"/>
-            <a:r>
-              <a:rPr lang="en-US" dirty="0"/>
-              <a:t>Column-store, naming, table design, schema changes</a:t>
-            </a:r>
-          </a:p>
-          <a:p>
-            <a:r>
-              <a:rPr lang="en-US" dirty="0"/>
-              <a:t>Client Applications</a:t>
-            </a:r>
-          </a:p>
-          <a:p>
-            <a:pPr lvl="1"/>
-            <a:r>
-              <a:rPr lang="en-US" dirty="0"/>
-              <a:t>Authentication, Connecting to SQL, Handling data, ORMs</a:t>
-            </a:r>
-          </a:p>
-          <a:p>
-            <a:r>
-              <a:rPr lang="en-US" dirty="0"/>
-              <a:t>New TSQL Features</a:t>
-            </a:r>
-          </a:p>
-          <a:p>
-            <a:pPr lvl="1"/>
-            <a:r>
-              <a:rPr lang="en-US" dirty="0"/>
-              <a:t>DROP &amp; CREATE, splitting strings, formatting, sequences, temporal tables</a:t>
-            </a:r>
-          </a:p>
-          <a:p>
-            <a:endParaRPr lang="en-US" dirty="0"/>
-          </a:p>
-        </p:txBody>
-      </p:sp>
-      <p:sp>
-        <p:nvSpPr>
           <p:cNvPr id="4" name="TextBox 3">
             <a:extLst>
               <a:ext uri="{FF2B5EF4-FFF2-40B4-BE49-F238E27FC236}">
@@ -9302,16 +11842,59 @@
           </a:p>
         </p:txBody>
       </p:sp>
+      <p:graphicFrame>
+        <p:nvGraphicFramePr>
+          <p:cNvPr id="9" name="Content Placeholder 8">
+            <a:extLst>
+              <a:ext uri="{FF2B5EF4-FFF2-40B4-BE49-F238E27FC236}">
+                <a16:creationId xmlns:a16="http://schemas.microsoft.com/office/drawing/2014/main" id="{97CF77D2-3E6F-4B3D-8F58-72064E18ECBC}"/>
+              </a:ext>
+            </a:extLst>
+          </p:cNvPr>
+          <p:cNvGraphicFramePr>
+            <a:graphicFrameLocks noGrp="1"/>
+          </p:cNvGraphicFramePr>
+          <p:nvPr>
+            <p:ph idx="1"/>
+            <p:extLst>
+              <p:ext uri="{D42A27DB-BD31-4B8C-83A1-F6EECF244321}">
+                <p14:modId xmlns:p14="http://schemas.microsoft.com/office/powerpoint/2010/main" val="3619425758"/>
+              </p:ext>
+            </p:extLst>
+          </p:nvPr>
+        </p:nvGraphicFramePr>
+        <p:xfrm>
+          <a:off x="838200" y="1636713"/>
+          <a:ext cx="10515600" cy="4271383"/>
+        </p:xfrm>
+        <a:graphic>
+          <a:graphicData uri="http://schemas.openxmlformats.org/drawingml/2006/diagram">
+            <dgm:relIds xmlns:dgm="http://schemas.openxmlformats.org/drawingml/2006/diagram" xmlns:r="http://schemas.openxmlformats.org/officeDocument/2006/relationships" r:dm="rId2" r:lo="rId3" r:qs="rId4" r:cs="rId5"/>
+          </a:graphicData>
+        </a:graphic>
+      </p:graphicFrame>
     </p:spTree>
     <p:extLst>
       <p:ext uri="{BB962C8B-B14F-4D97-AF65-F5344CB8AC3E}">
-        <p14:creationId xmlns:p14="http://schemas.microsoft.com/office/powerpoint/2010/main" val="1229903060"/>
+        <p14:creationId xmlns:p14="http://schemas.microsoft.com/office/powerpoint/2010/main" val="1803388935"/>
       </p:ext>
     </p:extLst>
   </p:cSld>
   <p:clrMapOvr>
     <a:masterClrMapping/>
   </p:clrMapOvr>
+  <mc:AlternateContent xmlns:mc="http://schemas.openxmlformats.org/markup-compatibility/2006">
+    <mc:Choice xmlns:p14="http://schemas.microsoft.com/office/powerpoint/2010/main" Requires="p14">
+      <p:transition spd="med" p14:dur="700" advTm="8000">
+        <p:fade/>
+      </p:transition>
+    </mc:Choice>
+    <mc:Fallback>
+      <p:transition spd="med" advTm="8000">
+        <p:fade/>
+      </p:transition>
+    </mc:Fallback>
+  </mc:AlternateContent>
 </p:sld>
 </file>
 
@@ -9337,6 +11920,233 @@
           <p:cNvPr id="2" name="Title 1">
             <a:extLst>
               <a:ext uri="{FF2B5EF4-FFF2-40B4-BE49-F238E27FC236}">
+                <a16:creationId xmlns:a16="http://schemas.microsoft.com/office/drawing/2014/main" id="{1C30BBA8-C8A3-4BFC-91EA-2114EBCE29E1}"/>
+              </a:ext>
+            </a:extLst>
+          </p:cNvPr>
+          <p:cNvSpPr>
+            <a:spLocks noGrp="1"/>
+          </p:cNvSpPr>
+          <p:nvPr>
+            <p:ph type="title"/>
+          </p:nvPr>
+        </p:nvSpPr>
+        <p:spPr/>
+        <p:txBody>
+          <a:bodyPr/>
+          <a:lstStyle/>
+          <a:p>
+            <a:r>
+              <a:rPr lang="en-US" dirty="0"/>
+              <a:t>Agenda</a:t>
+            </a:r>
+          </a:p>
+        </p:txBody>
+      </p:sp>
+      <p:sp>
+        <p:nvSpPr>
+          <p:cNvPr id="3" name="Content Placeholder 2">
+            <a:extLst>
+              <a:ext uri="{FF2B5EF4-FFF2-40B4-BE49-F238E27FC236}">
+                <a16:creationId xmlns:a16="http://schemas.microsoft.com/office/drawing/2014/main" id="{DA6A5859-77B1-4167-B361-2B3E94049842}"/>
+              </a:ext>
+            </a:extLst>
+          </p:cNvPr>
+          <p:cNvSpPr>
+            <a:spLocks noGrp="1"/>
+          </p:cNvSpPr>
+          <p:nvPr>
+            <p:ph idx="1"/>
+          </p:nvPr>
+        </p:nvSpPr>
+        <p:spPr>
+          <a:xfrm>
+            <a:off x="838200" y="1636888"/>
+            <a:ext cx="10515600" cy="3998101"/>
+          </a:xfrm>
+        </p:spPr>
+        <p:txBody>
+          <a:bodyPr numCol="2">
+            <a:normAutofit fontScale="92500" lnSpcReduction="10000"/>
+          </a:bodyPr>
+          <a:lstStyle/>
+          <a:p>
+            <a:r>
+              <a:rPr lang="en-US" dirty="0"/>
+              <a:t>Writing Faster SQL </a:t>
+            </a:r>
+          </a:p>
+          <a:p>
+            <a:pPr lvl="1"/>
+            <a:r>
+              <a:rPr lang="en-US" dirty="0"/>
+              <a:t>Reading query plans, sarge-ability, type mismatches, indexing</a:t>
+            </a:r>
+          </a:p>
+          <a:p>
+            <a:r>
+              <a:rPr lang="en-US" dirty="0"/>
+              <a:t>Reusing Query Plans</a:t>
+            </a:r>
+          </a:p>
+          <a:p>
+            <a:pPr lvl="1"/>
+            <a:r>
+              <a:rPr lang="en-US" dirty="0"/>
+              <a:t>Parameterization, memory usage, parameter sniffing, optional parameters, statistics</a:t>
+            </a:r>
+          </a:p>
+          <a:p>
+            <a:r>
+              <a:rPr lang="en-US" dirty="0"/>
+              <a:t>TSQL Architecture</a:t>
+            </a:r>
+          </a:p>
+          <a:p>
+            <a:pPr lvl="1"/>
+            <a:r>
+              <a:rPr lang="en-US" dirty="0"/>
+              <a:t>Errors, transactions, temp tables, deleting, OUTPUT</a:t>
+            </a:r>
+          </a:p>
+          <a:p>
+            <a:endParaRPr lang="en-US" dirty="0"/>
+          </a:p>
+          <a:p>
+            <a:r>
+              <a:rPr lang="en-US" dirty="0"/>
+              <a:t>Design Tips</a:t>
+            </a:r>
+          </a:p>
+          <a:p>
+            <a:pPr lvl="1"/>
+            <a:r>
+              <a:rPr lang="en-US" dirty="0"/>
+              <a:t>Column-store, naming, table design, schema changes</a:t>
+            </a:r>
+          </a:p>
+          <a:p>
+            <a:r>
+              <a:rPr lang="en-US" dirty="0"/>
+              <a:t>Client Applications</a:t>
+            </a:r>
+          </a:p>
+          <a:p>
+            <a:pPr lvl="1"/>
+            <a:r>
+              <a:rPr lang="en-US" dirty="0"/>
+              <a:t>Authentication, Connecting to SQL, Handling data, ORMs</a:t>
+            </a:r>
+          </a:p>
+          <a:p>
+            <a:r>
+              <a:rPr lang="en-US" dirty="0"/>
+              <a:t>New TSQL Features</a:t>
+            </a:r>
+          </a:p>
+          <a:p>
+            <a:pPr lvl="1"/>
+            <a:r>
+              <a:rPr lang="en-US" dirty="0"/>
+              <a:t>DROP &amp; CREATE, splitting strings, formatting, sequences, temporal tables</a:t>
+            </a:r>
+          </a:p>
+          <a:p>
+            <a:endParaRPr lang="en-US" dirty="0"/>
+          </a:p>
+        </p:txBody>
+      </p:sp>
+      <p:sp>
+        <p:nvSpPr>
+          <p:cNvPr id="4" name="TextBox 3">
+            <a:extLst>
+              <a:ext uri="{FF2B5EF4-FFF2-40B4-BE49-F238E27FC236}">
+                <a16:creationId xmlns:a16="http://schemas.microsoft.com/office/drawing/2014/main" id="{C3A163D0-CB3E-4438-B9CE-528C5C119659}"/>
+              </a:ext>
+            </a:extLst>
+          </p:cNvPr>
+          <p:cNvSpPr txBox="1"/>
+          <p:nvPr/>
+        </p:nvSpPr>
+        <p:spPr>
+          <a:xfrm>
+            <a:off x="2066536" y="5908096"/>
+            <a:ext cx="8392438" cy="584775"/>
+          </a:xfrm>
+          <a:prstGeom prst="rect">
+            <a:avLst/>
+          </a:prstGeom>
+          <a:noFill/>
+        </p:spPr>
+        <p:txBody>
+          <a:bodyPr wrap="square" rtlCol="0">
+            <a:spAutoFit/>
+          </a:bodyPr>
+          <a:lstStyle/>
+          <a:p>
+            <a:pPr algn="ctr"/>
+            <a:r>
+              <a:rPr lang="en-US" sz="3200" dirty="0">
+                <a:solidFill>
+                  <a:schemeClr val="accent5"/>
+                </a:solidFill>
+              </a:rPr>
+              <a:t>Materials at </a:t>
+            </a:r>
+            <a:r>
+              <a:rPr lang="en-US" sz="3200" b="1" dirty="0"/>
+              <a:t>github.com/billgraziano/kcdc2018</a:t>
+            </a:r>
+          </a:p>
+        </p:txBody>
+      </p:sp>
+    </p:spTree>
+    <p:extLst>
+      <p:ext uri="{BB962C8B-B14F-4D97-AF65-F5344CB8AC3E}">
+        <p14:creationId xmlns:p14="http://schemas.microsoft.com/office/powerpoint/2010/main" val="1229903060"/>
+      </p:ext>
+    </p:extLst>
+  </p:cSld>
+  <p:clrMapOvr>
+    <a:masterClrMapping/>
+  </p:clrMapOvr>
+  <mc:AlternateContent xmlns:mc="http://schemas.openxmlformats.org/markup-compatibility/2006">
+    <mc:Choice xmlns:p14="http://schemas.microsoft.com/office/powerpoint/2010/main" Requires="p14">
+      <p:transition spd="med" p14:dur="700" advTm="8000">
+        <p:fade/>
+      </p:transition>
+    </mc:Choice>
+    <mc:Fallback>
+      <p:transition spd="med" advTm="8000">
+        <p:fade/>
+      </p:transition>
+    </mc:Fallback>
+  </mc:AlternateContent>
+</p:sld>
+</file>
+
+<file path=ppt/slides/slide6.xml><?xml version="1.0" encoding="utf-8"?>
+<p:sld xmlns:a="http://schemas.openxmlformats.org/drawingml/2006/main" xmlns:r="http://schemas.openxmlformats.org/officeDocument/2006/relationships" xmlns:p="http://schemas.openxmlformats.org/presentationml/2006/main">
+  <p:cSld>
+    <p:spTree>
+      <p:nvGrpSpPr>
+        <p:cNvPr id="1" name=""/>
+        <p:cNvGrpSpPr/>
+        <p:nvPr/>
+      </p:nvGrpSpPr>
+      <p:grpSpPr>
+        <a:xfrm>
+          <a:off x="0" y="0"/>
+          <a:ext cx="0" cy="0"/>
+          <a:chOff x="0" y="0"/>
+          <a:chExt cx="0" cy="0"/>
+        </a:xfrm>
+      </p:grpSpPr>
+      <p:sp>
+        <p:nvSpPr>
+          <p:cNvPr id="2" name="Title 1">
+            <a:extLst>
+              <a:ext uri="{FF2B5EF4-FFF2-40B4-BE49-F238E27FC236}">
                 <a16:creationId xmlns:a16="http://schemas.microsoft.com/office/drawing/2014/main" id="{E9435273-86A3-4D76-B2B6-0F442685F579}"/>
               </a:ext>
             </a:extLst>
@@ -9505,10 +12315,22 @@
   <p:clrMapOvr>
     <a:masterClrMapping/>
   </p:clrMapOvr>
+  <mc:AlternateContent xmlns:mc="http://schemas.openxmlformats.org/markup-compatibility/2006">
+    <mc:Choice xmlns:p14="http://schemas.microsoft.com/office/powerpoint/2010/main" Requires="p14">
+      <p:transition spd="med" p14:dur="700" advTm="8000">
+        <p:fade/>
+      </p:transition>
+    </mc:Choice>
+    <mc:Fallback>
+      <p:transition spd="med" advTm="8000">
+        <p:fade/>
+      </p:transition>
+    </mc:Fallback>
+  </mc:AlternateContent>
 </p:sld>
 </file>
 
-<file path=ppt/slides/slide6.xml><?xml version="1.0" encoding="utf-8"?>
+<file path=ppt/slides/slide7.xml><?xml version="1.0" encoding="utf-8"?>
 <p:sld xmlns:a="http://schemas.openxmlformats.org/drawingml/2006/main" xmlns:r="http://schemas.openxmlformats.org/officeDocument/2006/relationships" xmlns:p="http://schemas.openxmlformats.org/presentationml/2006/main">
   <p:cSld>
     <p:spTree>
@@ -9718,14 +12540,14 @@
   <p:clrMapOvr>
     <a:masterClrMapping/>
   </p:clrMapOvr>
-  <mc:AlternateContent xmlns:mc="http://schemas.openxmlformats.org/markup-compatibility/2006" xmlns:p14="http://schemas.microsoft.com/office/powerpoint/2010/main">
-    <mc:Choice Requires="p14">
-      <p:transition spd="med" p14:dur="700" advTm="4000">
+  <mc:AlternateContent xmlns:mc="http://schemas.openxmlformats.org/markup-compatibility/2006">
+    <mc:Choice xmlns:p14="http://schemas.microsoft.com/office/powerpoint/2010/main" Requires="p14">
+      <p:transition spd="med" p14:dur="700" advTm="8000">
         <p:fade/>
       </p:transition>
     </mc:Choice>
-    <mc:Fallback xmlns="">
-      <p:transition spd="med" advTm="4000">
+    <mc:Fallback>
+      <p:transition spd="med" advTm="8000">
         <p:fade/>
       </p:transition>
     </mc:Fallback>
@@ -9733,7 +12555,7 @@
 </p:sld>
 </file>
 
-<file path=ppt/slides/slide7.xml><?xml version="1.0" encoding="utf-8"?>
+<file path=ppt/slides/slide8.xml><?xml version="1.0" encoding="utf-8"?>
 <p:sld xmlns:a="http://schemas.openxmlformats.org/drawingml/2006/main" xmlns:r="http://schemas.openxmlformats.org/officeDocument/2006/relationships" xmlns:p="http://schemas.openxmlformats.org/presentationml/2006/main">
   <p:cSld>
     <p:spTree>
@@ -9936,14 +12758,14 @@
   <p:clrMapOvr>
     <a:masterClrMapping/>
   </p:clrMapOvr>
-  <mc:AlternateContent xmlns:mc="http://schemas.openxmlformats.org/markup-compatibility/2006" xmlns:p14="http://schemas.microsoft.com/office/powerpoint/2010/main">
-    <mc:Choice Requires="p14">
-      <p:transition spd="med" p14:dur="700" advTm="4000">
+  <mc:AlternateContent xmlns:mc="http://schemas.openxmlformats.org/markup-compatibility/2006">
+    <mc:Choice xmlns:p14="http://schemas.microsoft.com/office/powerpoint/2010/main" Requires="p14">
+      <p:transition spd="med" p14:dur="700" advTm="6000">
         <p:fade/>
       </p:transition>
     </mc:Choice>
-    <mc:Fallback xmlns="">
-      <p:transition spd="med" advTm="4000">
+    <mc:Fallback>
+      <p:transition spd="med" advTm="6000">
         <p:fade/>
       </p:transition>
     </mc:Fallback>

--- a/ppt/Walkin #2.pptx
+++ b/ppt/Walkin #2.pptx
@@ -1115,8 +1115,8 @@
       </dsp:nvSpPr>
       <dsp:spPr>
         <a:xfrm>
-          <a:off x="3111" y="1281414"/>
-          <a:ext cx="3338648" cy="1708553"/>
+          <a:off x="182" y="1281414"/>
+          <a:ext cx="3339060" cy="1708553"/>
         </a:xfrm>
         <a:prstGeom prst="roundRect">
           <a:avLst/>
@@ -1182,8 +1182,8 @@
         </a:p>
       </dsp:txBody>
       <dsp:txXfrm>
-        <a:off x="86516" y="1364819"/>
-        <a:ext cx="3171838" cy="1541743"/>
+        <a:off x="83587" y="1364819"/>
+        <a:ext cx="3172250" cy="1541743"/>
       </dsp:txXfrm>
     </dsp:sp>
     <dsp:sp modelId="{7D63F1BA-4BB3-45B6-9229-C65E8254F5B4}">
@@ -1193,8 +1193,8 @@
       </dsp:nvSpPr>
       <dsp:spPr>
         <a:xfrm>
-          <a:off x="3588475" y="1281414"/>
-          <a:ext cx="3338648" cy="1708553"/>
+          <a:off x="3588269" y="1281414"/>
+          <a:ext cx="3339060" cy="1708553"/>
         </a:xfrm>
         <a:prstGeom prst="roundRect">
           <a:avLst/>
@@ -1260,8 +1260,8 @@
         </a:p>
       </dsp:txBody>
       <dsp:txXfrm>
-        <a:off x="3671880" y="1364819"/>
-        <a:ext cx="3171838" cy="1541743"/>
+        <a:off x="3671674" y="1364819"/>
+        <a:ext cx="3172250" cy="1541743"/>
       </dsp:txXfrm>
     </dsp:sp>
     <dsp:sp modelId="{941079E1-DDEA-4895-8CBA-5B9B62DB99B4}">
@@ -1271,8 +1271,8 @@
       </dsp:nvSpPr>
       <dsp:spPr>
         <a:xfrm>
-          <a:off x="7173840" y="1281414"/>
-          <a:ext cx="3338648" cy="1708553"/>
+          <a:off x="7176357" y="1281414"/>
+          <a:ext cx="3339060" cy="1708553"/>
         </a:xfrm>
         <a:prstGeom prst="roundRect">
           <a:avLst/>
@@ -1338,8 +1338,8 @@
         </a:p>
       </dsp:txBody>
       <dsp:txXfrm>
-        <a:off x="7257245" y="1364819"/>
-        <a:ext cx="3171838" cy="1541743"/>
+        <a:off x="7259762" y="1364819"/>
+        <a:ext cx="3172250" cy="1541743"/>
       </dsp:txXfrm>
     </dsp:sp>
   </dsp:spTree>
@@ -3221,13 +3221,13 @@
   <p:clrMapOvr>
     <a:masterClrMapping/>
   </p:clrMapOvr>
-  <mc:AlternateContent xmlns:mc="http://schemas.openxmlformats.org/markup-compatibility/2006">
-    <mc:Choice xmlns:p14="http://schemas.microsoft.com/office/powerpoint/2010/main" Requires="p14">
+  <mc:AlternateContent xmlns:mc="http://schemas.openxmlformats.org/markup-compatibility/2006" xmlns:p14="http://schemas.microsoft.com/office/powerpoint/2010/main">
+    <mc:Choice Requires="p14">
       <p:transition spd="med" p14:dur="700" advTm="8000">
         <p:fade/>
       </p:transition>
     </mc:Choice>
-    <mc:Fallback>
+    <mc:Fallback xmlns="">
       <p:transition spd="med" advTm="8000">
         <p:fade/>
       </p:transition>
@@ -3514,13 +3514,13 @@
   <p:clrMapOvr>
     <a:masterClrMapping/>
   </p:clrMapOvr>
-  <mc:AlternateContent xmlns:mc="http://schemas.openxmlformats.org/markup-compatibility/2006">
-    <mc:Choice xmlns:p14="http://schemas.microsoft.com/office/powerpoint/2010/main" Requires="p14">
+  <mc:AlternateContent xmlns:mc="http://schemas.openxmlformats.org/markup-compatibility/2006" xmlns:p14="http://schemas.microsoft.com/office/powerpoint/2010/main">
+    <mc:Choice Requires="p14">
       <p:transition spd="med" p14:dur="700" advTm="8000">
         <p:fade/>
       </p:transition>
     </mc:Choice>
-    <mc:Fallback>
+    <mc:Fallback xmlns="">
       <p:transition spd="med" advTm="8000">
         <p:fade/>
       </p:transition>
@@ -3718,13 +3718,13 @@
   <p:clrMapOvr>
     <a:masterClrMapping/>
   </p:clrMapOvr>
-  <mc:AlternateContent xmlns:mc="http://schemas.openxmlformats.org/markup-compatibility/2006">
-    <mc:Choice xmlns:p14="http://schemas.microsoft.com/office/powerpoint/2010/main" Requires="p14">
+  <mc:AlternateContent xmlns:mc="http://schemas.openxmlformats.org/markup-compatibility/2006" xmlns:p14="http://schemas.microsoft.com/office/powerpoint/2010/main">
+    <mc:Choice Requires="p14">
       <p:transition spd="med" p14:dur="700" advTm="8000">
         <p:fade/>
       </p:transition>
     </mc:Choice>
-    <mc:Fallback>
+    <mc:Fallback xmlns="">
       <p:transition spd="med" advTm="8000">
         <p:fade/>
       </p:transition>
@@ -4223,13 +4223,13 @@
   <p:clrMapOvr>
     <a:masterClrMapping/>
   </p:clrMapOvr>
-  <mc:AlternateContent xmlns:mc="http://schemas.openxmlformats.org/markup-compatibility/2006">
-    <mc:Choice xmlns:p14="http://schemas.microsoft.com/office/powerpoint/2010/main" Requires="p14">
+  <mc:AlternateContent xmlns:mc="http://schemas.openxmlformats.org/markup-compatibility/2006" xmlns:p14="http://schemas.microsoft.com/office/powerpoint/2010/main">
+    <mc:Choice Requires="p14">
       <p:transition spd="med" p14:dur="700" advTm="8000">
         <p:fade/>
       </p:transition>
     </mc:Choice>
-    <mc:Fallback>
+    <mc:Fallback xmlns="">
       <p:transition spd="med" advTm="8000">
         <p:fade/>
       </p:transition>
@@ -4429,13 +4429,13 @@
   <p:clrMapOvr>
     <a:masterClrMapping/>
   </p:clrMapOvr>
-  <mc:AlternateContent xmlns:mc="http://schemas.openxmlformats.org/markup-compatibility/2006">
-    <mc:Choice xmlns:p14="http://schemas.microsoft.com/office/powerpoint/2010/main" Requires="p14">
+  <mc:AlternateContent xmlns:mc="http://schemas.openxmlformats.org/markup-compatibility/2006" xmlns:p14="http://schemas.microsoft.com/office/powerpoint/2010/main">
+    <mc:Choice Requires="p14">
       <p:transition spd="med" p14:dur="700" advTm="8000">
         <p:fade/>
       </p:transition>
     </mc:Choice>
-    <mc:Fallback>
+    <mc:Fallback xmlns="">
       <p:transition spd="med" advTm="8000">
         <p:fade/>
       </p:transition>
@@ -4987,13 +4987,13 @@
   <p:clrMapOvr>
     <a:masterClrMapping/>
   </p:clrMapOvr>
-  <mc:AlternateContent xmlns:mc="http://schemas.openxmlformats.org/markup-compatibility/2006">
-    <mc:Choice xmlns:p14="http://schemas.microsoft.com/office/powerpoint/2010/main" Requires="p14">
+  <mc:AlternateContent xmlns:mc="http://schemas.openxmlformats.org/markup-compatibility/2006" xmlns:p14="http://schemas.microsoft.com/office/powerpoint/2010/main">
+    <mc:Choice Requires="p14">
       <p:transition spd="med" p14:dur="700" advTm="8000">
         <p:fade/>
       </p:transition>
     </mc:Choice>
-    <mc:Fallback>
+    <mc:Fallback xmlns="">
       <p:transition spd="med" advTm="8000">
         <p:fade/>
       </p:transition>
@@ -5830,13 +5830,13 @@
   <p:clrMapOvr>
     <a:masterClrMapping/>
   </p:clrMapOvr>
-  <mc:AlternateContent xmlns:mc="http://schemas.openxmlformats.org/markup-compatibility/2006">
-    <mc:Choice xmlns:p14="http://schemas.microsoft.com/office/powerpoint/2010/main" Requires="p14">
+  <mc:AlternateContent xmlns:mc="http://schemas.openxmlformats.org/markup-compatibility/2006" xmlns:p14="http://schemas.microsoft.com/office/powerpoint/2010/main">
+    <mc:Choice Requires="p14">
       <p:transition spd="med" p14:dur="700" advTm="8000">
         <p:fade/>
       </p:transition>
     </mc:Choice>
-    <mc:Fallback>
+    <mc:Fallback xmlns="">
       <p:transition spd="med" advTm="8000">
         <p:fade/>
       </p:transition>
@@ -6012,13 +6012,13 @@
   <p:clrMapOvr>
     <a:masterClrMapping/>
   </p:clrMapOvr>
-  <mc:AlternateContent xmlns:mc="http://schemas.openxmlformats.org/markup-compatibility/2006">
-    <mc:Choice xmlns:p14="http://schemas.microsoft.com/office/powerpoint/2010/main" Requires="p14">
+  <mc:AlternateContent xmlns:mc="http://schemas.openxmlformats.org/markup-compatibility/2006" xmlns:p14="http://schemas.microsoft.com/office/powerpoint/2010/main">
+    <mc:Choice Requires="p14">
       <p:transition spd="med" p14:dur="700" advTm="8000">
         <p:fade/>
       </p:transition>
     </mc:Choice>
-    <mc:Fallback>
+    <mc:Fallback xmlns="">
       <p:transition spd="med" advTm="8000">
         <p:fade/>
       </p:transition>
@@ -6204,13 +6204,13 @@
   <p:clrMapOvr>
     <a:masterClrMapping/>
   </p:clrMapOvr>
-  <mc:AlternateContent xmlns:mc="http://schemas.openxmlformats.org/markup-compatibility/2006">
-    <mc:Choice xmlns:p14="http://schemas.microsoft.com/office/powerpoint/2010/main" Requires="p14">
+  <mc:AlternateContent xmlns:mc="http://schemas.openxmlformats.org/markup-compatibility/2006" xmlns:p14="http://schemas.microsoft.com/office/powerpoint/2010/main">
+    <mc:Choice Requires="p14">
       <p:transition spd="med" p14:dur="700" advTm="8000">
         <p:fade/>
       </p:transition>
     </mc:Choice>
-    <mc:Fallback>
+    <mc:Fallback xmlns="">
       <p:transition spd="med" advTm="8000">
         <p:fade/>
       </p:transition>
@@ -6439,13 +6439,13 @@
   <p:clrMapOvr>
     <a:masterClrMapping/>
   </p:clrMapOvr>
-  <mc:AlternateContent xmlns:mc="http://schemas.openxmlformats.org/markup-compatibility/2006">
-    <mc:Choice xmlns:p14="http://schemas.microsoft.com/office/powerpoint/2010/main" Requires="p14">
+  <mc:AlternateContent xmlns:mc="http://schemas.openxmlformats.org/markup-compatibility/2006" xmlns:p14="http://schemas.microsoft.com/office/powerpoint/2010/main">
+    <mc:Choice Requires="p14">
       <p:transition spd="med" p14:dur="700" advTm="8000">
         <p:fade/>
       </p:transition>
     </mc:Choice>
-    <mc:Fallback>
+    <mc:Fallback xmlns="">
       <p:transition spd="med" advTm="8000">
         <p:fade/>
       </p:transition>
@@ -6708,13 +6708,13 @@
   <p:clrMapOvr>
     <a:masterClrMapping/>
   </p:clrMapOvr>
-  <mc:AlternateContent xmlns:mc="http://schemas.openxmlformats.org/markup-compatibility/2006">
-    <mc:Choice xmlns:p14="http://schemas.microsoft.com/office/powerpoint/2010/main" Requires="p14">
+  <mc:AlternateContent xmlns:mc="http://schemas.openxmlformats.org/markup-compatibility/2006" xmlns:p14="http://schemas.microsoft.com/office/powerpoint/2010/main">
+    <mc:Choice Requires="p14">
       <p:transition spd="med" p14:dur="700" advTm="8000">
         <p:fade/>
       </p:transition>
     </mc:Choice>
-    <mc:Fallback>
+    <mc:Fallback xmlns="">
       <p:transition spd="med" advTm="8000">
         <p:fade/>
       </p:transition>
@@ -6952,13 +6952,13 @@
   <p:clrMapOvr>
     <a:masterClrMapping/>
   </p:clrMapOvr>
-  <mc:AlternateContent xmlns:mc="http://schemas.openxmlformats.org/markup-compatibility/2006">
-    <mc:Choice xmlns:p14="http://schemas.microsoft.com/office/powerpoint/2010/main" Requires="p14">
+  <mc:AlternateContent xmlns:mc="http://schemas.openxmlformats.org/markup-compatibility/2006" xmlns:p14="http://schemas.microsoft.com/office/powerpoint/2010/main">
+    <mc:Choice Requires="p14">
       <p:transition spd="med" p14:dur="700" advTm="8000">
         <p:fade/>
       </p:transition>
     </mc:Choice>
-    <mc:Fallback>
+    <mc:Fallback xmlns="">
       <p:transition spd="med" advTm="8000">
         <p:fade/>
       </p:transition>
@@ -7357,13 +7357,13 @@
   <p:clrMapOvr>
     <a:masterClrMapping/>
   </p:clrMapOvr>
-  <mc:AlternateContent xmlns:mc="http://schemas.openxmlformats.org/markup-compatibility/2006">
-    <mc:Choice xmlns:p14="http://schemas.microsoft.com/office/powerpoint/2010/main" Requires="p14">
+  <mc:AlternateContent xmlns:mc="http://schemas.openxmlformats.org/markup-compatibility/2006" xmlns:p14="http://schemas.microsoft.com/office/powerpoint/2010/main">
+    <mc:Choice Requires="p14">
       <p:transition spd="med" p14:dur="700" advTm="8000">
         <p:fade/>
       </p:transition>
     </mc:Choice>
-    <mc:Fallback>
+    <mc:Fallback xmlns="">
       <p:transition spd="med" advTm="8000">
         <p:fade/>
       </p:transition>
@@ -7487,13 +7487,13 @@
   <p:clrMapOvr>
     <a:masterClrMapping/>
   </p:clrMapOvr>
-  <mc:AlternateContent xmlns:mc="http://schemas.openxmlformats.org/markup-compatibility/2006">
-    <mc:Choice xmlns:p14="http://schemas.microsoft.com/office/powerpoint/2010/main" Requires="p14">
+  <mc:AlternateContent xmlns:mc="http://schemas.openxmlformats.org/markup-compatibility/2006" xmlns:p14="http://schemas.microsoft.com/office/powerpoint/2010/main">
+    <mc:Choice Requires="p14">
       <p:transition spd="med" p14:dur="700" advTm="8000">
         <p:fade/>
       </p:transition>
     </mc:Choice>
-    <mc:Fallback>
+    <mc:Fallback xmlns="">
       <p:transition spd="med" advTm="8000">
         <p:fade/>
       </p:transition>
@@ -7594,13 +7594,13 @@
   <p:clrMapOvr>
     <a:masterClrMapping/>
   </p:clrMapOvr>
-  <mc:AlternateContent xmlns:mc="http://schemas.openxmlformats.org/markup-compatibility/2006">
-    <mc:Choice xmlns:p14="http://schemas.microsoft.com/office/powerpoint/2010/main" Requires="p14">
+  <mc:AlternateContent xmlns:mc="http://schemas.openxmlformats.org/markup-compatibility/2006" xmlns:p14="http://schemas.microsoft.com/office/powerpoint/2010/main">
+    <mc:Choice Requires="p14">
       <p:transition spd="med" p14:dur="700" advTm="8000">
         <p:fade/>
       </p:transition>
     </mc:Choice>
-    <mc:Fallback>
+    <mc:Fallback xmlns="">
       <p:transition spd="med" advTm="8000">
         <p:fade/>
       </p:transition>
@@ -7879,13 +7879,13 @@
   <p:clrMapOvr>
     <a:masterClrMapping/>
   </p:clrMapOvr>
-  <mc:AlternateContent xmlns:mc="http://schemas.openxmlformats.org/markup-compatibility/2006">
-    <mc:Choice xmlns:p14="http://schemas.microsoft.com/office/powerpoint/2010/main" Requires="p14">
+  <mc:AlternateContent xmlns:mc="http://schemas.openxmlformats.org/markup-compatibility/2006" xmlns:p14="http://schemas.microsoft.com/office/powerpoint/2010/main">
+    <mc:Choice Requires="p14">
       <p:transition spd="med" p14:dur="700" advTm="8000">
         <p:fade/>
       </p:transition>
     </mc:Choice>
-    <mc:Fallback>
+    <mc:Fallback xmlns="">
       <p:transition spd="med" advTm="8000">
         <p:fade/>
       </p:transition>
@@ -8172,13 +8172,13 @@
   <p:clrMapOvr>
     <a:masterClrMapping/>
   </p:clrMapOvr>
-  <mc:AlternateContent xmlns:mc="http://schemas.openxmlformats.org/markup-compatibility/2006">
-    <mc:Choice xmlns:p14="http://schemas.microsoft.com/office/powerpoint/2010/main" Requires="p14">
+  <mc:AlternateContent xmlns:mc="http://schemas.openxmlformats.org/markup-compatibility/2006" xmlns:p14="http://schemas.microsoft.com/office/powerpoint/2010/main">
+    <mc:Choice Requires="p14">
       <p:transition spd="med" p14:dur="700" advTm="8000">
         <p:fade/>
       </p:transition>
     </mc:Choice>
-    <mc:Fallback>
+    <mc:Fallback xmlns="">
       <p:transition spd="med" advTm="8000">
         <p:fade/>
       </p:transition>
@@ -8516,13 +8516,13 @@
     <p:sldLayoutId id="2147483676" r:id="rId16"/>
     <p:sldLayoutId id="2147483677" r:id="rId17"/>
   </p:sldLayoutIdLst>
-  <mc:AlternateContent xmlns:mc="http://schemas.openxmlformats.org/markup-compatibility/2006">
-    <mc:Choice xmlns:p14="http://schemas.microsoft.com/office/powerpoint/2010/main" Requires="p14">
+  <mc:AlternateContent xmlns:mc="http://schemas.openxmlformats.org/markup-compatibility/2006" xmlns:p14="http://schemas.microsoft.com/office/powerpoint/2010/main">
+    <mc:Choice Requires="p14">
       <p:transition spd="med" p14:dur="700" advTm="8000">
         <p:fade/>
       </p:transition>
     </mc:Choice>
-    <mc:Fallback>
+    <mc:Fallback xmlns="">
       <p:transition spd="med" advTm="8000">
         <p:fade/>
       </p:transition>
@@ -9622,13 +9622,13 @@
   <p:clrMapOvr>
     <a:masterClrMapping/>
   </p:clrMapOvr>
-  <mc:AlternateContent xmlns:mc="http://schemas.openxmlformats.org/markup-compatibility/2006">
-    <mc:Choice xmlns:p14="http://schemas.microsoft.com/office/powerpoint/2010/main" Requires="p14">
+  <mc:AlternateContent xmlns:mc="http://schemas.openxmlformats.org/markup-compatibility/2006" xmlns:p14="http://schemas.microsoft.com/office/powerpoint/2010/main">
+    <mc:Choice Requires="p14">
       <p:transition spd="med" p14:dur="700" advTm="8000">
         <p:fade/>
       </p:transition>
     </mc:Choice>
-    <mc:Fallback>
+    <mc:Fallback xmlns="">
       <p:transition spd="med" advTm="8000">
         <p:fade/>
       </p:transition>
@@ -9851,13 +9851,13 @@
   <p:clrMapOvr>
     <a:masterClrMapping/>
   </p:clrMapOvr>
-  <mc:AlternateContent xmlns:mc="http://schemas.openxmlformats.org/markup-compatibility/2006">
-    <mc:Choice xmlns:p14="http://schemas.microsoft.com/office/powerpoint/2010/main" Requires="p14">
+  <mc:AlternateContent xmlns:mc="http://schemas.openxmlformats.org/markup-compatibility/2006" xmlns:p14="http://schemas.microsoft.com/office/powerpoint/2010/main">
+    <mc:Choice Requires="p14">
       <p:transition spd="med" p14:dur="700" advTm="8000">
         <p:fade/>
       </p:transition>
     </mc:Choice>
-    <mc:Fallback>
+    <mc:Fallback xmlns="">
       <p:transition spd="med" advTm="8000">
         <p:fade/>
       </p:transition>
@@ -11738,13 +11738,13 @@
   <p:clrMapOvr>
     <a:masterClrMapping/>
   </p:clrMapOvr>
-  <mc:AlternateContent xmlns:mc="http://schemas.openxmlformats.org/markup-compatibility/2006">
-    <mc:Choice xmlns:p14="http://schemas.microsoft.com/office/powerpoint/2010/main" Requires="p14">
+  <mc:AlternateContent xmlns:mc="http://schemas.openxmlformats.org/markup-compatibility/2006" xmlns:p14="http://schemas.microsoft.com/office/powerpoint/2010/main">
+    <mc:Choice Requires="p14">
       <p:transition spd="med" p14:dur="700" advTm="8000">
         <p:fade/>
       </p:transition>
     </mc:Choice>
-    <mc:Fallback>
+    <mc:Fallback xmlns="">
       <p:transition spd="med" advTm="8000">
         <p:fade/>
       </p:transition>
@@ -11883,13 +11883,13 @@
   <p:clrMapOvr>
     <a:masterClrMapping/>
   </p:clrMapOvr>
-  <mc:AlternateContent xmlns:mc="http://schemas.openxmlformats.org/markup-compatibility/2006">
-    <mc:Choice xmlns:p14="http://schemas.microsoft.com/office/powerpoint/2010/main" Requires="p14">
+  <mc:AlternateContent xmlns:mc="http://schemas.openxmlformats.org/markup-compatibility/2006" xmlns:p14="http://schemas.microsoft.com/office/powerpoint/2010/main">
+    <mc:Choice Requires="p14">
       <p:transition spd="med" p14:dur="700" advTm="8000">
         <p:fade/>
       </p:transition>
     </mc:Choice>
-    <mc:Fallback>
+    <mc:Fallback xmlns="">
       <p:transition spd="med" advTm="8000">
         <p:fade/>
       </p:transition>
@@ -11962,97 +11962,97 @@
         <p:spPr>
           <a:xfrm>
             <a:off x="838200" y="1636888"/>
-            <a:ext cx="10515600" cy="3998101"/>
+            <a:ext cx="10515600" cy="4271208"/>
           </a:xfrm>
         </p:spPr>
         <p:txBody>
           <a:bodyPr numCol="2">
-            <a:normAutofit fontScale="92500" lnSpcReduction="10000"/>
+            <a:normAutofit fontScale="92500" lnSpcReduction="20000"/>
           </a:bodyPr>
           <a:lstStyle/>
           <a:p>
             <a:r>
-              <a:rPr lang="en-US" dirty="0"/>
+              <a:rPr lang="en-US" sz="3200" dirty="0"/>
               <a:t>Writing Faster SQL </a:t>
             </a:r>
           </a:p>
           <a:p>
             <a:pPr lvl="1"/>
             <a:r>
-              <a:rPr lang="en-US" dirty="0"/>
+              <a:rPr lang="en-US" sz="2800" dirty="0"/>
               <a:t>Reading query plans, sarge-ability, type mismatches, indexing</a:t>
             </a:r>
           </a:p>
           <a:p>
             <a:r>
-              <a:rPr lang="en-US" dirty="0"/>
+              <a:rPr lang="en-US" sz="3200" dirty="0"/>
               <a:t>Reusing Query Plans</a:t>
             </a:r>
           </a:p>
           <a:p>
             <a:pPr lvl="1"/>
             <a:r>
-              <a:rPr lang="en-US" dirty="0"/>
+              <a:rPr lang="en-US" sz="2800" dirty="0"/>
               <a:t>Parameterization, memory usage, parameter sniffing, optional parameters, statistics</a:t>
             </a:r>
           </a:p>
           <a:p>
             <a:r>
-              <a:rPr lang="en-US" dirty="0"/>
+              <a:rPr lang="en-US" sz="3200" dirty="0"/>
               <a:t>TSQL Architecture</a:t>
             </a:r>
           </a:p>
           <a:p>
             <a:pPr lvl="1"/>
             <a:r>
-              <a:rPr lang="en-US" dirty="0"/>
+              <a:rPr lang="en-US" sz="2800" dirty="0"/>
               <a:t>Errors, transactions, temp tables, deleting, OUTPUT</a:t>
             </a:r>
           </a:p>
           <a:p>
-            <a:endParaRPr lang="en-US" dirty="0"/>
-          </a:p>
-          <a:p>
-            <a:r>
-              <a:rPr lang="en-US" dirty="0"/>
+            <a:endParaRPr lang="en-US" sz="3200" dirty="0"/>
+          </a:p>
+          <a:p>
+            <a:r>
+              <a:rPr lang="en-US" sz="3200" dirty="0"/>
               <a:t>Design Tips</a:t>
             </a:r>
           </a:p>
           <a:p>
             <a:pPr lvl="1"/>
             <a:r>
-              <a:rPr lang="en-US" dirty="0"/>
+              <a:rPr lang="en-US" sz="2800" dirty="0"/>
               <a:t>Column-store, naming, table design, schema changes</a:t>
             </a:r>
           </a:p>
           <a:p>
             <a:r>
-              <a:rPr lang="en-US" dirty="0"/>
+              <a:rPr lang="en-US" sz="3200" dirty="0"/>
               <a:t>Client Applications</a:t>
             </a:r>
           </a:p>
           <a:p>
             <a:pPr lvl="1"/>
             <a:r>
-              <a:rPr lang="en-US" dirty="0"/>
+              <a:rPr lang="en-US" sz="2800" dirty="0"/>
               <a:t>Authentication, Connecting to SQL, Handling data, ORMs</a:t>
             </a:r>
           </a:p>
           <a:p>
             <a:r>
-              <a:rPr lang="en-US" dirty="0"/>
+              <a:rPr lang="en-US" sz="3200" dirty="0"/>
               <a:t>New TSQL Features</a:t>
             </a:r>
           </a:p>
           <a:p>
             <a:pPr lvl="1"/>
             <a:r>
-              <a:rPr lang="en-US" dirty="0"/>
+              <a:rPr lang="en-US" sz="2800" dirty="0"/>
               <a:t>DROP &amp; CREATE, splitting strings, formatting, sequences, temporal tables</a:t>
             </a:r>
           </a:p>
           <a:p>
-            <a:endParaRPr lang="en-US" dirty="0"/>
+            <a:endParaRPr lang="en-US" sz="3200" dirty="0"/>
           </a:p>
         </p:txBody>
       </p:sp>
@@ -12110,13 +12110,13 @@
   <p:clrMapOvr>
     <a:masterClrMapping/>
   </p:clrMapOvr>
-  <mc:AlternateContent xmlns:mc="http://schemas.openxmlformats.org/markup-compatibility/2006">
-    <mc:Choice xmlns:p14="http://schemas.microsoft.com/office/powerpoint/2010/main" Requires="p14">
+  <mc:AlternateContent xmlns:mc="http://schemas.openxmlformats.org/markup-compatibility/2006" xmlns:p14="http://schemas.microsoft.com/office/powerpoint/2010/main">
+    <mc:Choice Requires="p14">
       <p:transition spd="med" p14:dur="700" advTm="8000">
         <p:fade/>
       </p:transition>
     </mc:Choice>
-    <mc:Fallback>
+    <mc:Fallback xmlns="">
       <p:transition spd="med" advTm="8000">
         <p:fade/>
       </p:transition>
@@ -12315,13 +12315,13 @@
   <p:clrMapOvr>
     <a:masterClrMapping/>
   </p:clrMapOvr>
-  <mc:AlternateContent xmlns:mc="http://schemas.openxmlformats.org/markup-compatibility/2006">
-    <mc:Choice xmlns:p14="http://schemas.microsoft.com/office/powerpoint/2010/main" Requires="p14">
+  <mc:AlternateContent xmlns:mc="http://schemas.openxmlformats.org/markup-compatibility/2006" xmlns:p14="http://schemas.microsoft.com/office/powerpoint/2010/main">
+    <mc:Choice Requires="p14">
       <p:transition spd="med" p14:dur="700" advTm="8000">
         <p:fade/>
       </p:transition>
     </mc:Choice>
-    <mc:Fallback>
+    <mc:Fallback xmlns="">
       <p:transition spd="med" advTm="8000">
         <p:fade/>
       </p:transition>
@@ -12540,13 +12540,13 @@
   <p:clrMapOvr>
     <a:masterClrMapping/>
   </p:clrMapOvr>
-  <mc:AlternateContent xmlns:mc="http://schemas.openxmlformats.org/markup-compatibility/2006">
-    <mc:Choice xmlns:p14="http://schemas.microsoft.com/office/powerpoint/2010/main" Requires="p14">
+  <mc:AlternateContent xmlns:mc="http://schemas.openxmlformats.org/markup-compatibility/2006" xmlns:p14="http://schemas.microsoft.com/office/powerpoint/2010/main">
+    <mc:Choice Requires="p14">
       <p:transition spd="med" p14:dur="700" advTm="8000">
         <p:fade/>
       </p:transition>
     </mc:Choice>
-    <mc:Fallback>
+    <mc:Fallback xmlns="">
       <p:transition spd="med" advTm="8000">
         <p:fade/>
       </p:transition>
@@ -12758,13 +12758,13 @@
   <p:clrMapOvr>
     <a:masterClrMapping/>
   </p:clrMapOvr>
-  <mc:AlternateContent xmlns:mc="http://schemas.openxmlformats.org/markup-compatibility/2006">
-    <mc:Choice xmlns:p14="http://schemas.microsoft.com/office/powerpoint/2010/main" Requires="p14">
+  <mc:AlternateContent xmlns:mc="http://schemas.openxmlformats.org/markup-compatibility/2006" xmlns:p14="http://schemas.microsoft.com/office/powerpoint/2010/main">
+    <mc:Choice Requires="p14">
       <p:transition spd="med" p14:dur="700" advTm="6000">
         <p:fade/>
       </p:transition>
     </mc:Choice>
-    <mc:Fallback>
+    <mc:Fallback xmlns="">
       <p:transition spd="med" advTm="6000">
         <p:fade/>
       </p:transition>

--- a/ppt/Walkin #2.pptx
+++ b/ppt/Walkin #2.pptx
@@ -9890,7 +9890,11 @@
             <a:graphicFrameLocks noGrp="1"/>
           </p:cNvGraphicFramePr>
           <p:nvPr>
-            <p:extLst/>
+            <p:extLst>
+              <p:ext uri="{D42A27DB-BD31-4B8C-83A1-F6EECF244321}">
+                <p14:modId xmlns:p14="http://schemas.microsoft.com/office/powerpoint/2010/main" val="1874778243"/>
+              </p:ext>
+            </p:extLst>
           </p:nvPr>
         </p:nvGraphicFramePr>
         <p:xfrm>
@@ -9972,7 +9976,7 @@
                       <a:tailEnd type="none" w="med" len="med"/>
                     </a:lnB>
                     <a:solidFill>
-                      <a:schemeClr val="bg1"/>
+                      <a:schemeClr val="tx1"/>
                     </a:solidFill>
                   </a:tcPr>
                 </a:tc>
@@ -12165,7 +12169,7 @@
           <a:p>
             <a:r>
               <a:rPr lang="en-US" dirty="0"/>
-              <a:t>Databases</a:t>
+              <a:t>Downloads</a:t>
             </a:r>
           </a:p>
         </p:txBody>
@@ -12197,6 +12201,34 @@
           <a:lstStyle/>
           <a:p>
             <a:r>
+              <a:rPr lang="en-US" b="1" dirty="0"/>
+              <a:t>github.com/</a:t>
+            </a:r>
+            <a:r>
+              <a:rPr lang="en-US" b="1" dirty="0" err="1"/>
+              <a:t>billgraziano</a:t>
+            </a:r>
+            <a:r>
+              <a:rPr lang="en-US" b="1" dirty="0"/>
+              <a:t>/kcdc2018</a:t>
+            </a:r>
+          </a:p>
+          <a:p>
+            <a:pPr lvl="1"/>
+            <a:r>
+              <a:rPr lang="en-US" dirty="0"/>
+              <a:t>PPTs, SQL Scripts, demo apps</a:t>
+            </a:r>
+          </a:p>
+          <a:p>
+            <a:pPr lvl="1"/>
+            <a:r>
+              <a:rPr lang="en-US" dirty="0"/>
+              <a:t>Download as ZIP in the upper right corner</a:t>
+            </a:r>
+          </a:p>
+          <a:p>
+            <a:r>
               <a:rPr lang="en-US" dirty="0"/>
               <a:t>github.com/Microsoft/</a:t>
             </a:r>
@@ -12224,12 +12256,8 @@
           <a:p>
             <a:pPr lvl="1"/>
             <a:r>
-              <a:rPr lang="en-US"/>
-              <a:t>AdventureWorksDW2016</a:t>
-            </a:r>
-            <a:r>
               <a:rPr lang="en-US" dirty="0"/>
-              <a:t>_EXT (883 MB)</a:t>
+              <a:t>AdventureWorksDW2016_EXT (883 MB)</a:t>
             </a:r>
           </a:p>
           <a:p>
